--- a/PosterPresentation.pptx
+++ b/PosterPresentation.pptx
@@ -5,7 +5,7 @@
     <p:sldMasterId id="2147483648" r:id="rId1"/>
   </p:sldMasterIdLst>
   <p:notesMasterIdLst>
-    <p:notesMasterId r:id="rId17"/>
+    <p:notesMasterId r:id="rId18"/>
   </p:notesMasterIdLst>
   <p:sldIdLst>
     <p:sldId id="257" r:id="rId2"/>
@@ -13,16 +13,17 @@
     <p:sldId id="259" r:id="rId4"/>
     <p:sldId id="263" r:id="rId5"/>
     <p:sldId id="264" r:id="rId6"/>
-    <p:sldId id="271" r:id="rId7"/>
-    <p:sldId id="272" r:id="rId8"/>
-    <p:sldId id="265" r:id="rId9"/>
-    <p:sldId id="266" r:id="rId10"/>
-    <p:sldId id="267" r:id="rId11"/>
-    <p:sldId id="268" r:id="rId12"/>
+    <p:sldId id="272" r:id="rId7"/>
+    <p:sldId id="274" r:id="rId8"/>
+    <p:sldId id="276" r:id="rId9"/>
+    <p:sldId id="265" r:id="rId10"/>
+    <p:sldId id="266" r:id="rId11"/>
+    <p:sldId id="267" r:id="rId12"/>
     <p:sldId id="269" r:id="rId13"/>
     <p:sldId id="270" r:id="rId14"/>
     <p:sldId id="273" r:id="rId15"/>
-    <p:sldId id="262" r:id="rId16"/>
+    <p:sldId id="275" r:id="rId16"/>
+    <p:sldId id="262" r:id="rId17"/>
   </p:sldIdLst>
   <p:sldSz cx="12192000" cy="6858000"/>
   <p:notesSz cx="6858000" cy="9144000"/>
@@ -1453,6 +1454,220 @@
 </p:notes>
 </file>
 
+<file path=ppt/notesSlides/notesSlide10.xml><?xml version="1.0" encoding="utf-8"?>
+<p:notes xmlns:a="http://schemas.openxmlformats.org/drawingml/2006/main" xmlns:r="http://schemas.openxmlformats.org/officeDocument/2006/relationships" xmlns:p="http://schemas.openxmlformats.org/presentationml/2006/main">
+  <p:cSld>
+    <p:spTree>
+      <p:nvGrpSpPr>
+        <p:cNvPr id="1" name=""/>
+        <p:cNvGrpSpPr/>
+        <p:nvPr/>
+      </p:nvGrpSpPr>
+      <p:grpSpPr>
+        <a:xfrm>
+          <a:off x="0" y="0"/>
+          <a:ext cx="0" cy="0"/>
+          <a:chOff x="0" y="0"/>
+          <a:chExt cx="0" cy="0"/>
+        </a:xfrm>
+      </p:grpSpPr>
+      <p:sp>
+        <p:nvSpPr>
+          <p:cNvPr id="2" name="Slide Image Placeholder 1"/>
+          <p:cNvSpPr>
+            <a:spLocks noGrp="1" noRot="1" noChangeAspect="1"/>
+          </p:cNvSpPr>
+          <p:nvPr>
+            <p:ph type="sldImg"/>
+          </p:nvPr>
+        </p:nvSpPr>
+        <p:spPr/>
+      </p:sp>
+      <p:sp>
+        <p:nvSpPr>
+          <p:cNvPr id="3" name="Notes Placeholder 2"/>
+          <p:cNvSpPr>
+            <a:spLocks noGrp="1"/>
+          </p:cNvSpPr>
+          <p:nvPr>
+            <p:ph type="body" idx="1"/>
+          </p:nvPr>
+        </p:nvSpPr>
+        <p:spPr/>
+        <p:txBody>
+          <a:bodyPr/>
+          <a:lstStyle/>
+          <a:p>
+            <a:r>
+              <a:rPr lang="en-US" dirty="0"/>
+              <a:t>Model	Size	Top-1 Accuracy	Top-5 Accuracy	Parameters	Depth</a:t>
+            </a:r>
+          </a:p>
+          <a:p>
+            <a:r>
+              <a:rPr lang="en-US" dirty="0" err="1"/>
+              <a:t>Xception</a:t>
+            </a:r>
+            <a:r>
+              <a:rPr lang="en-US" dirty="0"/>
+              <a:t>	88 MB	0.79	0.945	22,910,480	126</a:t>
+            </a:r>
+          </a:p>
+          <a:p>
+            <a:r>
+              <a:rPr lang="en-US" dirty="0"/>
+              <a:t>VGG16	528 MB	0.713	0.901	138,357,544	23</a:t>
+            </a:r>
+          </a:p>
+          <a:p>
+            <a:r>
+              <a:rPr lang="en-US" dirty="0"/>
+              <a:t>VGG19	549 MB	0.713	0.9	143,667,240	26</a:t>
+            </a:r>
+          </a:p>
+          <a:p>
+            <a:r>
+              <a:rPr lang="en-US" dirty="0"/>
+              <a:t>ResNet50	98 MB	0.749	0.921	25,636,712	-</a:t>
+            </a:r>
+          </a:p>
+          <a:p>
+            <a:r>
+              <a:rPr lang="en-US" dirty="0"/>
+              <a:t>ResNet101	171 MB	0.764	0.928	44,707,176	-</a:t>
+            </a:r>
+          </a:p>
+          <a:p>
+            <a:r>
+              <a:rPr lang="en-US" dirty="0"/>
+              <a:t>ResNet152	232 MB	0.766	0.931	60,419,944	-</a:t>
+            </a:r>
+          </a:p>
+          <a:p>
+            <a:r>
+              <a:rPr lang="en-US" dirty="0"/>
+              <a:t>ResNet50V2	98 MB	0.76	0.93	25,613,800	-</a:t>
+            </a:r>
+          </a:p>
+          <a:p>
+            <a:r>
+              <a:rPr lang="en-US" dirty="0"/>
+              <a:t>ResNet101V2	171 MB	0.772	0.938	44,675,560	-</a:t>
+            </a:r>
+          </a:p>
+          <a:p>
+            <a:r>
+              <a:rPr lang="en-US" dirty="0"/>
+              <a:t>ResNet152V2	232 MB	0.78	0.942	60,380,648	-</a:t>
+            </a:r>
+          </a:p>
+          <a:p>
+            <a:r>
+              <a:rPr lang="en-US" dirty="0"/>
+              <a:t>InceptionV3	92 MB	0.779	0.937	23,851,784	159</a:t>
+            </a:r>
+          </a:p>
+          <a:p>
+            <a:r>
+              <a:rPr lang="en-US" dirty="0"/>
+              <a:t>InceptionResNetV2	215 MB	0.803	0.953	55,873,736	572</a:t>
+            </a:r>
+          </a:p>
+          <a:p>
+            <a:r>
+              <a:rPr lang="en-US" dirty="0" err="1"/>
+              <a:t>MobileNet</a:t>
+            </a:r>
+            <a:r>
+              <a:rPr lang="en-US" dirty="0"/>
+              <a:t>	16 MB	0.704	0.895	4,253,864	88</a:t>
+            </a:r>
+          </a:p>
+          <a:p>
+            <a:r>
+              <a:rPr lang="en-US" dirty="0"/>
+              <a:t>MobileNetV2	14 MB	0.713	0.901	3,538,984	88</a:t>
+            </a:r>
+          </a:p>
+          <a:p>
+            <a:r>
+              <a:rPr lang="en-US" dirty="0"/>
+              <a:t>DenseNet121	33 MB	0.75	0.923	8,062,504	121</a:t>
+            </a:r>
+          </a:p>
+          <a:p>
+            <a:r>
+              <a:rPr lang="en-US" dirty="0"/>
+              <a:t>DenseNet169	57 MB	0.762	0.932	14,307,880	169</a:t>
+            </a:r>
+          </a:p>
+          <a:p>
+            <a:r>
+              <a:rPr lang="en-US" dirty="0"/>
+              <a:t>DenseNet201	80 MB	0.773	0.936	20,242,984	201</a:t>
+            </a:r>
+          </a:p>
+          <a:p>
+            <a:r>
+              <a:rPr lang="en-US" dirty="0" err="1"/>
+              <a:t>NASNetMobile</a:t>
+            </a:r>
+            <a:r>
+              <a:rPr lang="en-US" dirty="0"/>
+              <a:t>	23 MB	0.744	0.919	5,326,716	-</a:t>
+            </a:r>
+          </a:p>
+          <a:p>
+            <a:r>
+              <a:rPr lang="en-US" dirty="0" err="1"/>
+              <a:t>NASNetLarge</a:t>
+            </a:r>
+            <a:r>
+              <a:rPr lang="en-US" dirty="0"/>
+              <a:t>	343 MB	0.825	0.96	88,949,818	-</a:t>
+            </a:r>
+          </a:p>
+          <a:p>
+            <a:endParaRPr lang="en-US" dirty="0"/>
+          </a:p>
+        </p:txBody>
+      </p:sp>
+      <p:sp>
+        <p:nvSpPr>
+          <p:cNvPr id="4" name="Slide Number Placeholder 3"/>
+          <p:cNvSpPr>
+            <a:spLocks noGrp="1"/>
+          </p:cNvSpPr>
+          <p:nvPr>
+            <p:ph type="sldNum" sz="quarter" idx="5"/>
+          </p:nvPr>
+        </p:nvSpPr>
+        <p:spPr/>
+        <p:txBody>
+          <a:bodyPr/>
+          <a:lstStyle/>
+          <a:p>
+            <a:fld id="{AA67868C-C2FC-45ED-8755-D0511E2880FE}" type="slidenum">
+              <a:rPr lang="en-US" smtClean="0"/>
+              <a:t>15</a:t>
+            </a:fld>
+            <a:endParaRPr lang="en-US"/>
+          </a:p>
+        </p:txBody>
+      </p:sp>
+    </p:spTree>
+    <p:extLst>
+      <p:ext uri="{BB962C8B-B14F-4D97-AF65-F5344CB8AC3E}">
+        <p14:creationId xmlns:p14="http://schemas.microsoft.com/office/powerpoint/2010/main" val="1108826923"/>
+      </p:ext>
+    </p:extLst>
+  </p:cSld>
+  <p:clrMapOvr>
+    <a:masterClrMapping/>
+  </p:clrMapOvr>
+</p:notes>
+</file>
+
 <file path=ppt/notesSlides/notesSlide2.xml><?xml version="1.0" encoding="utf-8"?>
 <p:notes xmlns:a="http://schemas.openxmlformats.org/drawingml/2006/main" xmlns:r="http://schemas.openxmlformats.org/officeDocument/2006/relationships" xmlns:p="http://schemas.openxmlformats.org/presentationml/2006/main">
   <p:cSld>
@@ -1835,7 +2050,7 @@
     </p:spTree>
     <p:extLst>
       <p:ext uri="{BB962C8B-B14F-4D97-AF65-F5344CB8AC3E}">
-        <p14:creationId xmlns:p14="http://schemas.microsoft.com/office/powerpoint/2010/main" val="3769933761"/>
+        <p14:creationId xmlns:p14="http://schemas.microsoft.com/office/powerpoint/2010/main" val="3577292802"/>
       </p:ext>
     </p:extLst>
   </p:cSld>
@@ -1889,74 +2104,6 @@
           <a:bodyPr/>
           <a:lstStyle/>
           <a:p>
-            <a:pPr marL="0" marR="0" lvl="0" indent="0" algn="l" defTabSz="914400" rtl="0" eaLnBrk="1" fontAlgn="auto" latinLnBrk="0" hangingPunct="1">
-              <a:lnSpc>
-                <a:spcPct val="100000"/>
-              </a:lnSpc>
-              <a:spcBef>
-                <a:spcPts val="0"/>
-              </a:spcBef>
-              <a:spcAft>
-                <a:spcPts val="0"/>
-              </a:spcAft>
-              <a:buClrTx/>
-              <a:buSzTx/>
-              <a:buFontTx/>
-              <a:buNone/>
-              <a:tabLst/>
-              <a:defRPr/>
-            </a:pPr>
-            <a:r>
-              <a:rPr lang="es-ES" sz="1200" dirty="0">
-                <a:solidFill>
-                  <a:schemeClr val="tx1">
-                    <a:lumMod val="85000"/>
-                    <a:lumOff val="15000"/>
-                  </a:schemeClr>
-                </a:solidFill>
-                <a:latin typeface="Jost" pitchFamily="2" charset="0"/>
-                <a:ea typeface="Jost" pitchFamily="2" charset="0"/>
-              </a:rPr>
-              <a:t>El conjunto de datos contiene 2 carpetas con imágenes de glóbulos clasificados como infectados y no </a:t>
-            </a:r>
-            <a:r>
-              <a:rPr lang="es-ES" sz="1200" dirty="0" err="1">
-                <a:solidFill>
-                  <a:schemeClr val="tx1">
-                    <a:lumMod val="85000"/>
-                    <a:lumOff val="15000"/>
-                  </a:schemeClr>
-                </a:solidFill>
-                <a:latin typeface="Jost" pitchFamily="2" charset="0"/>
-                <a:ea typeface="Jost" pitchFamily="2" charset="0"/>
-              </a:rPr>
-              <a:t>infectados,un</a:t>
-            </a:r>
-            <a:r>
-              <a:rPr lang="es-ES" sz="1200" dirty="0">
-                <a:solidFill>
-                  <a:schemeClr val="tx1">
-                    <a:lumMod val="85000"/>
-                    <a:lumOff val="15000"/>
-                  </a:schemeClr>
-                </a:solidFill>
-                <a:latin typeface="Jost" pitchFamily="2" charset="0"/>
-                <a:ea typeface="Jost" pitchFamily="2" charset="0"/>
-              </a:rPr>
-              <a:t> total de 27,558 imágenes.</a:t>
-            </a:r>
-            <a:endParaRPr lang="en-US" sz="1200" dirty="0">
-              <a:solidFill>
-                <a:schemeClr val="tx1">
-                  <a:lumMod val="85000"/>
-                  <a:lumOff val="15000"/>
-                </a:schemeClr>
-              </a:solidFill>
-              <a:latin typeface="Jost" pitchFamily="2" charset="0"/>
-              <a:ea typeface="Jost" pitchFamily="2" charset="0"/>
-            </a:endParaRPr>
-          </a:p>
-          <a:p>
             <a:endParaRPr lang="en-US" dirty="0"/>
           </a:p>
         </p:txBody>
@@ -1987,7 +2134,7 @@
     </p:spTree>
     <p:extLst>
       <p:ext uri="{BB962C8B-B14F-4D97-AF65-F5344CB8AC3E}">
-        <p14:creationId xmlns:p14="http://schemas.microsoft.com/office/powerpoint/2010/main" val="3577292802"/>
+        <p14:creationId xmlns:p14="http://schemas.microsoft.com/office/powerpoint/2010/main" val="2035969609"/>
       </p:ext>
     </p:extLst>
   </p:cSld>
@@ -2041,87 +2188,6 @@
           <a:bodyPr/>
           <a:lstStyle/>
           <a:p>
-            <a:r>
-              <a:rPr lang="es-419" dirty="0"/>
-              <a:t>Que hicimos**</a:t>
-            </a:r>
-          </a:p>
-          <a:p>
-            <a:r>
-              <a:rPr lang="es-ES" dirty="0"/>
-              <a:t>Comparar el desempeño en la clasificación de imágenes del </a:t>
-            </a:r>
-            <a:r>
-              <a:rPr lang="es-ES" dirty="0" err="1"/>
-              <a:t>dataset</a:t>
-            </a:r>
-            <a:r>
-              <a:rPr lang="es-ES" dirty="0"/>
-              <a:t> utilizando diferentes redes neurales. De esta forma podemos hacer un reconocimiento rápido para poder determinar si una muestra se encuentra infectada o no.</a:t>
-            </a:r>
-            <a:endParaRPr lang="es-419" dirty="0"/>
-          </a:p>
-          <a:p>
-            <a:r>
-              <a:rPr lang="es-419" dirty="0"/>
-              <a:t>Porque escogimos transfer learning – medical </a:t>
-            </a:r>
-            <a:r>
-              <a:rPr lang="es-419" dirty="0" err="1"/>
-              <a:t>papers</a:t>
-            </a:r>
-            <a:r>
-              <a:rPr lang="es-419" dirty="0"/>
-              <a:t> para imágenes usan TL</a:t>
-            </a:r>
-          </a:p>
-          <a:p>
-            <a:r>
-              <a:rPr lang="es-419" dirty="0" err="1"/>
-              <a:t>ImageNet</a:t>
-            </a:r>
-            <a:r>
-              <a:rPr lang="es-419" dirty="0"/>
-              <a:t> ----- realiza un buen desempeño </a:t>
-            </a:r>
-          </a:p>
-          <a:p>
-            <a:endParaRPr lang="es-419" dirty="0"/>
-          </a:p>
-          <a:p>
-            <a:r>
-              <a:rPr lang="es-419" dirty="0" err="1"/>
-              <a:t>Accuracy</a:t>
-            </a:r>
-            <a:endParaRPr lang="es-419" dirty="0"/>
-          </a:p>
-          <a:p>
-            <a:r>
-              <a:rPr lang="es-419" dirty="0" err="1"/>
-              <a:t>Precision</a:t>
-            </a:r>
-            <a:r>
-              <a:rPr lang="es-419" dirty="0"/>
-              <a:t> </a:t>
-            </a:r>
-          </a:p>
-          <a:p>
-            <a:r>
-              <a:rPr lang="es-419" dirty="0" err="1"/>
-              <a:t>Recall</a:t>
-            </a:r>
-            <a:r>
-              <a:rPr lang="es-419" dirty="0"/>
-              <a:t> </a:t>
-            </a:r>
-          </a:p>
-          <a:p>
-            <a:r>
-              <a:rPr lang="es-419" dirty="0"/>
-              <a:t>F1</a:t>
-            </a:r>
-          </a:p>
-          <a:p>
             <a:endParaRPr lang="en-US" dirty="0"/>
           </a:p>
         </p:txBody>
@@ -2152,7 +2218,7 @@
     </p:spTree>
     <p:extLst>
       <p:ext uri="{BB962C8B-B14F-4D97-AF65-F5344CB8AC3E}">
-        <p14:creationId xmlns:p14="http://schemas.microsoft.com/office/powerpoint/2010/main" val="849396896"/>
+        <p14:creationId xmlns:p14="http://schemas.microsoft.com/office/powerpoint/2010/main" val="4249311277"/>
       </p:ext>
     </p:extLst>
   </p:cSld>
@@ -2206,6 +2272,87 @@
           <a:bodyPr/>
           <a:lstStyle/>
           <a:p>
+            <a:r>
+              <a:rPr lang="es-419" dirty="0"/>
+              <a:t>Que hicimos**</a:t>
+            </a:r>
+          </a:p>
+          <a:p>
+            <a:r>
+              <a:rPr lang="es-ES" dirty="0"/>
+              <a:t>Comparar el desempeño en la clasificación de imágenes del </a:t>
+            </a:r>
+            <a:r>
+              <a:rPr lang="es-ES" dirty="0" err="1"/>
+              <a:t>dataset</a:t>
+            </a:r>
+            <a:r>
+              <a:rPr lang="es-ES" dirty="0"/>
+              <a:t> utilizando diferentes redes neurales. De esta forma podemos hacer un reconocimiento rápido para poder determinar si una muestra se encuentra infectada o no.</a:t>
+            </a:r>
+            <a:endParaRPr lang="es-419" dirty="0"/>
+          </a:p>
+          <a:p>
+            <a:r>
+              <a:rPr lang="es-419" dirty="0"/>
+              <a:t>Porque escogimos transfer learning – medical </a:t>
+            </a:r>
+            <a:r>
+              <a:rPr lang="es-419" dirty="0" err="1"/>
+              <a:t>papers</a:t>
+            </a:r>
+            <a:r>
+              <a:rPr lang="es-419" dirty="0"/>
+              <a:t> para imágenes usan TL</a:t>
+            </a:r>
+          </a:p>
+          <a:p>
+            <a:r>
+              <a:rPr lang="es-419" dirty="0" err="1"/>
+              <a:t>ImageNet</a:t>
+            </a:r>
+            <a:r>
+              <a:rPr lang="es-419" dirty="0"/>
+              <a:t> ----- realiza un buen desempeño </a:t>
+            </a:r>
+          </a:p>
+          <a:p>
+            <a:endParaRPr lang="es-419" dirty="0"/>
+          </a:p>
+          <a:p>
+            <a:r>
+              <a:rPr lang="es-419" dirty="0" err="1"/>
+              <a:t>Accuracy</a:t>
+            </a:r>
+            <a:endParaRPr lang="es-419" dirty="0"/>
+          </a:p>
+          <a:p>
+            <a:r>
+              <a:rPr lang="es-419" dirty="0" err="1"/>
+              <a:t>Precision</a:t>
+            </a:r>
+            <a:r>
+              <a:rPr lang="es-419" dirty="0"/>
+              <a:t> </a:t>
+            </a:r>
+          </a:p>
+          <a:p>
+            <a:r>
+              <a:rPr lang="es-419" dirty="0" err="1"/>
+              <a:t>Recall</a:t>
+            </a:r>
+            <a:r>
+              <a:rPr lang="es-419" dirty="0"/>
+              <a:t> </a:t>
+            </a:r>
+          </a:p>
+          <a:p>
+            <a:r>
+              <a:rPr lang="es-419" dirty="0"/>
+              <a:t>F1</a:t>
+            </a:r>
+          </a:p>
+          <a:p>
             <a:endParaRPr lang="en-US" dirty="0"/>
           </a:p>
         </p:txBody>
@@ -2227,7 +2374,7 @@
           <a:p>
             <a:fld id="{AA67868C-C2FC-45ED-8755-D0511E2880FE}" type="slidenum">
               <a:rPr lang="en-US" smtClean="0"/>
-              <a:t>11</a:t>
+              <a:t>9</a:t>
             </a:fld>
             <a:endParaRPr lang="en-US"/>
           </a:p>
@@ -2236,7 +2383,7 @@
     </p:spTree>
     <p:extLst>
       <p:ext uri="{BB962C8B-B14F-4D97-AF65-F5344CB8AC3E}">
-        <p14:creationId xmlns:p14="http://schemas.microsoft.com/office/powerpoint/2010/main" val="351131550"/>
+        <p14:creationId xmlns:p14="http://schemas.microsoft.com/office/powerpoint/2010/main" val="849396896"/>
       </p:ext>
     </p:extLst>
   </p:cSld>
@@ -5804,7 +5951,7 @@
                 <a:latin typeface="Jost" pitchFamily="2" charset="0"/>
                 <a:ea typeface="Jost" pitchFamily="2" charset="0"/>
               </a:rPr>
-              <a:t>Inception</a:t>
+              <a:t>CNN</a:t>
             </a:r>
             <a:endParaRPr lang="en-US" sz="3200" b="1" dirty="0">
               <a:solidFill>
@@ -5936,7 +6083,7 @@
           <p:cNvPr id="4" name="Picture 3">
             <a:extLst>
               <a:ext uri="{FF2B5EF4-FFF2-40B4-BE49-F238E27FC236}">
-                <a16:creationId xmlns:a16="http://schemas.microsoft.com/office/drawing/2014/main" id="{63174111-DA0A-4317-BD3C-DA089EBDE7FD}"/>
+                <a16:creationId xmlns:a16="http://schemas.microsoft.com/office/drawing/2014/main" id="{ABB3E3B1-DA2D-4FB6-ABBE-27863287A16A}"/>
               </a:ext>
             </a:extLst>
           </p:cNvPr>
@@ -5945,16 +6092,15 @@
           </p:cNvPicPr>
           <p:nvPr/>
         </p:nvPicPr>
-        <p:blipFill>
+        <p:blipFill rotWithShape="1">
           <a:blip r:embed="rId4"/>
-          <a:stretch>
-            <a:fillRect/>
-          </a:stretch>
+          <a:srcRect l="50000" t="55111"/>
+          <a:stretch/>
         </p:blipFill>
         <p:spPr>
           <a:xfrm>
-            <a:off x="2656927" y="243537"/>
-            <a:ext cx="7235757" cy="6370926"/>
+            <a:off x="3894338" y="2046873"/>
+            <a:ext cx="4184342" cy="3369322"/>
           </a:xfrm>
           <a:prstGeom prst="rect">
             <a:avLst/>
@@ -5964,7 +6110,7 @@
     </p:spTree>
     <p:extLst>
       <p:ext uri="{BB962C8B-B14F-4D97-AF65-F5344CB8AC3E}">
-        <p14:creationId xmlns:p14="http://schemas.microsoft.com/office/powerpoint/2010/main" val="3968063084"/>
+        <p14:creationId xmlns:p14="http://schemas.microsoft.com/office/powerpoint/2010/main" val="2924433744"/>
       </p:ext>
     </p:extLst>
   </p:cSld>
@@ -6030,7 +6176,7 @@
                 <a:latin typeface="Jost" pitchFamily="2" charset="0"/>
                 <a:ea typeface="Jost" pitchFamily="2" charset="0"/>
               </a:rPr>
-              <a:t>Efficient Net</a:t>
+              <a:t>Inception</a:t>
             </a:r>
             <a:endParaRPr lang="en-US" sz="3200" b="1" dirty="0">
               <a:solidFill>
@@ -6057,7 +6203,7 @@
           <p:nvPr/>
         </p:nvPicPr>
         <p:blipFill>
-          <a:blip r:embed="rId3">
+          <a:blip r:embed="rId2">
             <a:extLst>
               <a:ext uri="{28A0092B-C50C-407E-A947-70E740481C1C}">
                 <a14:useLocalDpi xmlns:a14="http://schemas.microsoft.com/office/drawing/2010/main" val="0"/>
@@ -6093,7 +6239,7 @@
           <p:nvPr/>
         </p:nvPicPr>
         <p:blipFill>
-          <a:blip r:embed="rId4">
+          <a:blip r:embed="rId3">
             <a:extLst>
               <a:ext uri="{28A0092B-C50C-407E-A947-70E740481C1C}">
                 <a14:useLocalDpi xmlns:a14="http://schemas.microsoft.com/office/drawing/2010/main" val="0"/>
@@ -6162,7 +6308,7 @@
           <p:cNvPr id="4" name="Picture 3">
             <a:extLst>
               <a:ext uri="{FF2B5EF4-FFF2-40B4-BE49-F238E27FC236}">
-                <a16:creationId xmlns:a16="http://schemas.microsoft.com/office/drawing/2014/main" id="{133A7665-512B-4D6B-9F0E-EFB9C8D84B3D}"/>
+                <a16:creationId xmlns:a16="http://schemas.microsoft.com/office/drawing/2014/main" id="{63174111-DA0A-4317-BD3C-DA089EBDE7FD}"/>
               </a:ext>
             </a:extLst>
           </p:cNvPr>
@@ -6171,16 +6317,95 @@
           </p:cNvPicPr>
           <p:nvPr/>
         </p:nvPicPr>
-        <p:blipFill>
-          <a:blip r:embed="rId5"/>
-          <a:stretch>
-            <a:fillRect/>
-          </a:stretch>
+        <p:blipFill rotWithShape="1">
+          <a:blip r:embed="rId4"/>
+          <a:srcRect l="49775" t="52892"/>
+          <a:stretch/>
         </p:blipFill>
         <p:spPr>
           <a:xfrm>
-            <a:off x="3051859" y="243537"/>
-            <a:ext cx="6946962" cy="6485640"/>
+            <a:off x="987925" y="1926115"/>
+            <a:ext cx="3480047" cy="3569465"/>
+          </a:xfrm>
+          <a:prstGeom prst="rect">
+            <a:avLst/>
+          </a:prstGeom>
+        </p:spPr>
+      </p:pic>
+      <p:sp>
+        <p:nvSpPr>
+          <p:cNvPr id="8" name="TextBox 7">
+            <a:extLst>
+              <a:ext uri="{FF2B5EF4-FFF2-40B4-BE49-F238E27FC236}">
+                <a16:creationId xmlns:a16="http://schemas.microsoft.com/office/drawing/2014/main" id="{C4C4A776-A90F-444F-97D3-94B3F2045C00}"/>
+              </a:ext>
+            </a:extLst>
+          </p:cNvPr>
+          <p:cNvSpPr txBox="1"/>
+          <p:nvPr/>
+        </p:nvSpPr>
+        <p:spPr>
+          <a:xfrm>
+            <a:off x="6569476" y="1362420"/>
+            <a:ext cx="2559651" cy="608000"/>
+          </a:xfrm>
+          <a:prstGeom prst="rect">
+            <a:avLst/>
+          </a:prstGeom>
+          <a:noFill/>
+        </p:spPr>
+        <p:txBody>
+          <a:bodyPr wrap="square" rtlCol="0">
+            <a:spAutoFit/>
+          </a:bodyPr>
+          <a:lstStyle/>
+          <a:p>
+            <a:r>
+              <a:rPr lang="en-US" sz="3200" b="1" dirty="0">
+                <a:solidFill>
+                  <a:schemeClr val="tx1">
+                    <a:lumMod val="85000"/>
+                    <a:lumOff val="15000"/>
+                  </a:schemeClr>
+                </a:solidFill>
+                <a:latin typeface="Jost" pitchFamily="2" charset="0"/>
+                <a:ea typeface="Jost" pitchFamily="2" charset="0"/>
+              </a:rPr>
+              <a:t>Efficient Net</a:t>
+            </a:r>
+            <a:endParaRPr lang="en-US" sz="3200" b="1" dirty="0">
+              <a:solidFill>
+                <a:schemeClr val="bg1"/>
+              </a:solidFill>
+              <a:latin typeface="Jost" pitchFamily="2" charset="0"/>
+              <a:ea typeface="Jost" pitchFamily="2" charset="0"/>
+            </a:endParaRPr>
+          </a:p>
+        </p:txBody>
+      </p:sp>
+      <p:pic>
+        <p:nvPicPr>
+          <p:cNvPr id="9" name="Picture 8">
+            <a:extLst>
+              <a:ext uri="{FF2B5EF4-FFF2-40B4-BE49-F238E27FC236}">
+                <a16:creationId xmlns:a16="http://schemas.microsoft.com/office/drawing/2014/main" id="{BA0CBBF0-2713-4D74-A20C-4F198D7E18B5}"/>
+              </a:ext>
+            </a:extLst>
+          </p:cNvPr>
+          <p:cNvPicPr>
+            <a:picLocks noChangeAspect="1"/>
+          </p:cNvPicPr>
+          <p:nvPr/>
+        </p:nvPicPr>
+        <p:blipFill rotWithShape="1">
+          <a:blip r:embed="rId5"/>
+          <a:srcRect l="48919" t="52230"/>
+          <a:stretch/>
+        </p:blipFill>
+        <p:spPr>
+          <a:xfrm>
+            <a:off x="6831229" y="1970420"/>
+            <a:ext cx="3429345" cy="3621733"/>
           </a:xfrm>
           <a:prstGeom prst="rect">
             <a:avLst/>
@@ -6190,7 +6415,7 @@
     </p:spTree>
     <p:extLst>
       <p:ext uri="{BB962C8B-B14F-4D97-AF65-F5344CB8AC3E}">
-        <p14:creationId xmlns:p14="http://schemas.microsoft.com/office/powerpoint/2010/main" val="2408336890"/>
+        <p14:creationId xmlns:p14="http://schemas.microsoft.com/office/powerpoint/2010/main" val="3968063084"/>
       </p:ext>
     </p:extLst>
   </p:cSld>
@@ -6232,7 +6457,7 @@
         <p:spPr>
           <a:xfrm>
             <a:off x="705852" y="1362420"/>
-            <a:ext cx="9849852" cy="608000"/>
+            <a:ext cx="1620906" cy="608000"/>
           </a:xfrm>
           <a:prstGeom prst="rect">
             <a:avLst/>
@@ -6385,10 +6610,10 @@
       </p:cxnSp>
       <p:pic>
         <p:nvPicPr>
-          <p:cNvPr id="4" name="Picture 3">
-            <a:extLst>
-              <a:ext uri="{FF2B5EF4-FFF2-40B4-BE49-F238E27FC236}">
-                <a16:creationId xmlns:a16="http://schemas.microsoft.com/office/drawing/2014/main" id="{C86BA608-0472-47BD-BA33-80EFA25C0EFB}"/>
+          <p:cNvPr id="6" name="Picture 5">
+            <a:extLst>
+              <a:ext uri="{FF2B5EF4-FFF2-40B4-BE49-F238E27FC236}">
+                <a16:creationId xmlns:a16="http://schemas.microsoft.com/office/drawing/2014/main" id="{31CAC0D5-5CE8-4E37-AAA6-29ED1434AEDA}"/>
               </a:ext>
             </a:extLst>
           </p:cNvPr>
@@ -6397,16 +6622,15 @@
           </p:cNvPicPr>
           <p:nvPr/>
         </p:nvPicPr>
-        <p:blipFill>
+        <p:blipFill rotWithShape="1">
           <a:blip r:embed="rId4"/>
-          <a:stretch>
-            <a:fillRect/>
-          </a:stretch>
+          <a:srcRect r="49152"/>
+          <a:stretch/>
         </p:blipFill>
         <p:spPr>
           <a:xfrm>
-            <a:off x="2656927" y="165432"/>
-            <a:ext cx="3894315" cy="3564380"/>
+            <a:off x="559541" y="2408034"/>
+            <a:ext cx="3289250" cy="2783189"/>
           </a:xfrm>
           <a:prstGeom prst="rect">
             <a:avLst/>
@@ -6415,10 +6639,10 @@
       </p:pic>
       <p:pic>
         <p:nvPicPr>
-          <p:cNvPr id="5" name="Picture 4">
-            <a:extLst>
-              <a:ext uri="{FF2B5EF4-FFF2-40B4-BE49-F238E27FC236}">
-                <a16:creationId xmlns:a16="http://schemas.microsoft.com/office/drawing/2014/main" id="{E9AF0A23-C304-4D5F-BB49-AA624BCB762C}"/>
+          <p:cNvPr id="9" name="Picture 8">
+            <a:extLst>
+              <a:ext uri="{FF2B5EF4-FFF2-40B4-BE49-F238E27FC236}">
+                <a16:creationId xmlns:a16="http://schemas.microsoft.com/office/drawing/2014/main" id="{457D2353-BCAC-4EF3-BF39-23A4270A0B57}"/>
               </a:ext>
             </a:extLst>
           </p:cNvPr>
@@ -6435,8 +6659,8 @@
         </p:blipFill>
         <p:spPr>
           <a:xfrm>
-            <a:off x="6320010" y="243537"/>
-            <a:ext cx="3626348" cy="3486275"/>
+            <a:off x="4948068" y="2232431"/>
+            <a:ext cx="3680779" cy="3391194"/>
           </a:xfrm>
           <a:prstGeom prst="rect">
             <a:avLst/>
@@ -6445,10 +6669,10 @@
       </p:pic>
       <p:pic>
         <p:nvPicPr>
-          <p:cNvPr id="6" name="Picture 5">
-            <a:extLst>
-              <a:ext uri="{FF2B5EF4-FFF2-40B4-BE49-F238E27FC236}">
-                <a16:creationId xmlns:a16="http://schemas.microsoft.com/office/drawing/2014/main" id="{31CAC0D5-5CE8-4E37-AAA6-29ED1434AEDA}"/>
+          <p:cNvPr id="10" name="Picture 9">
+            <a:extLst>
+              <a:ext uri="{FF2B5EF4-FFF2-40B4-BE49-F238E27FC236}">
+                <a16:creationId xmlns:a16="http://schemas.microsoft.com/office/drawing/2014/main" id="{DADD5C9C-7345-4BC1-941B-16716E11D9B4}"/>
               </a:ext>
             </a:extLst>
           </p:cNvPr>
@@ -6465,44 +6689,78 @@
         </p:blipFill>
         <p:spPr>
           <a:xfrm>
-            <a:off x="906330" y="3946064"/>
-            <a:ext cx="5189670" cy="2232853"/>
+            <a:off x="8863185" y="2416273"/>
+            <a:ext cx="3207920" cy="2774950"/>
           </a:xfrm>
           <a:prstGeom prst="rect">
             <a:avLst/>
           </a:prstGeom>
         </p:spPr>
       </p:pic>
-      <p:pic>
-        <p:nvPicPr>
-          <p:cNvPr id="7" name="Picture 6">
-            <a:extLst>
-              <a:ext uri="{FF2B5EF4-FFF2-40B4-BE49-F238E27FC236}">
-                <a16:creationId xmlns:a16="http://schemas.microsoft.com/office/drawing/2014/main" id="{60565771-0037-4E2A-93EB-BD846CD1F35C}"/>
-              </a:ext>
-            </a:extLst>
-          </p:cNvPr>
-          <p:cNvPicPr>
-            <a:picLocks noChangeAspect="1"/>
-          </p:cNvPicPr>
+      <p:sp>
+        <p:nvSpPr>
+          <p:cNvPr id="14" name="TextBox 13">
+            <a:extLst>
+              <a:ext uri="{FF2B5EF4-FFF2-40B4-BE49-F238E27FC236}">
+                <a16:creationId xmlns:a16="http://schemas.microsoft.com/office/drawing/2014/main" id="{47306FA2-D562-443D-9426-67E3253509D9}"/>
+              </a:ext>
+            </a:extLst>
+          </p:cNvPr>
+          <p:cNvSpPr txBox="1"/>
           <p:nvPr/>
-        </p:nvPicPr>
-        <p:blipFill>
-          <a:blip r:embed="rId7"/>
-          <a:stretch>
-            <a:fillRect/>
-          </a:stretch>
-        </p:blipFill>
+        </p:nvSpPr>
         <p:spPr>
           <a:xfrm>
-            <a:off x="6345798" y="4014649"/>
-            <a:ext cx="5174428" cy="2164268"/>
+            <a:off x="4948067" y="1297132"/>
+            <a:ext cx="4968289" cy="584775"/>
           </a:xfrm>
           <a:prstGeom prst="rect">
             <a:avLst/>
           </a:prstGeom>
+          <a:noFill/>
         </p:spPr>
-      </p:pic>
+        <p:txBody>
+          <a:bodyPr wrap="square" rtlCol="0">
+            <a:spAutoFit/>
+          </a:bodyPr>
+          <a:lstStyle/>
+          <a:p>
+            <a:r>
+              <a:rPr lang="en-US" sz="3200" b="1" dirty="0" err="1">
+                <a:solidFill>
+                  <a:schemeClr val="tx1">
+                    <a:lumMod val="85000"/>
+                    <a:lumOff val="15000"/>
+                  </a:schemeClr>
+                </a:solidFill>
+                <a:latin typeface="Jost" pitchFamily="2" charset="0"/>
+                <a:ea typeface="Jost" pitchFamily="2" charset="0"/>
+              </a:rPr>
+              <a:t>ResNet</a:t>
+            </a:r>
+            <a:r>
+              <a:rPr lang="en-US" sz="3200" b="1" dirty="0">
+                <a:solidFill>
+                  <a:schemeClr val="tx1">
+                    <a:lumMod val="85000"/>
+                    <a:lumOff val="15000"/>
+                  </a:schemeClr>
+                </a:solidFill>
+                <a:latin typeface="Jost" pitchFamily="2" charset="0"/>
+                <a:ea typeface="Jost" pitchFamily="2" charset="0"/>
+              </a:rPr>
+              <a:t> with Fine Tuning</a:t>
+            </a:r>
+            <a:endParaRPr lang="en-US" sz="3200" b="1" dirty="0">
+              <a:solidFill>
+                <a:schemeClr val="bg1"/>
+              </a:solidFill>
+              <a:latin typeface="Jost" pitchFamily="2" charset="0"/>
+              <a:ea typeface="Jost" pitchFamily="2" charset="0"/>
+            </a:endParaRPr>
+          </a:p>
+        </p:txBody>
+      </p:sp>
     </p:spTree>
     <p:extLst>
       <p:ext uri="{BB962C8B-B14F-4D97-AF65-F5344CB8AC3E}">
@@ -6732,6 +6990,279 @@
               <a:buChar char="•"/>
             </a:pPr>
             <a:r>
+              <a:rPr lang="en-US" dirty="0">
+                <a:latin typeface="Jost"/>
+              </a:rPr>
+              <a:t>Transfer Learning es una </a:t>
+            </a:r>
+            <a:r>
+              <a:rPr lang="en-US" dirty="0" err="1">
+                <a:latin typeface="Jost"/>
+              </a:rPr>
+              <a:t>opción</a:t>
+            </a:r>
+            <a:r>
+              <a:rPr lang="en-US" dirty="0">
+                <a:latin typeface="Jost"/>
+              </a:rPr>
+              <a:t> </a:t>
+            </a:r>
+            <a:r>
+              <a:rPr lang="en-US" dirty="0" err="1">
+                <a:latin typeface="Jost"/>
+              </a:rPr>
+              <a:t>muy</a:t>
+            </a:r>
+            <a:r>
+              <a:rPr lang="en-US" dirty="0">
+                <a:latin typeface="Jost"/>
+              </a:rPr>
+              <a:t> </a:t>
+            </a:r>
+            <a:r>
+              <a:rPr lang="en-US" dirty="0" err="1">
+                <a:latin typeface="Jost"/>
+              </a:rPr>
+              <a:t>efectiva</a:t>
+            </a:r>
+            <a:r>
+              <a:rPr lang="en-US" dirty="0">
+                <a:latin typeface="Jost"/>
+              </a:rPr>
+              <a:t> </a:t>
+            </a:r>
+            <a:r>
+              <a:rPr lang="en-US" dirty="0" err="1">
+                <a:latin typeface="Jost"/>
+              </a:rPr>
+              <a:t>en</a:t>
+            </a:r>
+            <a:r>
+              <a:rPr lang="en-US" dirty="0">
+                <a:latin typeface="Jost"/>
+              </a:rPr>
+              <a:t> </a:t>
+            </a:r>
+            <a:r>
+              <a:rPr lang="en-US" dirty="0" err="1">
+                <a:latin typeface="Jost"/>
+              </a:rPr>
+              <a:t>predicciones</a:t>
+            </a:r>
+            <a:r>
+              <a:rPr lang="en-US" dirty="0">
+                <a:latin typeface="Jost"/>
+              </a:rPr>
+              <a:t> </a:t>
+            </a:r>
+            <a:r>
+              <a:rPr lang="en-US" dirty="0" err="1">
+                <a:latin typeface="Jost"/>
+              </a:rPr>
+              <a:t>relacionadas</a:t>
+            </a:r>
+            <a:r>
+              <a:rPr lang="en-US" dirty="0">
+                <a:latin typeface="Jost"/>
+              </a:rPr>
+              <a:t> a las </a:t>
+            </a:r>
+            <a:r>
+              <a:rPr lang="en-US" dirty="0" err="1">
+                <a:latin typeface="Jost"/>
+              </a:rPr>
+              <a:t>imágenes</a:t>
+            </a:r>
+            <a:r>
+              <a:rPr lang="en-US" dirty="0">
+                <a:latin typeface="Jost"/>
+              </a:rPr>
+              <a:t> de </a:t>
+            </a:r>
+            <a:r>
+              <a:rPr lang="en-US" dirty="0" err="1">
+                <a:latin typeface="Jost"/>
+              </a:rPr>
+              <a:t>glóbulos</a:t>
+            </a:r>
+            <a:r>
+              <a:rPr lang="en-US" dirty="0">
+                <a:latin typeface="Jost"/>
+              </a:rPr>
+              <a:t> </a:t>
+            </a:r>
+            <a:r>
+              <a:rPr lang="en-US" dirty="0" err="1">
+                <a:latin typeface="Jost"/>
+              </a:rPr>
+              <a:t>rojos</a:t>
+            </a:r>
+            <a:r>
+              <a:rPr lang="en-US" dirty="0">
+                <a:latin typeface="Jost"/>
+              </a:rPr>
+              <a:t> </a:t>
+            </a:r>
+            <a:r>
+              <a:rPr lang="en-US" dirty="0" err="1">
+                <a:latin typeface="Jost"/>
+              </a:rPr>
+              <a:t>infectados</a:t>
+            </a:r>
+            <a:r>
+              <a:rPr lang="en-US" dirty="0">
+                <a:latin typeface="Jost"/>
+              </a:rPr>
+              <a:t> por Malaria. </a:t>
+            </a:r>
+            <a:r>
+              <a:rPr lang="en-US" dirty="0" err="1">
+                <a:latin typeface="Jost"/>
+              </a:rPr>
+              <a:t>Creemos</a:t>
+            </a:r>
+            <a:r>
+              <a:rPr lang="en-US" dirty="0">
+                <a:latin typeface="Jost"/>
+              </a:rPr>
+              <a:t> </a:t>
+            </a:r>
+            <a:r>
+              <a:rPr lang="en-US" dirty="0" err="1">
+                <a:latin typeface="Jost"/>
+              </a:rPr>
+              <a:t>esta</a:t>
+            </a:r>
+            <a:r>
+              <a:rPr lang="en-US" dirty="0">
+                <a:latin typeface="Jost"/>
+              </a:rPr>
+              <a:t> </a:t>
+            </a:r>
+            <a:r>
+              <a:rPr lang="en-US" dirty="0" err="1">
+                <a:latin typeface="Jost"/>
+              </a:rPr>
+              <a:t>metodología</a:t>
+            </a:r>
+            <a:r>
+              <a:rPr lang="en-US" dirty="0">
+                <a:latin typeface="Jost"/>
+              </a:rPr>
+              <a:t> </a:t>
+            </a:r>
+            <a:r>
+              <a:rPr lang="en-US" dirty="0" err="1">
+                <a:latin typeface="Jost"/>
+              </a:rPr>
+              <a:t>puede</a:t>
+            </a:r>
+            <a:r>
+              <a:rPr lang="en-US" dirty="0">
+                <a:latin typeface="Jost"/>
+              </a:rPr>
+              <a:t> ser </a:t>
+            </a:r>
+            <a:r>
+              <a:rPr lang="en-US" dirty="0" err="1">
+                <a:latin typeface="Jost"/>
+              </a:rPr>
+              <a:t>aplicada</a:t>
+            </a:r>
+            <a:r>
+              <a:rPr lang="en-US" dirty="0">
+                <a:latin typeface="Jost"/>
+              </a:rPr>
+              <a:t> a </a:t>
+            </a:r>
+            <a:r>
+              <a:rPr lang="en-US" dirty="0" err="1">
+                <a:latin typeface="Jost"/>
+              </a:rPr>
+              <a:t>otras</a:t>
+            </a:r>
+            <a:r>
+              <a:rPr lang="en-US" dirty="0">
+                <a:latin typeface="Jost"/>
+              </a:rPr>
+              <a:t> </a:t>
+            </a:r>
+            <a:r>
+              <a:rPr lang="en-US" dirty="0" err="1">
+                <a:latin typeface="Jost"/>
+              </a:rPr>
+              <a:t>imágenes</a:t>
+            </a:r>
+            <a:r>
+              <a:rPr lang="en-US" dirty="0">
+                <a:latin typeface="Jost"/>
+              </a:rPr>
+              <a:t> del campo medico, sin embargo se </a:t>
+            </a:r>
+            <a:r>
+              <a:rPr lang="en-US" dirty="0" err="1">
+                <a:latin typeface="Jost"/>
+              </a:rPr>
+              <a:t>requerira</a:t>
+            </a:r>
+            <a:r>
+              <a:rPr lang="en-US" dirty="0">
+                <a:latin typeface="Jost"/>
+              </a:rPr>
+              <a:t> de </a:t>
+            </a:r>
+            <a:r>
+              <a:rPr lang="en-US" dirty="0" err="1">
+                <a:latin typeface="Jost"/>
+              </a:rPr>
+              <a:t>pruebas</a:t>
+            </a:r>
+            <a:r>
+              <a:rPr lang="en-US" dirty="0">
+                <a:latin typeface="Jost"/>
+              </a:rPr>
+              <a:t> </a:t>
+            </a:r>
+            <a:r>
+              <a:rPr lang="en-US" dirty="0" err="1">
+                <a:latin typeface="Jost"/>
+              </a:rPr>
+              <a:t>correspondientes</a:t>
+            </a:r>
+            <a:r>
+              <a:rPr lang="en-US" dirty="0">
+                <a:latin typeface="Jost"/>
+              </a:rPr>
+              <a:t> para </a:t>
+            </a:r>
+            <a:r>
+              <a:rPr lang="en-US" dirty="0" err="1">
+                <a:latin typeface="Jost"/>
+              </a:rPr>
+              <a:t>validar</a:t>
+            </a:r>
+            <a:r>
+              <a:rPr lang="en-US" dirty="0">
+                <a:latin typeface="Jost"/>
+              </a:rPr>
+              <a:t> sus </a:t>
+            </a:r>
+            <a:r>
+              <a:rPr lang="en-US" dirty="0" err="1">
+                <a:latin typeface="Jost"/>
+              </a:rPr>
+              <a:t>resultados</a:t>
+            </a:r>
+            <a:endParaRPr lang="en-US" dirty="0">
+              <a:latin typeface="Jost"/>
+            </a:endParaRPr>
+          </a:p>
+          <a:p>
+            <a:pPr marL="285750" indent="-285750">
+              <a:buFont typeface="Arial" panose="020B0604020202020204" pitchFamily="34" charset="0"/>
+              <a:buChar char="•"/>
+            </a:pPr>
+            <a:r>
               <a:rPr lang="es-419" dirty="0">
                 <a:latin typeface="Jost"/>
               </a:rPr>
@@ -6755,222 +7286,21 @@
               </a:rPr>
               <a:t>ResNet</a:t>
             </a:r>
-            <a:endParaRPr lang="es-419" dirty="0">
-              <a:latin typeface="Jost"/>
-            </a:endParaRPr>
-          </a:p>
-          <a:p>
-            <a:pPr marL="285750" indent="-285750">
-              <a:buFont typeface="Arial" panose="020B0604020202020204" pitchFamily="34" charset="0"/>
-              <a:buChar char="•"/>
-            </a:pPr>
-            <a:r>
-              <a:rPr lang="en-US" dirty="0">
+            <a:r>
+              <a:rPr lang="es-419" dirty="0">
                 <a:latin typeface="Jost"/>
               </a:rPr>
-              <a:t>Transfer Learning es una </a:t>
-            </a:r>
-            <a:r>
-              <a:rPr lang="en-US" dirty="0" err="1">
+              <a:t> con Fine </a:t>
+            </a:r>
+            <a:r>
+              <a:rPr lang="es-419" dirty="0" err="1">
                 <a:latin typeface="Jost"/>
               </a:rPr>
-              <a:t>opción</a:t>
-            </a:r>
-            <a:r>
-              <a:rPr lang="en-US" dirty="0">
-                <a:latin typeface="Jost"/>
-              </a:rPr>
-              <a:t> </a:t>
-            </a:r>
-            <a:r>
-              <a:rPr lang="en-US" dirty="0" err="1">
-                <a:latin typeface="Jost"/>
-              </a:rPr>
-              <a:t>muy</a:t>
-            </a:r>
-            <a:r>
-              <a:rPr lang="en-US" dirty="0">
-                <a:latin typeface="Jost"/>
-              </a:rPr>
-              <a:t> </a:t>
-            </a:r>
-            <a:r>
-              <a:rPr lang="en-US" dirty="0" err="1">
-                <a:latin typeface="Jost"/>
-              </a:rPr>
-              <a:t>efectiva</a:t>
-            </a:r>
-            <a:r>
-              <a:rPr lang="en-US" dirty="0">
-                <a:latin typeface="Jost"/>
-              </a:rPr>
-              <a:t> </a:t>
-            </a:r>
-            <a:r>
-              <a:rPr lang="en-US" dirty="0" err="1">
-                <a:latin typeface="Jost"/>
-              </a:rPr>
-              <a:t>en</a:t>
-            </a:r>
-            <a:r>
-              <a:rPr lang="en-US" dirty="0">
-                <a:latin typeface="Jost"/>
-              </a:rPr>
-              <a:t> </a:t>
-            </a:r>
-            <a:r>
-              <a:rPr lang="en-US" dirty="0" err="1">
-                <a:latin typeface="Jost"/>
-              </a:rPr>
-              <a:t>predicciones</a:t>
-            </a:r>
-            <a:r>
-              <a:rPr lang="en-US" dirty="0">
-                <a:latin typeface="Jost"/>
-              </a:rPr>
-              <a:t> </a:t>
-            </a:r>
-            <a:r>
-              <a:rPr lang="en-US" dirty="0" err="1">
-                <a:latin typeface="Jost"/>
-              </a:rPr>
-              <a:t>relacionadas</a:t>
-            </a:r>
-            <a:r>
-              <a:rPr lang="en-US" dirty="0">
-                <a:latin typeface="Jost"/>
-              </a:rPr>
-              <a:t> a </a:t>
-            </a:r>
-            <a:r>
-              <a:rPr lang="en-US" dirty="0" err="1">
-                <a:latin typeface="Jost"/>
-              </a:rPr>
-              <a:t>imágenes</a:t>
-            </a:r>
-            <a:r>
-              <a:rPr lang="en-US" dirty="0">
-                <a:latin typeface="Jost"/>
-              </a:rPr>
-              <a:t> </a:t>
-            </a:r>
-            <a:r>
-              <a:rPr lang="en-US" dirty="0" err="1">
-                <a:latin typeface="Jost"/>
-              </a:rPr>
-              <a:t>médicas</a:t>
+              <a:t>Tuning</a:t>
             </a:r>
             <a:endParaRPr lang="en-US" dirty="0">
               <a:latin typeface="Jost"/>
             </a:endParaRPr>
-          </a:p>
-          <a:p>
-            <a:pPr marL="285750" indent="-285750">
-              <a:buFont typeface="Arial" panose="020B0604020202020204" pitchFamily="34" charset="0"/>
-              <a:buChar char="•"/>
-            </a:pPr>
-            <a:r>
-              <a:rPr lang="en-US" dirty="0">
-                <a:latin typeface="Jost"/>
-              </a:rPr>
-              <a:t>Las redes </a:t>
-            </a:r>
-            <a:r>
-              <a:rPr lang="en-US" dirty="0" err="1">
-                <a:latin typeface="Jost"/>
-              </a:rPr>
-              <a:t>convolucionales</a:t>
-            </a:r>
-            <a:r>
-              <a:rPr lang="en-US" dirty="0">
-                <a:latin typeface="Jost"/>
-              </a:rPr>
-              <a:t> son </a:t>
-            </a:r>
-            <a:r>
-              <a:rPr lang="en-US" dirty="0" err="1">
-                <a:latin typeface="Jost"/>
-              </a:rPr>
-              <a:t>muy</a:t>
-            </a:r>
-            <a:r>
-              <a:rPr lang="en-US" dirty="0">
-                <a:latin typeface="Jost"/>
-              </a:rPr>
-              <a:t> </a:t>
-            </a:r>
-            <a:r>
-              <a:rPr lang="en-US" dirty="0" err="1">
-                <a:latin typeface="Jost"/>
-              </a:rPr>
-              <a:t>veloces</a:t>
-            </a:r>
-            <a:r>
-              <a:rPr lang="en-US" dirty="0">
-                <a:latin typeface="Jost"/>
-              </a:rPr>
-              <a:t> </a:t>
-            </a:r>
-            <a:r>
-              <a:rPr lang="en-US" dirty="0" err="1">
-                <a:latin typeface="Jost"/>
-              </a:rPr>
-              <a:t>en</a:t>
-            </a:r>
-            <a:r>
-              <a:rPr lang="en-US" dirty="0">
-                <a:latin typeface="Jost"/>
-              </a:rPr>
-              <a:t> </a:t>
-            </a:r>
-            <a:r>
-              <a:rPr lang="en-US" dirty="0" err="1">
-                <a:latin typeface="Jost"/>
-              </a:rPr>
-              <a:t>su</a:t>
-            </a:r>
-            <a:r>
-              <a:rPr lang="en-US" dirty="0">
-                <a:latin typeface="Jost"/>
-              </a:rPr>
-              <a:t> </a:t>
-            </a:r>
-            <a:r>
-              <a:rPr lang="en-US" dirty="0" err="1">
-                <a:latin typeface="Jost"/>
-              </a:rPr>
-              <a:t>predicción</a:t>
-            </a:r>
-            <a:r>
-              <a:rPr lang="en-US" dirty="0">
-                <a:latin typeface="Jost"/>
-              </a:rPr>
-              <a:t> y </a:t>
-            </a:r>
-            <a:r>
-              <a:rPr lang="en-US" dirty="0" err="1">
-                <a:latin typeface="Jost"/>
-              </a:rPr>
-              <a:t>mantienen</a:t>
-            </a:r>
-            <a:r>
-              <a:rPr lang="en-US" dirty="0">
-                <a:latin typeface="Jost"/>
-              </a:rPr>
-              <a:t> un </a:t>
-            </a:r>
-            <a:r>
-              <a:rPr lang="en-US" dirty="0" err="1">
-                <a:latin typeface="Jost"/>
-              </a:rPr>
-              <a:t>buen</a:t>
-            </a:r>
-            <a:r>
-              <a:rPr lang="en-US" dirty="0">
-                <a:latin typeface="Jost"/>
-              </a:rPr>
-              <a:t> performance</a:t>
-            </a:r>
           </a:p>
           <a:p>
             <a:pPr marL="285750" indent="-285750">
@@ -7194,7 +7524,7 @@
         <p:spPr>
           <a:xfrm>
             <a:off x="705852" y="3133255"/>
-            <a:ext cx="9119932" cy="369332"/>
+            <a:ext cx="9119932" cy="2031325"/>
           </a:xfrm>
           <a:prstGeom prst="rect">
             <a:avLst/>
@@ -7212,10 +7542,125 @@
               <a:buChar char="•"/>
             </a:pPr>
             <a:r>
-              <a:rPr lang="es-419" dirty="0">
+              <a:rPr lang="en-US" dirty="0">
                 <a:latin typeface="Jost"/>
               </a:rPr>
-              <a:t>Eddy te toca</a:t>
+              <a:t>Las redes </a:t>
+            </a:r>
+            <a:r>
+              <a:rPr lang="en-US" dirty="0" err="1">
+                <a:latin typeface="Jost"/>
+              </a:rPr>
+              <a:t>convolucionales</a:t>
+            </a:r>
+            <a:r>
+              <a:rPr lang="en-US" dirty="0">
+                <a:latin typeface="Jost"/>
+              </a:rPr>
+              <a:t> son </a:t>
+            </a:r>
+            <a:r>
+              <a:rPr lang="en-US" dirty="0" err="1">
+                <a:latin typeface="Jost"/>
+              </a:rPr>
+              <a:t>muy</a:t>
+            </a:r>
+            <a:r>
+              <a:rPr lang="en-US" dirty="0">
+                <a:latin typeface="Jost"/>
+              </a:rPr>
+              <a:t> </a:t>
+            </a:r>
+            <a:r>
+              <a:rPr lang="en-US" dirty="0" err="1">
+                <a:latin typeface="Jost"/>
+              </a:rPr>
+              <a:t>veloces</a:t>
+            </a:r>
+            <a:r>
+              <a:rPr lang="en-US" dirty="0">
+                <a:latin typeface="Jost"/>
+              </a:rPr>
+              <a:t> </a:t>
+            </a:r>
+            <a:r>
+              <a:rPr lang="en-US" dirty="0" err="1">
+                <a:latin typeface="Jost"/>
+              </a:rPr>
+              <a:t>en</a:t>
+            </a:r>
+            <a:r>
+              <a:rPr lang="en-US" dirty="0">
+                <a:latin typeface="Jost"/>
+              </a:rPr>
+              <a:t> </a:t>
+            </a:r>
+            <a:r>
+              <a:rPr lang="en-US" dirty="0" err="1">
+                <a:latin typeface="Jost"/>
+              </a:rPr>
+              <a:t>su</a:t>
+            </a:r>
+            <a:r>
+              <a:rPr lang="en-US" dirty="0">
+                <a:latin typeface="Jost"/>
+              </a:rPr>
+              <a:t> </a:t>
+            </a:r>
+            <a:r>
+              <a:rPr lang="en-US" dirty="0" err="1">
+                <a:latin typeface="Jost"/>
+              </a:rPr>
+              <a:t>predicción</a:t>
+            </a:r>
+            <a:r>
+              <a:rPr lang="en-US" dirty="0">
+                <a:latin typeface="Jost"/>
+              </a:rPr>
+              <a:t> y </a:t>
+            </a:r>
+            <a:r>
+              <a:rPr lang="en-US" dirty="0" err="1">
+                <a:latin typeface="Jost"/>
+              </a:rPr>
+              <a:t>mantienen</a:t>
+            </a:r>
+            <a:r>
+              <a:rPr lang="en-US" dirty="0">
+                <a:latin typeface="Jost"/>
+              </a:rPr>
+              <a:t> un </a:t>
+            </a:r>
+            <a:r>
+              <a:rPr lang="en-US" dirty="0" err="1">
+                <a:latin typeface="Jost"/>
+              </a:rPr>
+              <a:t>buen</a:t>
+            </a:r>
+            <a:r>
+              <a:rPr lang="en-US" dirty="0">
+                <a:latin typeface="Jost"/>
+              </a:rPr>
+              <a:t> </a:t>
+            </a:r>
+            <a:r>
+              <a:rPr lang="en-US" dirty="0" err="1">
+                <a:latin typeface="Jost"/>
+              </a:rPr>
+              <a:t>rendimiento</a:t>
+            </a:r>
+            <a:endParaRPr lang="en-US" dirty="0">
+              <a:latin typeface="Jost"/>
+            </a:endParaRPr>
+          </a:p>
+          <a:p>
+            <a:pPr marL="285750" indent="-285750">
+              <a:buFont typeface="Arial" panose="020B0604020202020204" pitchFamily="34" charset="0"/>
+              <a:buChar char="•"/>
+            </a:pPr>
+            <a:r>
+              <a:rPr lang="es-ES" dirty="0"/>
+              <a:t>Al generar las matrices de confusión pudimos notar una diferencia substancial en el tiempo de predicción para CNN vs Transfer Learning, siendo la CNN mas rápida para predecir. Entendemos que esto es debido a que los modelos de transfer learning son mucho mas profundos que la CNN. Con esto concluimos que para dispositivos con pocos recursos (memoria, CPU, etc.) una CNN hecha a mano es mejor que usar Transfer Learning. </a:t>
             </a:r>
             <a:endParaRPr lang="en-US" dirty="0">
               <a:latin typeface="Jost"/>
@@ -7237,6 +7682,487 @@
 </file>
 
 <file path=ppt/slides/slide15.xml><?xml version="1.0" encoding="utf-8"?>
+<p:sld xmlns:a="http://schemas.openxmlformats.org/drawingml/2006/main" xmlns:r="http://schemas.openxmlformats.org/officeDocument/2006/relationships" xmlns:p="http://schemas.openxmlformats.org/presentationml/2006/main">
+  <p:cSld>
+    <p:spTree>
+      <p:nvGrpSpPr>
+        <p:cNvPr id="1" name=""/>
+        <p:cNvGrpSpPr/>
+        <p:nvPr/>
+      </p:nvGrpSpPr>
+      <p:grpSpPr>
+        <a:xfrm>
+          <a:off x="0" y="0"/>
+          <a:ext cx="0" cy="0"/>
+          <a:chOff x="0" y="0"/>
+          <a:chExt cx="0" cy="0"/>
+        </a:xfrm>
+      </p:grpSpPr>
+      <p:sp>
+        <p:nvSpPr>
+          <p:cNvPr id="2" name="TextBox 1">
+            <a:extLst>
+              <a:ext uri="{FF2B5EF4-FFF2-40B4-BE49-F238E27FC236}">
+                <a16:creationId xmlns:a16="http://schemas.microsoft.com/office/drawing/2014/main" id="{174E7CC9-C18E-40D7-B36A-5CD4ED1EEB1D}"/>
+              </a:ext>
+            </a:extLst>
+          </p:cNvPr>
+          <p:cNvSpPr txBox="1"/>
+          <p:nvPr/>
+        </p:nvSpPr>
+        <p:spPr>
+          <a:xfrm>
+            <a:off x="705852" y="1362420"/>
+            <a:ext cx="9849852" cy="608000"/>
+          </a:xfrm>
+          <a:prstGeom prst="rect">
+            <a:avLst/>
+          </a:prstGeom>
+          <a:noFill/>
+        </p:spPr>
+        <p:txBody>
+          <a:bodyPr wrap="square" rtlCol="0">
+            <a:spAutoFit/>
+          </a:bodyPr>
+          <a:lstStyle/>
+          <a:p>
+            <a:r>
+              <a:rPr lang="en-US" sz="3200" b="1" dirty="0" err="1">
+                <a:solidFill>
+                  <a:schemeClr val="tx1">
+                    <a:lumMod val="85000"/>
+                    <a:lumOff val="15000"/>
+                  </a:schemeClr>
+                </a:solidFill>
+                <a:latin typeface="Jost" pitchFamily="2" charset="0"/>
+                <a:ea typeface="Jost" pitchFamily="2" charset="0"/>
+              </a:rPr>
+              <a:t>Trabajo</a:t>
+            </a:r>
+            <a:r>
+              <a:rPr lang="en-US" sz="3200" b="1" dirty="0">
+                <a:solidFill>
+                  <a:schemeClr val="tx1">
+                    <a:lumMod val="85000"/>
+                    <a:lumOff val="15000"/>
+                  </a:schemeClr>
+                </a:solidFill>
+                <a:latin typeface="Jost" pitchFamily="2" charset="0"/>
+                <a:ea typeface="Jost" pitchFamily="2" charset="0"/>
+              </a:rPr>
+              <a:t> a </a:t>
+            </a:r>
+            <a:r>
+              <a:rPr lang="en-US" sz="3200" b="1" dirty="0" err="1">
+                <a:solidFill>
+                  <a:schemeClr val="tx1">
+                    <a:lumMod val="85000"/>
+                    <a:lumOff val="15000"/>
+                  </a:schemeClr>
+                </a:solidFill>
+                <a:latin typeface="Jost" pitchFamily="2" charset="0"/>
+                <a:ea typeface="Jost" pitchFamily="2" charset="0"/>
+              </a:rPr>
+              <a:t>Futuro</a:t>
+            </a:r>
+            <a:endParaRPr lang="en-US" sz="3200" b="1" dirty="0">
+              <a:solidFill>
+                <a:schemeClr val="bg1"/>
+              </a:solidFill>
+              <a:latin typeface="Jost" pitchFamily="2" charset="0"/>
+              <a:ea typeface="Jost" pitchFamily="2" charset="0"/>
+            </a:endParaRPr>
+          </a:p>
+        </p:txBody>
+      </p:sp>
+      <p:pic>
+        <p:nvPicPr>
+          <p:cNvPr id="11" name="Picture 10">
+            <a:extLst>
+              <a:ext uri="{FF2B5EF4-FFF2-40B4-BE49-F238E27FC236}">
+                <a16:creationId xmlns:a16="http://schemas.microsoft.com/office/drawing/2014/main" id="{87E4B337-0D15-43FD-B52A-2D7DD1FF128A}"/>
+              </a:ext>
+            </a:extLst>
+          </p:cNvPr>
+          <p:cNvPicPr>
+            <a:picLocks noChangeAspect="1"/>
+          </p:cNvPicPr>
+          <p:nvPr/>
+        </p:nvPicPr>
+        <p:blipFill>
+          <a:blip r:embed="rId3">
+            <a:extLst>
+              <a:ext uri="{28A0092B-C50C-407E-A947-70E740481C1C}">
+                <a14:useLocalDpi xmlns:a14="http://schemas.microsoft.com/office/drawing/2010/main" val="0"/>
+              </a:ext>
+            </a:extLst>
+          </a:blip>
+          <a:stretch>
+            <a:fillRect/>
+          </a:stretch>
+        </p:blipFill>
+        <p:spPr>
+          <a:xfrm>
+            <a:off x="9998821" y="165432"/>
+            <a:ext cx="1760000" cy="676064"/>
+          </a:xfrm>
+          <a:prstGeom prst="rect">
+            <a:avLst/>
+          </a:prstGeom>
+        </p:spPr>
+      </p:pic>
+      <p:pic>
+        <p:nvPicPr>
+          <p:cNvPr id="13" name="Picture 12">
+            <a:extLst>
+              <a:ext uri="{FF2B5EF4-FFF2-40B4-BE49-F238E27FC236}">
+                <a16:creationId xmlns:a16="http://schemas.microsoft.com/office/drawing/2014/main" id="{499C1731-7263-4421-8E73-F4226349829D}"/>
+              </a:ext>
+            </a:extLst>
+          </p:cNvPr>
+          <p:cNvPicPr>
+            <a:picLocks noChangeAspect="1"/>
+          </p:cNvPicPr>
+          <p:nvPr/>
+        </p:nvPicPr>
+        <p:blipFill>
+          <a:blip r:embed="rId4">
+            <a:extLst>
+              <a:ext uri="{28A0092B-C50C-407E-A947-70E740481C1C}">
+                <a14:useLocalDpi xmlns:a14="http://schemas.microsoft.com/office/drawing/2010/main" val="0"/>
+              </a:ext>
+            </a:extLst>
+          </a:blip>
+          <a:stretch>
+            <a:fillRect/>
+          </a:stretch>
+        </p:blipFill>
+        <p:spPr>
+          <a:xfrm>
+            <a:off x="352927" y="243537"/>
+            <a:ext cx="2304000" cy="608000"/>
+          </a:xfrm>
+          <a:prstGeom prst="rect">
+            <a:avLst/>
+          </a:prstGeom>
+        </p:spPr>
+      </p:pic>
+      <p:cxnSp>
+        <p:nvCxnSpPr>
+          <p:cNvPr id="15" name="Straight Connector 14">
+            <a:extLst>
+              <a:ext uri="{FF2B5EF4-FFF2-40B4-BE49-F238E27FC236}">
+                <a16:creationId xmlns:a16="http://schemas.microsoft.com/office/drawing/2014/main" id="{A82EF3C5-78F6-458F-96B7-74E95774ED25}"/>
+              </a:ext>
+            </a:extLst>
+          </p:cNvPr>
+          <p:cNvCxnSpPr/>
+          <p:nvPr/>
+        </p:nvCxnSpPr>
+        <p:spPr>
+          <a:xfrm>
+            <a:off x="0" y="969832"/>
+            <a:ext cx="12192000" cy="0"/>
+          </a:xfrm>
+          <a:prstGeom prst="line">
+            <a:avLst/>
+          </a:prstGeom>
+          <a:ln w="12700">
+            <a:solidFill>
+              <a:schemeClr val="bg2">
+                <a:lumMod val="90000"/>
+              </a:schemeClr>
+            </a:solidFill>
+          </a:ln>
+        </p:spPr>
+        <p:style>
+          <a:lnRef idx="1">
+            <a:schemeClr val="accent1"/>
+          </a:lnRef>
+          <a:fillRef idx="0">
+            <a:schemeClr val="accent1"/>
+          </a:fillRef>
+          <a:effectRef idx="0">
+            <a:schemeClr val="accent1"/>
+          </a:effectRef>
+          <a:fontRef idx="minor">
+            <a:schemeClr val="tx1"/>
+          </a:fontRef>
+        </p:style>
+      </p:cxnSp>
+      <p:sp>
+        <p:nvSpPr>
+          <p:cNvPr id="8" name="TextBox 7">
+            <a:extLst>
+              <a:ext uri="{FF2B5EF4-FFF2-40B4-BE49-F238E27FC236}">
+                <a16:creationId xmlns:a16="http://schemas.microsoft.com/office/drawing/2014/main" id="{ECE39BB3-E1C8-45A7-A5E3-2505C3E4A4BA}"/>
+              </a:ext>
+            </a:extLst>
+          </p:cNvPr>
+          <p:cNvSpPr txBox="1"/>
+          <p:nvPr/>
+        </p:nvSpPr>
+        <p:spPr>
+          <a:xfrm>
+            <a:off x="705852" y="3177644"/>
+            <a:ext cx="9119932" cy="1754326"/>
+          </a:xfrm>
+          <a:prstGeom prst="rect">
+            <a:avLst/>
+          </a:prstGeom>
+          <a:noFill/>
+        </p:spPr>
+        <p:txBody>
+          <a:bodyPr wrap="square" rtlCol="0">
+            <a:spAutoFit/>
+          </a:bodyPr>
+          <a:lstStyle/>
+          <a:p>
+            <a:pPr marL="285750" indent="-285750">
+              <a:buFont typeface="Arial" panose="020B0604020202020204" pitchFamily="34" charset="0"/>
+              <a:buChar char="•"/>
+            </a:pPr>
+            <a:r>
+              <a:rPr lang="es-ES" dirty="0"/>
+              <a:t>Después de observar que Fine </a:t>
+            </a:r>
+            <a:r>
+              <a:rPr lang="es-ES" dirty="0" err="1"/>
+              <a:t>Tuning</a:t>
+            </a:r>
+            <a:r>
+              <a:rPr lang="es-ES" dirty="0"/>
+              <a:t> para </a:t>
+            </a:r>
+            <a:r>
+              <a:rPr lang="es-ES" dirty="0" err="1"/>
+              <a:t>ResNet</a:t>
+            </a:r>
+            <a:r>
+              <a:rPr lang="es-ES" dirty="0"/>
+              <a:t> funciona, se puede probar con los demás modelos para ver si lo pueden superar.</a:t>
+            </a:r>
+          </a:p>
+          <a:p>
+            <a:pPr marL="285750" indent="-285750">
+              <a:buFont typeface="Arial" panose="020B0604020202020204" pitchFamily="34" charset="0"/>
+              <a:buChar char="•"/>
+            </a:pPr>
+            <a:r>
+              <a:rPr lang="es-ES" dirty="0">
+                <a:latin typeface="Jost"/>
+              </a:rPr>
+              <a:t>Recurrir a otros modelos de </a:t>
+            </a:r>
+            <a:r>
+              <a:rPr lang="es-ES" dirty="0" err="1">
+                <a:latin typeface="Jost"/>
+              </a:rPr>
+              <a:t>predic</a:t>
+            </a:r>
+            <a:r>
+              <a:rPr lang="es-419" dirty="0" err="1">
+                <a:latin typeface="Jost"/>
+              </a:rPr>
+              <a:t>ción</a:t>
+            </a:r>
+            <a:r>
+              <a:rPr lang="es-419" dirty="0">
+                <a:latin typeface="Jost"/>
+              </a:rPr>
+              <a:t> como </a:t>
+            </a:r>
+            <a:r>
+              <a:rPr lang="es-419" dirty="0" err="1">
+                <a:latin typeface="Jost"/>
+              </a:rPr>
+              <a:t>Random</a:t>
+            </a:r>
+            <a:r>
+              <a:rPr lang="es-419" dirty="0">
+                <a:latin typeface="Jost"/>
+              </a:rPr>
+              <a:t> </a:t>
+            </a:r>
+            <a:r>
+              <a:rPr lang="es-419" dirty="0" err="1">
+                <a:latin typeface="Jost"/>
+              </a:rPr>
+              <a:t>Forests</a:t>
+            </a:r>
+            <a:r>
+              <a:rPr lang="es-419" dirty="0">
+                <a:latin typeface="Jost"/>
+              </a:rPr>
+              <a:t> que sean capaces de clasificar las imágenes de una diferente manera para comparar sus resultados.</a:t>
+            </a:r>
+          </a:p>
+          <a:p>
+            <a:pPr marL="285750" indent="-285750">
+              <a:buFont typeface="Arial" panose="020B0604020202020204" pitchFamily="34" charset="0"/>
+              <a:buChar char="•"/>
+            </a:pPr>
+            <a:r>
+              <a:rPr lang="en-US" dirty="0" err="1">
+                <a:latin typeface="Jost"/>
+              </a:rPr>
+              <a:t>Buscar</a:t>
+            </a:r>
+            <a:r>
+              <a:rPr lang="en-US" dirty="0">
+                <a:latin typeface="Jost"/>
+              </a:rPr>
+              <a:t> </a:t>
+            </a:r>
+            <a:r>
+              <a:rPr lang="en-US" dirty="0" err="1">
+                <a:latin typeface="Jost"/>
+              </a:rPr>
+              <a:t>otros</a:t>
+            </a:r>
+            <a:r>
+              <a:rPr lang="en-US" dirty="0">
+                <a:latin typeface="Jost"/>
+              </a:rPr>
+              <a:t> </a:t>
+            </a:r>
+            <a:r>
+              <a:rPr lang="en-US" dirty="0" err="1">
+                <a:latin typeface="Jost"/>
+              </a:rPr>
+              <a:t>modelos</a:t>
+            </a:r>
+            <a:r>
+              <a:rPr lang="en-US" dirty="0">
+                <a:latin typeface="Jost"/>
+              </a:rPr>
+              <a:t> de Transfer Learning que no </a:t>
+            </a:r>
+            <a:r>
+              <a:rPr lang="en-US" dirty="0" err="1">
+                <a:latin typeface="Jost"/>
+              </a:rPr>
+              <a:t>sean</a:t>
+            </a:r>
+            <a:r>
+              <a:rPr lang="en-US" dirty="0">
+                <a:latin typeface="Jost"/>
+              </a:rPr>
+              <a:t> tan </a:t>
+            </a:r>
+            <a:r>
+              <a:rPr lang="en-US" dirty="0" err="1">
+                <a:latin typeface="Jost"/>
+              </a:rPr>
+              <a:t>profundos</a:t>
+            </a:r>
+            <a:r>
+              <a:rPr lang="en-US" dirty="0">
+                <a:latin typeface="Jost"/>
+              </a:rPr>
+              <a:t> para observer </a:t>
+            </a:r>
+            <a:r>
+              <a:rPr lang="en-US" dirty="0" err="1">
+                <a:latin typeface="Jost"/>
+              </a:rPr>
+              <a:t>su</a:t>
+            </a:r>
+            <a:r>
+              <a:rPr lang="en-US" dirty="0">
+                <a:latin typeface="Jost"/>
+              </a:rPr>
+              <a:t> </a:t>
+            </a:r>
+            <a:r>
+              <a:rPr lang="en-US" dirty="0" err="1">
+                <a:latin typeface="Jost"/>
+              </a:rPr>
+              <a:t>comportamiento</a:t>
+            </a:r>
+            <a:r>
+              <a:rPr lang="en-US" dirty="0">
+                <a:latin typeface="Jost"/>
+              </a:rPr>
+              <a:t> y </a:t>
+            </a:r>
+            <a:r>
+              <a:rPr lang="en-US" dirty="0" err="1">
+                <a:latin typeface="Jost"/>
+              </a:rPr>
+              <a:t>comprobar</a:t>
+            </a:r>
+            <a:r>
+              <a:rPr lang="en-US" dirty="0">
+                <a:latin typeface="Jost"/>
+              </a:rPr>
+              <a:t> </a:t>
+            </a:r>
+            <a:r>
+              <a:rPr lang="en-US" dirty="0" err="1">
+                <a:latin typeface="Jost"/>
+              </a:rPr>
+              <a:t>si</a:t>
+            </a:r>
+            <a:r>
+              <a:rPr lang="en-US" dirty="0">
+                <a:latin typeface="Jost"/>
+              </a:rPr>
+              <a:t> </a:t>
+            </a:r>
+            <a:r>
+              <a:rPr lang="en-US" dirty="0" err="1">
+                <a:latin typeface="Jost"/>
+              </a:rPr>
+              <a:t>su</a:t>
+            </a:r>
+            <a:r>
+              <a:rPr lang="en-US" dirty="0">
+                <a:latin typeface="Jost"/>
+              </a:rPr>
+              <a:t> </a:t>
+            </a:r>
+            <a:r>
+              <a:rPr lang="en-US" dirty="0" err="1">
+                <a:latin typeface="Jost"/>
+              </a:rPr>
+              <a:t>rendimiento</a:t>
+            </a:r>
+            <a:r>
+              <a:rPr lang="en-US" dirty="0">
+                <a:latin typeface="Jost"/>
+              </a:rPr>
+              <a:t> es </a:t>
+            </a:r>
+            <a:r>
+              <a:rPr lang="en-US" dirty="0" err="1">
+                <a:latin typeface="Jost"/>
+              </a:rPr>
+              <a:t>igual</a:t>
+            </a:r>
+            <a:r>
+              <a:rPr lang="en-US" dirty="0">
+                <a:latin typeface="Jost"/>
+              </a:rPr>
+              <a:t>.</a:t>
+            </a:r>
+          </a:p>
+        </p:txBody>
+      </p:sp>
+    </p:spTree>
+    <p:extLst>
+      <p:ext uri="{BB962C8B-B14F-4D97-AF65-F5344CB8AC3E}">
+        <p14:creationId xmlns:p14="http://schemas.microsoft.com/office/powerpoint/2010/main" val="3616856596"/>
+      </p:ext>
+    </p:extLst>
+  </p:cSld>
+  <p:clrMapOvr>
+    <a:masterClrMapping/>
+  </p:clrMapOvr>
+</p:sld>
+</file>
+
+<file path=ppt/slides/slide16.xml><?xml version="1.0" encoding="utf-8"?>
 <p:sld xmlns:a="http://schemas.openxmlformats.org/drawingml/2006/main" xmlns:r="http://schemas.openxmlformats.org/officeDocument/2006/relationships" xmlns:p="http://schemas.openxmlformats.org/presentationml/2006/main">
   <p:cSld>
     <p:spTree>
@@ -7370,19 +8296,19 @@
       </p:cxnSp>
       <p:pic>
         <p:nvPicPr>
-          <p:cNvPr id="4" name="Picture 3" descr="A screenshot of a cell phone&#10;&#10;Description automatically generated">
-            <a:extLst>
-              <a:ext uri="{FF2B5EF4-FFF2-40B4-BE49-F238E27FC236}">
-                <a16:creationId xmlns:a16="http://schemas.microsoft.com/office/drawing/2014/main" id="{71D144F3-FC66-4346-8E46-0F7774A52D4B}"/>
+          <p:cNvPr id="3074" name="Picture 2">
+            <a:extLst>
+              <a:ext uri="{FF2B5EF4-FFF2-40B4-BE49-F238E27FC236}">
+                <a16:creationId xmlns:a16="http://schemas.microsoft.com/office/drawing/2014/main" id="{312D30D1-5941-416F-A9C1-1A68A8C5A66F}"/>
               </a:ext>
             </a:extLst>
           </p:cNvPr>
           <p:cNvPicPr>
-            <a:picLocks noChangeAspect="1"/>
+            <a:picLocks noChangeAspect="1" noChangeArrowheads="1"/>
           </p:cNvPicPr>
           <p:nvPr/>
         </p:nvPicPr>
-        <p:blipFill>
+        <p:blipFill rotWithShape="1">
           <a:blip r:embed="rId4">
             <a:extLst>
               <a:ext uri="{28A0092B-C50C-407E-A947-70E740481C1C}">
@@ -7390,18 +8316,27 @@
               </a:ext>
             </a:extLst>
           </a:blip>
-          <a:stretch>
-            <a:fillRect/>
-          </a:stretch>
+          <a:srcRect b="1295"/>
+          <a:stretch/>
         </p:blipFill>
-        <p:spPr>
+        <p:spPr bwMode="auto">
           <a:xfrm>
-            <a:off x="359599" y="0"/>
-            <a:ext cx="11472802" cy="6858000"/>
+            <a:off x="352927" y="88777"/>
+            <a:ext cx="11017250" cy="6769220"/>
           </a:xfrm>
           <a:prstGeom prst="rect">
             <a:avLst/>
           </a:prstGeom>
+          <a:noFill/>
+          <a:extLst>
+            <a:ext uri="{909E8E84-426E-40DD-AFC4-6F175D3DCCD1}">
+              <a14:hiddenFill xmlns:a14="http://schemas.microsoft.com/office/drawing/2010/main">
+                <a:solidFill>
+                  <a:srgbClr val="FFFFFF"/>
+                </a:solidFill>
+              </a14:hiddenFill>
+            </a:ext>
+          </a:extLst>
         </p:spPr>
       </p:pic>
     </p:spTree>
@@ -7967,7 +8902,7 @@
         </p:blipFill>
         <p:spPr bwMode="auto">
           <a:xfrm>
-            <a:off x="872371" y="2897108"/>
+            <a:off x="919049" y="2896763"/>
             <a:ext cx="3132365" cy="2088243"/>
           </a:xfrm>
           <a:prstGeom prst="rect">
@@ -12534,19 +13469,6 @@
           <a:lstStyle/>
           <a:p>
             <a:r>
-              <a:rPr lang="en-US" sz="3200" b="1" dirty="0">
-                <a:solidFill>
-                  <a:schemeClr val="tx1">
-                    <a:lumMod val="85000"/>
-                    <a:lumOff val="15000"/>
-                  </a:schemeClr>
-                </a:solidFill>
-                <a:latin typeface="Jost" pitchFamily="2" charset="0"/>
-                <a:ea typeface="Jost" pitchFamily="2" charset="0"/>
-              </a:rPr>
-              <a:t>¿</a:t>
-            </a:r>
-            <a:r>
               <a:rPr lang="en-US" sz="3200" b="1" dirty="0" err="1">
                 <a:solidFill>
                   <a:schemeClr val="tx1">
@@ -12557,46 +13479,7 @@
                 <a:latin typeface="Jost" pitchFamily="2" charset="0"/>
                 <a:ea typeface="Jost" pitchFamily="2" charset="0"/>
               </a:rPr>
-              <a:t>Qué</a:t>
-            </a:r>
-            <a:r>
-              <a:rPr lang="en-US" sz="3200" b="1" dirty="0">
-                <a:solidFill>
-                  <a:schemeClr val="tx1">
-                    <a:lumMod val="85000"/>
-                    <a:lumOff val="15000"/>
-                  </a:schemeClr>
-                </a:solidFill>
-                <a:latin typeface="Jost" pitchFamily="2" charset="0"/>
-                <a:ea typeface="Jost" pitchFamily="2" charset="0"/>
-              </a:rPr>
-              <a:t> valor </a:t>
-            </a:r>
-            <a:r>
-              <a:rPr lang="en-US" sz="3200" b="1" dirty="0" err="1">
-                <a:solidFill>
-                  <a:schemeClr val="tx1">
-                    <a:lumMod val="85000"/>
-                    <a:lumOff val="15000"/>
-                  </a:schemeClr>
-                </a:solidFill>
-                <a:latin typeface="Jost" pitchFamily="2" charset="0"/>
-                <a:ea typeface="Jost" pitchFamily="2" charset="0"/>
-              </a:rPr>
-              <a:t>agregamos</a:t>
-            </a:r>
-            <a:r>
-              <a:rPr lang="en-US" sz="3200" b="1" dirty="0">
-                <a:solidFill>
-                  <a:schemeClr val="tx1">
-                    <a:lumMod val="85000"/>
-                    <a:lumOff val="15000"/>
-                  </a:schemeClr>
-                </a:solidFill>
-                <a:latin typeface="Jost" pitchFamily="2" charset="0"/>
-                <a:ea typeface="Jost" pitchFamily="2" charset="0"/>
-              </a:rPr>
-              <a:t>?</a:t>
+              <a:t>Motivación</a:t>
             </a:r>
             <a:endParaRPr lang="en-US" sz="3200" b="1" dirty="0">
               <a:solidFill>
@@ -12900,7 +13783,7 @@
         </p:blipFill>
         <p:spPr>
           <a:xfrm>
-            <a:off x="4585209" y="2432176"/>
+            <a:off x="4585209" y="2363007"/>
             <a:ext cx="7133771" cy="2932389"/>
           </a:xfrm>
           <a:prstGeom prst="rect">
@@ -13203,33 +14086,7 @@
                 <a:latin typeface="Jost" pitchFamily="2" charset="0"/>
                 <a:ea typeface="Jost" pitchFamily="2" charset="0"/>
               </a:rPr>
-              <a:t>Enfoque</a:t>
-            </a:r>
-            <a:r>
-              <a:rPr lang="en-US" sz="3200" b="1" dirty="0">
-                <a:solidFill>
-                  <a:schemeClr val="tx1">
-                    <a:lumMod val="85000"/>
-                    <a:lumOff val="15000"/>
-                  </a:schemeClr>
-                </a:solidFill>
-                <a:latin typeface="Jost" pitchFamily="2" charset="0"/>
-                <a:ea typeface="Jost" pitchFamily="2" charset="0"/>
-              </a:rPr>
-              <a:t> de </a:t>
-            </a:r>
-            <a:r>
-              <a:rPr lang="en-US" sz="3200" b="1" dirty="0" err="1">
-                <a:solidFill>
-                  <a:schemeClr val="tx1">
-                    <a:lumMod val="85000"/>
-                    <a:lumOff val="15000"/>
-                  </a:schemeClr>
-                </a:solidFill>
-                <a:latin typeface="Jost" pitchFamily="2" charset="0"/>
-                <a:ea typeface="Jost" pitchFamily="2" charset="0"/>
-              </a:rPr>
-              <a:t>Investigación</a:t>
+              <a:t>Hipótesis</a:t>
             </a:r>
             <a:r>
               <a:rPr lang="en-US" sz="3200" b="1" dirty="0">
@@ -13362,10 +14219,169 @@
           </a:fontRef>
         </p:style>
       </p:cxnSp>
+      <p:sp>
+        <p:nvSpPr>
+          <p:cNvPr id="3" name="TextBox 2">
+            <a:extLst>
+              <a:ext uri="{FF2B5EF4-FFF2-40B4-BE49-F238E27FC236}">
+                <a16:creationId xmlns:a16="http://schemas.microsoft.com/office/drawing/2014/main" id="{4CCAF89F-2BEF-4687-B81B-2A6EC8854CDD}"/>
+              </a:ext>
+            </a:extLst>
+          </p:cNvPr>
+          <p:cNvSpPr txBox="1"/>
+          <p:nvPr/>
+        </p:nvSpPr>
+        <p:spPr>
+          <a:xfrm>
+            <a:off x="798991" y="2112885"/>
+            <a:ext cx="10484528" cy="646331"/>
+          </a:xfrm>
+          <a:prstGeom prst="rect">
+            <a:avLst/>
+          </a:prstGeom>
+          <a:noFill/>
+        </p:spPr>
+        <p:txBody>
+          <a:bodyPr wrap="square" rtlCol="0">
+            <a:spAutoFit/>
+          </a:bodyPr>
+          <a:lstStyle/>
+          <a:p>
+            <a:r>
+              <a:rPr lang="es-ES" dirty="0">
+                <a:latin typeface="Jost"/>
+              </a:rPr>
+              <a:t>Se considera que las redes convolucionales son efectivas para analizar imágenes de carácter médico mientras que los modelos de Transfer Learning no serán de utilidad en la clasificación de las mismas. </a:t>
+            </a:r>
+            <a:endParaRPr lang="en-US" dirty="0">
+              <a:latin typeface="Jost"/>
+            </a:endParaRPr>
+          </a:p>
+        </p:txBody>
+      </p:sp>
+      <p:sp>
+        <p:nvSpPr>
+          <p:cNvPr id="7" name="TextBox 6">
+            <a:extLst>
+              <a:ext uri="{FF2B5EF4-FFF2-40B4-BE49-F238E27FC236}">
+                <a16:creationId xmlns:a16="http://schemas.microsoft.com/office/drawing/2014/main" id="{14046330-4D13-4923-8B99-DCFD5BB18DC1}"/>
+              </a:ext>
+            </a:extLst>
+          </p:cNvPr>
+          <p:cNvSpPr txBox="1"/>
+          <p:nvPr/>
+        </p:nvSpPr>
+        <p:spPr>
+          <a:xfrm>
+            <a:off x="705852" y="3090247"/>
+            <a:ext cx="9849852" cy="584775"/>
+          </a:xfrm>
+          <a:prstGeom prst="rect">
+            <a:avLst/>
+          </a:prstGeom>
+          <a:noFill/>
+        </p:spPr>
+        <p:txBody>
+          <a:bodyPr wrap="square" rtlCol="0">
+            <a:spAutoFit/>
+          </a:bodyPr>
+          <a:lstStyle/>
+          <a:p>
+            <a:r>
+              <a:rPr lang="en-US" sz="3200" b="1" dirty="0" err="1">
+                <a:solidFill>
+                  <a:schemeClr val="tx1">
+                    <a:lumMod val="85000"/>
+                    <a:lumOff val="15000"/>
+                  </a:schemeClr>
+                </a:solidFill>
+                <a:latin typeface="Jost" pitchFamily="2" charset="0"/>
+                <a:ea typeface="Jost" pitchFamily="2" charset="0"/>
+              </a:rPr>
+              <a:t>Metodolog</a:t>
+            </a:r>
+            <a:r>
+              <a:rPr lang="es-419" sz="3200" b="1" dirty="0" err="1">
+                <a:solidFill>
+                  <a:schemeClr val="tx1">
+                    <a:lumMod val="85000"/>
+                    <a:lumOff val="15000"/>
+                  </a:schemeClr>
+                </a:solidFill>
+                <a:latin typeface="Jost" pitchFamily="2" charset="0"/>
+                <a:ea typeface="Jost" pitchFamily="2" charset="0"/>
+              </a:rPr>
+              <a:t>ía</a:t>
+            </a:r>
+            <a:endParaRPr lang="en-US" sz="3200" b="1" dirty="0">
+              <a:solidFill>
+                <a:schemeClr val="tx1">
+                  <a:lumMod val="85000"/>
+                  <a:lumOff val="15000"/>
+                </a:schemeClr>
+              </a:solidFill>
+              <a:latin typeface="Jost" pitchFamily="2" charset="0"/>
+              <a:ea typeface="Jost" pitchFamily="2" charset="0"/>
+            </a:endParaRPr>
+          </a:p>
+        </p:txBody>
+      </p:sp>
+      <p:sp>
+        <p:nvSpPr>
+          <p:cNvPr id="8" name="TextBox 7">
+            <a:extLst>
+              <a:ext uri="{FF2B5EF4-FFF2-40B4-BE49-F238E27FC236}">
+                <a16:creationId xmlns:a16="http://schemas.microsoft.com/office/drawing/2014/main" id="{A90E0513-54D2-4E0B-8F0C-C516838E2E00}"/>
+              </a:ext>
+            </a:extLst>
+          </p:cNvPr>
+          <p:cNvSpPr txBox="1"/>
+          <p:nvPr/>
+        </p:nvSpPr>
+        <p:spPr>
+          <a:xfrm>
+            <a:off x="705852" y="3902268"/>
+            <a:ext cx="10484528" cy="923330"/>
+          </a:xfrm>
+          <a:prstGeom prst="rect">
+            <a:avLst/>
+          </a:prstGeom>
+          <a:noFill/>
+        </p:spPr>
+        <p:txBody>
+          <a:bodyPr wrap="square" rtlCol="0">
+            <a:spAutoFit/>
+          </a:bodyPr>
+          <a:lstStyle/>
+          <a:p>
+            <a:r>
+              <a:rPr lang="es-ES" dirty="0">
+                <a:latin typeface="Jost"/>
+              </a:rPr>
+              <a:t>Comparar el desempeño en la clasificación de imágenes del </a:t>
+            </a:r>
+            <a:r>
+              <a:rPr lang="es-ES" dirty="0" err="1">
+                <a:latin typeface="Jost"/>
+              </a:rPr>
+              <a:t>dataset</a:t>
+            </a:r>
+            <a:r>
+              <a:rPr lang="es-ES" dirty="0">
+                <a:latin typeface="Jost"/>
+              </a:rPr>
+              <a:t> de una red convolucional y modelos de Transfer Learning. Utilizando los resultados para determinar cuál realiza un reconocimiento más rápido y efectivo de las muestras que se encuentran infectadas o no.</a:t>
+            </a:r>
+            <a:endParaRPr lang="en-US" dirty="0">
+              <a:latin typeface="Jost"/>
+            </a:endParaRPr>
+          </a:p>
+        </p:txBody>
+      </p:sp>
     </p:spTree>
     <p:extLst>
       <p:ext uri="{BB962C8B-B14F-4D97-AF65-F5344CB8AC3E}">
-        <p14:creationId xmlns:p14="http://schemas.microsoft.com/office/powerpoint/2010/main" val="816815682"/>
+        <p14:creationId xmlns:p14="http://schemas.microsoft.com/office/powerpoint/2010/main" val="654035513"/>
       </p:ext>
     </p:extLst>
   </p:cSld>
@@ -13431,7 +14447,7 @@
                 <a:latin typeface="Jost" pitchFamily="2" charset="0"/>
                 <a:ea typeface="Jost" pitchFamily="2" charset="0"/>
               </a:rPr>
-              <a:t>Hipotesis</a:t>
+              <a:t>Arquitectura</a:t>
             </a:r>
             <a:r>
               <a:rPr lang="en-US" sz="3200" b="1" dirty="0">
@@ -13444,196 +14460,7 @@
                 <a:latin typeface="Jost" pitchFamily="2" charset="0"/>
                 <a:ea typeface="Jost" pitchFamily="2" charset="0"/>
               </a:rPr>
-              <a:t> </a:t>
-            </a:r>
-          </a:p>
-        </p:txBody>
-      </p:sp>
-      <p:pic>
-        <p:nvPicPr>
-          <p:cNvPr id="11" name="Picture 10">
-            <a:extLst>
-              <a:ext uri="{FF2B5EF4-FFF2-40B4-BE49-F238E27FC236}">
-                <a16:creationId xmlns:a16="http://schemas.microsoft.com/office/drawing/2014/main" id="{87E4B337-0D15-43FD-B52A-2D7DD1FF128A}"/>
-              </a:ext>
-            </a:extLst>
-          </p:cNvPr>
-          <p:cNvPicPr>
-            <a:picLocks noChangeAspect="1"/>
-          </p:cNvPicPr>
-          <p:nvPr/>
-        </p:nvPicPr>
-        <p:blipFill>
-          <a:blip r:embed="rId3">
-            <a:extLst>
-              <a:ext uri="{28A0092B-C50C-407E-A947-70E740481C1C}">
-                <a14:useLocalDpi xmlns:a14="http://schemas.microsoft.com/office/drawing/2010/main" val="0"/>
-              </a:ext>
-            </a:extLst>
-          </a:blip>
-          <a:stretch>
-            <a:fillRect/>
-          </a:stretch>
-        </p:blipFill>
-        <p:spPr>
-          <a:xfrm>
-            <a:off x="9998821" y="165432"/>
-            <a:ext cx="1760000" cy="676064"/>
-          </a:xfrm>
-          <a:prstGeom prst="rect">
-            <a:avLst/>
-          </a:prstGeom>
-        </p:spPr>
-      </p:pic>
-      <p:pic>
-        <p:nvPicPr>
-          <p:cNvPr id="13" name="Picture 12">
-            <a:extLst>
-              <a:ext uri="{FF2B5EF4-FFF2-40B4-BE49-F238E27FC236}">
-                <a16:creationId xmlns:a16="http://schemas.microsoft.com/office/drawing/2014/main" id="{499C1731-7263-4421-8E73-F4226349829D}"/>
-              </a:ext>
-            </a:extLst>
-          </p:cNvPr>
-          <p:cNvPicPr>
-            <a:picLocks noChangeAspect="1"/>
-          </p:cNvPicPr>
-          <p:nvPr/>
-        </p:nvPicPr>
-        <p:blipFill>
-          <a:blip r:embed="rId4">
-            <a:extLst>
-              <a:ext uri="{28A0092B-C50C-407E-A947-70E740481C1C}">
-                <a14:useLocalDpi xmlns:a14="http://schemas.microsoft.com/office/drawing/2010/main" val="0"/>
-              </a:ext>
-            </a:extLst>
-          </a:blip>
-          <a:stretch>
-            <a:fillRect/>
-          </a:stretch>
-        </p:blipFill>
-        <p:spPr>
-          <a:xfrm>
-            <a:off x="352927" y="243537"/>
-            <a:ext cx="2304000" cy="608000"/>
-          </a:xfrm>
-          <a:prstGeom prst="rect">
-            <a:avLst/>
-          </a:prstGeom>
-        </p:spPr>
-      </p:pic>
-      <p:cxnSp>
-        <p:nvCxnSpPr>
-          <p:cNvPr id="15" name="Straight Connector 14">
-            <a:extLst>
-              <a:ext uri="{FF2B5EF4-FFF2-40B4-BE49-F238E27FC236}">
-                <a16:creationId xmlns:a16="http://schemas.microsoft.com/office/drawing/2014/main" id="{A82EF3C5-78F6-458F-96B7-74E95774ED25}"/>
-              </a:ext>
-            </a:extLst>
-          </p:cNvPr>
-          <p:cNvCxnSpPr/>
-          <p:nvPr/>
-        </p:nvCxnSpPr>
-        <p:spPr>
-          <a:xfrm>
-            <a:off x="0" y="969832"/>
-            <a:ext cx="12192000" cy="0"/>
-          </a:xfrm>
-          <a:prstGeom prst="line">
-            <a:avLst/>
-          </a:prstGeom>
-          <a:ln w="12700">
-            <a:solidFill>
-              <a:schemeClr val="bg2">
-                <a:lumMod val="90000"/>
-              </a:schemeClr>
-            </a:solidFill>
-          </a:ln>
-        </p:spPr>
-        <p:style>
-          <a:lnRef idx="1">
-            <a:schemeClr val="accent1"/>
-          </a:lnRef>
-          <a:fillRef idx="0">
-            <a:schemeClr val="accent1"/>
-          </a:fillRef>
-          <a:effectRef idx="0">
-            <a:schemeClr val="accent1"/>
-          </a:effectRef>
-          <a:fontRef idx="minor">
-            <a:schemeClr val="tx1"/>
-          </a:fontRef>
-        </p:style>
-      </p:cxnSp>
-    </p:spTree>
-    <p:extLst>
-      <p:ext uri="{BB962C8B-B14F-4D97-AF65-F5344CB8AC3E}">
-        <p14:creationId xmlns:p14="http://schemas.microsoft.com/office/powerpoint/2010/main" val="654035513"/>
-      </p:ext>
-    </p:extLst>
-  </p:cSld>
-  <p:clrMapOvr>
-    <a:masterClrMapping/>
-  </p:clrMapOvr>
-</p:sld>
-</file>
-
-<file path=ppt/slides/slide8.xml><?xml version="1.0" encoding="utf-8"?>
-<p:sld xmlns:a="http://schemas.openxmlformats.org/drawingml/2006/main" xmlns:r="http://schemas.openxmlformats.org/officeDocument/2006/relationships" xmlns:p="http://schemas.openxmlformats.org/presentationml/2006/main">
-  <p:cSld>
-    <p:spTree>
-      <p:nvGrpSpPr>
-        <p:cNvPr id="1" name=""/>
-        <p:cNvGrpSpPr/>
-        <p:nvPr/>
-      </p:nvGrpSpPr>
-      <p:grpSpPr>
-        <a:xfrm>
-          <a:off x="0" y="0"/>
-          <a:ext cx="0" cy="0"/>
-          <a:chOff x="0" y="0"/>
-          <a:chExt cx="0" cy="0"/>
-        </a:xfrm>
-      </p:grpSpPr>
-      <p:sp>
-        <p:nvSpPr>
-          <p:cNvPr id="2" name="TextBox 1">
-            <a:extLst>
-              <a:ext uri="{FF2B5EF4-FFF2-40B4-BE49-F238E27FC236}">
-                <a16:creationId xmlns:a16="http://schemas.microsoft.com/office/drawing/2014/main" id="{174E7CC9-C18E-40D7-B36A-5CD4ED1EEB1D}"/>
-              </a:ext>
-            </a:extLst>
-          </p:cNvPr>
-          <p:cNvSpPr txBox="1"/>
-          <p:nvPr/>
-        </p:nvSpPr>
-        <p:spPr>
-          <a:xfrm>
-            <a:off x="705852" y="1362420"/>
-            <a:ext cx="9849852" cy="608000"/>
-          </a:xfrm>
-          <a:prstGeom prst="rect">
-            <a:avLst/>
-          </a:prstGeom>
-          <a:noFill/>
-        </p:spPr>
-        <p:txBody>
-          <a:bodyPr wrap="square" rtlCol="0">
-            <a:spAutoFit/>
-          </a:bodyPr>
-          <a:lstStyle/>
-          <a:p>
-            <a:r>
-              <a:rPr lang="es-419" sz="3200" b="1" dirty="0">
-                <a:solidFill>
-                  <a:schemeClr val="tx1">
-                    <a:lumMod val="85000"/>
-                    <a:lumOff val="15000"/>
-                  </a:schemeClr>
-                </a:solidFill>
-                <a:latin typeface="Jost" pitchFamily="2" charset="0"/>
-                <a:ea typeface="Jost" pitchFamily="2" charset="0"/>
-              </a:rPr>
-              <a:t>R</a:t>
+              <a:t> de los </a:t>
             </a:r>
             <a:r>
               <a:rPr lang="en-US" sz="3200" b="1" dirty="0" err="1">
@@ -13646,11 +14473,14 @@
                 <a:latin typeface="Jost" pitchFamily="2" charset="0"/>
                 <a:ea typeface="Jost" pitchFamily="2" charset="0"/>
               </a:rPr>
-              <a:t>esultados</a:t>
+              <a:t>Modelos</a:t>
             </a:r>
             <a:endParaRPr lang="en-US" sz="3200" b="1" dirty="0">
               <a:solidFill>
-                <a:schemeClr val="bg1"/>
+                <a:schemeClr val="tx1">
+                  <a:lumMod val="85000"/>
+                  <a:lumOff val="15000"/>
+                </a:schemeClr>
               </a:solidFill>
               <a:latin typeface="Jost" pitchFamily="2" charset="0"/>
               <a:ea typeface="Jost" pitchFamily="2" charset="0"/>
@@ -13775,10 +14605,10 @@
       </p:cxnSp>
       <p:pic>
         <p:nvPicPr>
-          <p:cNvPr id="5" name="Picture 4">
-            <a:extLst>
-              <a:ext uri="{FF2B5EF4-FFF2-40B4-BE49-F238E27FC236}">
-                <a16:creationId xmlns:a16="http://schemas.microsoft.com/office/drawing/2014/main" id="{314B983E-5BF4-4549-8343-209201BAA3DD}"/>
+          <p:cNvPr id="5" name="Picture 4" descr="A picture containing clock&#10;&#10;Description automatically generated">
+            <a:extLst>
+              <a:ext uri="{FF2B5EF4-FFF2-40B4-BE49-F238E27FC236}">
+                <a16:creationId xmlns:a16="http://schemas.microsoft.com/office/drawing/2014/main" id="{B70E439E-14BA-4404-BD60-040DA19AD3DB}"/>
               </a:ext>
             </a:extLst>
           </p:cNvPr>
@@ -13788,15 +14618,21 @@
           <p:nvPr/>
         </p:nvPicPr>
         <p:blipFill>
-          <a:blip r:embed="rId5"/>
+          <a:blip r:embed="rId5">
+            <a:extLst>
+              <a:ext uri="{28A0092B-C50C-407E-A947-70E740481C1C}">
+                <a14:useLocalDpi xmlns:a14="http://schemas.microsoft.com/office/drawing/2010/main" val="0"/>
+              </a:ext>
+            </a:extLst>
+          </a:blip>
           <a:stretch>
             <a:fillRect/>
           </a:stretch>
         </p:blipFill>
         <p:spPr>
           <a:xfrm>
-            <a:off x="1266074" y="2327822"/>
-            <a:ext cx="9387486" cy="3560346"/>
+            <a:off x="-195309" y="1260312"/>
+            <a:ext cx="12192000" cy="5225143"/>
           </a:xfrm>
           <a:prstGeom prst="rect">
             <a:avLst/>
@@ -13806,7 +14642,7 @@
     </p:spTree>
     <p:extLst>
       <p:ext uri="{BB962C8B-B14F-4D97-AF65-F5344CB8AC3E}">
-        <p14:creationId xmlns:p14="http://schemas.microsoft.com/office/powerpoint/2010/main" val="89715577"/>
+        <p14:creationId xmlns:p14="http://schemas.microsoft.com/office/powerpoint/2010/main" val="3169678067"/>
       </p:ext>
     </p:extLst>
   </p:cSld>
@@ -13816,7 +14652,7 @@
 </p:sld>
 </file>
 
-<file path=ppt/slides/slide9.xml><?xml version="1.0" encoding="utf-8"?>
+<file path=ppt/slides/slide8.xml><?xml version="1.0" encoding="utf-8"?>
 <p:sld xmlns:a="http://schemas.openxmlformats.org/drawingml/2006/main" xmlns:r="http://schemas.openxmlformats.org/officeDocument/2006/relationships" xmlns:p="http://schemas.openxmlformats.org/presentationml/2006/main">
   <p:cSld>
     <p:spTree>
@@ -13848,7 +14684,7 @@
         <p:spPr>
           <a:xfrm>
             <a:off x="705852" y="1362420"/>
-            <a:ext cx="9849852" cy="608000"/>
+            <a:ext cx="9849852" cy="584775"/>
           </a:xfrm>
           <a:prstGeom prst="rect">
             <a:avLst/>
@@ -13862,6 +14698,19 @@
           <a:lstStyle/>
           <a:p>
             <a:r>
+              <a:rPr lang="en-US" sz="3200" b="1" dirty="0" err="1">
+                <a:solidFill>
+                  <a:schemeClr val="tx1">
+                    <a:lumMod val="85000"/>
+                    <a:lumOff val="15000"/>
+                  </a:schemeClr>
+                </a:solidFill>
+                <a:latin typeface="Jost" pitchFamily="2" charset="0"/>
+                <a:ea typeface="Jost" pitchFamily="2" charset="0"/>
+              </a:rPr>
+              <a:t>Arquitectura</a:t>
+            </a:r>
+            <a:r>
               <a:rPr lang="en-US" sz="3200" b="1" dirty="0">
                 <a:solidFill>
                   <a:schemeClr val="tx1">
@@ -13872,11 +14721,27 @@
                 <a:latin typeface="Jost" pitchFamily="2" charset="0"/>
                 <a:ea typeface="Jost" pitchFamily="2" charset="0"/>
               </a:rPr>
-              <a:t>CNN</a:t>
+              <a:t> de los </a:t>
+            </a:r>
+            <a:r>
+              <a:rPr lang="en-US" sz="3200" b="1" dirty="0" err="1">
+                <a:solidFill>
+                  <a:schemeClr val="tx1">
+                    <a:lumMod val="85000"/>
+                    <a:lumOff val="15000"/>
+                  </a:schemeClr>
+                </a:solidFill>
+                <a:latin typeface="Jost" pitchFamily="2" charset="0"/>
+                <a:ea typeface="Jost" pitchFamily="2" charset="0"/>
+              </a:rPr>
+              <a:t>Modelos</a:t>
             </a:r>
             <a:endParaRPr lang="en-US" sz="3200" b="1" dirty="0">
               <a:solidFill>
-                <a:schemeClr val="bg1"/>
+                <a:schemeClr val="tx1">
+                  <a:lumMod val="85000"/>
+                  <a:lumOff val="15000"/>
+                </a:schemeClr>
               </a:solidFill>
               <a:latin typeface="Jost" pitchFamily="2" charset="0"/>
               <a:ea typeface="Jost" pitchFamily="2" charset="0"/>
@@ -13899,7 +14764,7 @@
           <p:nvPr/>
         </p:nvPicPr>
         <p:blipFill>
-          <a:blip r:embed="rId2">
+          <a:blip r:embed="rId3">
             <a:extLst>
               <a:ext uri="{28A0092B-C50C-407E-A947-70E740481C1C}">
                 <a14:useLocalDpi xmlns:a14="http://schemas.microsoft.com/office/drawing/2010/main" val="0"/>
@@ -13935,7 +14800,7 @@
           <p:nvPr/>
         </p:nvPicPr>
         <p:blipFill>
-          <a:blip r:embed="rId3">
+          <a:blip r:embed="rId4">
             <a:extLst>
               <a:ext uri="{28A0092B-C50C-407E-A947-70E740481C1C}">
                 <a14:useLocalDpi xmlns:a14="http://schemas.microsoft.com/office/drawing/2010/main" val="0"/>
@@ -14001,10 +14866,151 @@
       </p:cxnSp>
       <p:pic>
         <p:nvPicPr>
-          <p:cNvPr id="4" name="Picture 3">
-            <a:extLst>
-              <a:ext uri="{FF2B5EF4-FFF2-40B4-BE49-F238E27FC236}">
-                <a16:creationId xmlns:a16="http://schemas.microsoft.com/office/drawing/2014/main" id="{ABB3E3B1-DA2D-4FB6-ABBE-27863287A16A}"/>
+          <p:cNvPr id="1030" name="Picture 6">
+            <a:extLst>
+              <a:ext uri="{FF2B5EF4-FFF2-40B4-BE49-F238E27FC236}">
+                <a16:creationId xmlns:a16="http://schemas.microsoft.com/office/drawing/2014/main" id="{2B840F05-2C68-49A1-AB13-FD4B7061E48A}"/>
+              </a:ext>
+            </a:extLst>
+          </p:cNvPr>
+          <p:cNvPicPr>
+            <a:picLocks noChangeAspect="1" noChangeArrowheads="1"/>
+          </p:cNvPicPr>
+          <p:nvPr/>
+        </p:nvPicPr>
+        <p:blipFill>
+          <a:blip r:embed="rId5">
+            <a:extLst>
+              <a:ext uri="{28A0092B-C50C-407E-A947-70E740481C1C}">
+                <a14:useLocalDpi xmlns:a14="http://schemas.microsoft.com/office/drawing/2010/main" val="0"/>
+              </a:ext>
+            </a:extLst>
+          </a:blip>
+          <a:srcRect/>
+          <a:stretch>
+            <a:fillRect/>
+          </a:stretch>
+        </p:blipFill>
+        <p:spPr bwMode="auto">
+          <a:xfrm>
+            <a:off x="2656927" y="2339782"/>
+            <a:ext cx="7714695" cy="3857348"/>
+          </a:xfrm>
+          <a:prstGeom prst="rect">
+            <a:avLst/>
+          </a:prstGeom>
+          <a:noFill/>
+          <a:extLst>
+            <a:ext uri="{909E8E84-426E-40DD-AFC4-6F175D3DCCD1}">
+              <a14:hiddenFill xmlns:a14="http://schemas.microsoft.com/office/drawing/2010/main">
+                <a:solidFill>
+                  <a:srgbClr val="FFFFFF"/>
+                </a:solidFill>
+              </a14:hiddenFill>
+            </a:ext>
+          </a:extLst>
+        </p:spPr>
+      </p:pic>
+    </p:spTree>
+    <p:extLst>
+      <p:ext uri="{BB962C8B-B14F-4D97-AF65-F5344CB8AC3E}">
+        <p14:creationId xmlns:p14="http://schemas.microsoft.com/office/powerpoint/2010/main" val="3505788746"/>
+      </p:ext>
+    </p:extLst>
+  </p:cSld>
+  <p:clrMapOvr>
+    <a:masterClrMapping/>
+  </p:clrMapOvr>
+</p:sld>
+</file>
+
+<file path=ppt/slides/slide9.xml><?xml version="1.0" encoding="utf-8"?>
+<p:sld xmlns:a="http://schemas.openxmlformats.org/drawingml/2006/main" xmlns:r="http://schemas.openxmlformats.org/officeDocument/2006/relationships" xmlns:p="http://schemas.openxmlformats.org/presentationml/2006/main">
+  <p:cSld>
+    <p:spTree>
+      <p:nvGrpSpPr>
+        <p:cNvPr id="1" name=""/>
+        <p:cNvGrpSpPr/>
+        <p:nvPr/>
+      </p:nvGrpSpPr>
+      <p:grpSpPr>
+        <a:xfrm>
+          <a:off x="0" y="0"/>
+          <a:ext cx="0" cy="0"/>
+          <a:chOff x="0" y="0"/>
+          <a:chExt cx="0" cy="0"/>
+        </a:xfrm>
+      </p:grpSpPr>
+      <p:sp>
+        <p:nvSpPr>
+          <p:cNvPr id="2" name="TextBox 1">
+            <a:extLst>
+              <a:ext uri="{FF2B5EF4-FFF2-40B4-BE49-F238E27FC236}">
+                <a16:creationId xmlns:a16="http://schemas.microsoft.com/office/drawing/2014/main" id="{174E7CC9-C18E-40D7-B36A-5CD4ED1EEB1D}"/>
+              </a:ext>
+            </a:extLst>
+          </p:cNvPr>
+          <p:cNvSpPr txBox="1"/>
+          <p:nvPr/>
+        </p:nvSpPr>
+        <p:spPr>
+          <a:xfrm>
+            <a:off x="705852" y="1362420"/>
+            <a:ext cx="9849852" cy="608000"/>
+          </a:xfrm>
+          <a:prstGeom prst="rect">
+            <a:avLst/>
+          </a:prstGeom>
+          <a:noFill/>
+        </p:spPr>
+        <p:txBody>
+          <a:bodyPr wrap="square" rtlCol="0">
+            <a:spAutoFit/>
+          </a:bodyPr>
+          <a:lstStyle/>
+          <a:p>
+            <a:r>
+              <a:rPr lang="es-419" sz="3200" b="1" dirty="0">
+                <a:solidFill>
+                  <a:schemeClr val="tx1">
+                    <a:lumMod val="85000"/>
+                    <a:lumOff val="15000"/>
+                  </a:schemeClr>
+                </a:solidFill>
+                <a:latin typeface="Jost" pitchFamily="2" charset="0"/>
+                <a:ea typeface="Jost" pitchFamily="2" charset="0"/>
+              </a:rPr>
+              <a:t>R</a:t>
+            </a:r>
+            <a:r>
+              <a:rPr lang="en-US" sz="3200" b="1" dirty="0" err="1">
+                <a:solidFill>
+                  <a:schemeClr val="tx1">
+                    <a:lumMod val="85000"/>
+                    <a:lumOff val="15000"/>
+                  </a:schemeClr>
+                </a:solidFill>
+                <a:latin typeface="Jost" pitchFamily="2" charset="0"/>
+                <a:ea typeface="Jost" pitchFamily="2" charset="0"/>
+              </a:rPr>
+              <a:t>esultados</a:t>
+            </a:r>
+            <a:endParaRPr lang="en-US" sz="3200" b="1" dirty="0">
+              <a:solidFill>
+                <a:schemeClr val="bg1"/>
+              </a:solidFill>
+              <a:latin typeface="Jost" pitchFamily="2" charset="0"/>
+              <a:ea typeface="Jost" pitchFamily="2" charset="0"/>
+            </a:endParaRPr>
+          </a:p>
+        </p:txBody>
+      </p:sp>
+      <p:pic>
+        <p:nvPicPr>
+          <p:cNvPr id="11" name="Picture 10">
+            <a:extLst>
+              <a:ext uri="{FF2B5EF4-FFF2-40B4-BE49-F238E27FC236}">
+                <a16:creationId xmlns:a16="http://schemas.microsoft.com/office/drawing/2014/main" id="{87E4B337-0D15-43FD-B52A-2D7DD1FF128A}"/>
               </a:ext>
             </a:extLst>
           </p:cNvPr>
@@ -14014,15 +15020,130 @@
           <p:nvPr/>
         </p:nvPicPr>
         <p:blipFill>
-          <a:blip r:embed="rId4"/>
+          <a:blip r:embed="rId3">
+            <a:extLst>
+              <a:ext uri="{28A0092B-C50C-407E-A947-70E740481C1C}">
+                <a14:useLocalDpi xmlns:a14="http://schemas.microsoft.com/office/drawing/2010/main" val="0"/>
+              </a:ext>
+            </a:extLst>
+          </a:blip>
           <a:stretch>
             <a:fillRect/>
           </a:stretch>
         </p:blipFill>
         <p:spPr>
           <a:xfrm>
-            <a:off x="2656927" y="435009"/>
-            <a:ext cx="7076316" cy="6346800"/>
+            <a:off x="9998821" y="165432"/>
+            <a:ext cx="1760000" cy="676064"/>
+          </a:xfrm>
+          <a:prstGeom prst="rect">
+            <a:avLst/>
+          </a:prstGeom>
+        </p:spPr>
+      </p:pic>
+      <p:pic>
+        <p:nvPicPr>
+          <p:cNvPr id="13" name="Picture 12">
+            <a:extLst>
+              <a:ext uri="{FF2B5EF4-FFF2-40B4-BE49-F238E27FC236}">
+                <a16:creationId xmlns:a16="http://schemas.microsoft.com/office/drawing/2014/main" id="{499C1731-7263-4421-8E73-F4226349829D}"/>
+              </a:ext>
+            </a:extLst>
+          </p:cNvPr>
+          <p:cNvPicPr>
+            <a:picLocks noChangeAspect="1"/>
+          </p:cNvPicPr>
+          <p:nvPr/>
+        </p:nvPicPr>
+        <p:blipFill>
+          <a:blip r:embed="rId4">
+            <a:extLst>
+              <a:ext uri="{28A0092B-C50C-407E-A947-70E740481C1C}">
+                <a14:useLocalDpi xmlns:a14="http://schemas.microsoft.com/office/drawing/2010/main" val="0"/>
+              </a:ext>
+            </a:extLst>
+          </a:blip>
+          <a:stretch>
+            <a:fillRect/>
+          </a:stretch>
+        </p:blipFill>
+        <p:spPr>
+          <a:xfrm>
+            <a:off x="352927" y="243537"/>
+            <a:ext cx="2304000" cy="608000"/>
+          </a:xfrm>
+          <a:prstGeom prst="rect">
+            <a:avLst/>
+          </a:prstGeom>
+        </p:spPr>
+      </p:pic>
+      <p:cxnSp>
+        <p:nvCxnSpPr>
+          <p:cNvPr id="15" name="Straight Connector 14">
+            <a:extLst>
+              <a:ext uri="{FF2B5EF4-FFF2-40B4-BE49-F238E27FC236}">
+                <a16:creationId xmlns:a16="http://schemas.microsoft.com/office/drawing/2014/main" id="{A82EF3C5-78F6-458F-96B7-74E95774ED25}"/>
+              </a:ext>
+            </a:extLst>
+          </p:cNvPr>
+          <p:cNvCxnSpPr/>
+          <p:nvPr/>
+        </p:nvCxnSpPr>
+        <p:spPr>
+          <a:xfrm>
+            <a:off x="0" y="969832"/>
+            <a:ext cx="12192000" cy="0"/>
+          </a:xfrm>
+          <a:prstGeom prst="line">
+            <a:avLst/>
+          </a:prstGeom>
+          <a:ln w="12700">
+            <a:solidFill>
+              <a:schemeClr val="bg2">
+                <a:lumMod val="90000"/>
+              </a:schemeClr>
+            </a:solidFill>
+          </a:ln>
+        </p:spPr>
+        <p:style>
+          <a:lnRef idx="1">
+            <a:schemeClr val="accent1"/>
+          </a:lnRef>
+          <a:fillRef idx="0">
+            <a:schemeClr val="accent1"/>
+          </a:fillRef>
+          <a:effectRef idx="0">
+            <a:schemeClr val="accent1"/>
+          </a:effectRef>
+          <a:fontRef idx="minor">
+            <a:schemeClr val="tx1"/>
+          </a:fontRef>
+        </p:style>
+      </p:cxnSp>
+      <p:pic>
+        <p:nvPicPr>
+          <p:cNvPr id="7" name="Picture 6">
+            <a:extLst>
+              <a:ext uri="{FF2B5EF4-FFF2-40B4-BE49-F238E27FC236}">
+                <a16:creationId xmlns:a16="http://schemas.microsoft.com/office/drawing/2014/main" id="{E9DC9151-E7D8-479A-904C-CA211D94CF07}"/>
+              </a:ext>
+            </a:extLst>
+          </p:cNvPr>
+          <p:cNvPicPr>
+            <a:picLocks noChangeAspect="1"/>
+          </p:cNvPicPr>
+          <p:nvPr/>
+        </p:nvPicPr>
+        <p:blipFill>
+          <a:blip r:embed="rId5"/>
+          <a:stretch>
+            <a:fillRect/>
+          </a:stretch>
+        </p:blipFill>
+        <p:spPr>
+          <a:xfrm>
+            <a:off x="2761961" y="2509935"/>
+            <a:ext cx="6668078" cy="2377646"/>
           </a:xfrm>
           <a:prstGeom prst="rect">
             <a:avLst/>
@@ -14032,7 +15153,7 @@
     </p:spTree>
     <p:extLst>
       <p:ext uri="{BB962C8B-B14F-4D97-AF65-F5344CB8AC3E}">
-        <p14:creationId xmlns:p14="http://schemas.microsoft.com/office/powerpoint/2010/main" val="2924433744"/>
+        <p14:creationId xmlns:p14="http://schemas.microsoft.com/office/powerpoint/2010/main" val="89715577"/>
       </p:ext>
     </p:extLst>
   </p:cSld>

--- a/PosterPresentation.pptx
+++ b/PosterPresentation.pptx
@@ -16,10 +16,10 @@
     <p:sldId id="272" r:id="rId7"/>
     <p:sldId id="274" r:id="rId8"/>
     <p:sldId id="276" r:id="rId9"/>
-    <p:sldId id="265" r:id="rId10"/>
-    <p:sldId id="266" r:id="rId11"/>
-    <p:sldId id="267" r:id="rId12"/>
-    <p:sldId id="269" r:id="rId13"/>
+    <p:sldId id="266" r:id="rId10"/>
+    <p:sldId id="267" r:id="rId11"/>
+    <p:sldId id="269" r:id="rId12"/>
+    <p:sldId id="265" r:id="rId13"/>
     <p:sldId id="270" r:id="rId14"/>
     <p:sldId id="273" r:id="rId15"/>
     <p:sldId id="275" r:id="rId16"/>
@@ -1060,7 +1060,7 @@
           <a:p>
             <a:fld id="{D222D5ED-ECC0-4EDE-8817-652B9D89A37F}" type="datetimeFigureOut">
               <a:rPr lang="en-US" smtClean="0"/>
-              <a:t>5/6/2020</a:t>
+              <a:t>5/7/2020</a:t>
             </a:fld>
             <a:endParaRPr lang="en-US"/>
           </a:p>
@@ -1371,7 +1371,10 @@
           <a:bodyPr/>
           <a:lstStyle/>
           <a:p>
-            <a:endParaRPr lang="es-ES" dirty="0"/>
+            <a:r>
+              <a:rPr lang="es-ES" dirty="0"/>
+              <a:t>Ines</a:t>
+            </a:r>
           </a:p>
           <a:p>
             <a:r>
@@ -1499,6 +1502,366 @@
           <a:lstStyle/>
           <a:p>
             <a:r>
+              <a:rPr lang="es-419" dirty="0"/>
+              <a:t>Diego</a:t>
+            </a:r>
+          </a:p>
+          <a:p>
+            <a:endParaRPr lang="es-419" dirty="0"/>
+          </a:p>
+          <a:p>
+            <a:r>
+              <a:rPr lang="es-419" dirty="0"/>
+              <a:t>Que hicimos**</a:t>
+            </a:r>
+          </a:p>
+          <a:p>
+            <a:r>
+              <a:rPr lang="es-ES" dirty="0"/>
+              <a:t>Comparar el desempeño en la clasificación de imágenes del </a:t>
+            </a:r>
+            <a:r>
+              <a:rPr lang="es-ES" dirty="0" err="1"/>
+              <a:t>dataset</a:t>
+            </a:r>
+            <a:r>
+              <a:rPr lang="es-ES" dirty="0"/>
+              <a:t> utilizando diferentes redes neurales. De esta forma podemos hacer un reconocimiento rápido para poder determinar si una muestra se encuentra infectada o no.</a:t>
+            </a:r>
+            <a:endParaRPr lang="es-419" dirty="0"/>
+          </a:p>
+          <a:p>
+            <a:r>
+              <a:rPr lang="es-419" dirty="0"/>
+              <a:t>Porque escogimos transfer learning – medical </a:t>
+            </a:r>
+            <a:r>
+              <a:rPr lang="es-419" dirty="0" err="1"/>
+              <a:t>papers</a:t>
+            </a:r>
+            <a:r>
+              <a:rPr lang="es-419" dirty="0"/>
+              <a:t> para imágenes usan TL</a:t>
+            </a:r>
+          </a:p>
+          <a:p>
+            <a:r>
+              <a:rPr lang="es-419" dirty="0" err="1"/>
+              <a:t>ImageNet</a:t>
+            </a:r>
+            <a:r>
+              <a:rPr lang="es-419" dirty="0"/>
+              <a:t> ----- realiza un buen desempeño </a:t>
+            </a:r>
+          </a:p>
+          <a:p>
+            <a:endParaRPr lang="es-419" dirty="0"/>
+          </a:p>
+          <a:p>
+            <a:r>
+              <a:rPr lang="es-419" dirty="0" err="1"/>
+              <a:t>Accuracy</a:t>
+            </a:r>
+            <a:endParaRPr lang="es-419" dirty="0"/>
+          </a:p>
+          <a:p>
+            <a:r>
+              <a:rPr lang="es-419" dirty="0" err="1"/>
+              <a:t>Precision</a:t>
+            </a:r>
+            <a:r>
+              <a:rPr lang="es-419" dirty="0"/>
+              <a:t> </a:t>
+            </a:r>
+          </a:p>
+          <a:p>
+            <a:r>
+              <a:rPr lang="es-419" dirty="0" err="1"/>
+              <a:t>Recall</a:t>
+            </a:r>
+            <a:r>
+              <a:rPr lang="es-419" dirty="0"/>
+              <a:t> </a:t>
+            </a:r>
+          </a:p>
+          <a:p>
+            <a:r>
+              <a:rPr lang="es-419" dirty="0"/>
+              <a:t>F1</a:t>
+            </a:r>
+          </a:p>
+          <a:p>
+            <a:endParaRPr lang="en-US" dirty="0"/>
+          </a:p>
+        </p:txBody>
+      </p:sp>
+      <p:sp>
+        <p:nvSpPr>
+          <p:cNvPr id="4" name="Slide Number Placeholder 3"/>
+          <p:cNvSpPr>
+            <a:spLocks noGrp="1"/>
+          </p:cNvSpPr>
+          <p:nvPr>
+            <p:ph type="sldNum" sz="quarter" idx="5"/>
+          </p:nvPr>
+        </p:nvSpPr>
+        <p:spPr/>
+        <p:txBody>
+          <a:bodyPr/>
+          <a:lstStyle/>
+          <a:p>
+            <a:fld id="{AA67868C-C2FC-45ED-8755-D0511E2880FE}" type="slidenum">
+              <a:rPr lang="en-US" smtClean="0"/>
+              <a:t>12</a:t>
+            </a:fld>
+            <a:endParaRPr lang="en-US"/>
+          </a:p>
+        </p:txBody>
+      </p:sp>
+    </p:spTree>
+    <p:extLst>
+      <p:ext uri="{BB962C8B-B14F-4D97-AF65-F5344CB8AC3E}">
+        <p14:creationId xmlns:p14="http://schemas.microsoft.com/office/powerpoint/2010/main" val="849396896"/>
+      </p:ext>
+    </p:extLst>
+  </p:cSld>
+  <p:clrMapOvr>
+    <a:masterClrMapping/>
+  </p:clrMapOvr>
+</p:notes>
+</file>
+
+<file path=ppt/notesSlides/notesSlide11.xml><?xml version="1.0" encoding="utf-8"?>
+<p:notes xmlns:a="http://schemas.openxmlformats.org/drawingml/2006/main" xmlns:r="http://schemas.openxmlformats.org/officeDocument/2006/relationships" xmlns:p="http://schemas.openxmlformats.org/presentationml/2006/main">
+  <p:cSld>
+    <p:spTree>
+      <p:nvGrpSpPr>
+        <p:cNvPr id="1" name=""/>
+        <p:cNvGrpSpPr/>
+        <p:nvPr/>
+      </p:nvGrpSpPr>
+      <p:grpSpPr>
+        <a:xfrm>
+          <a:off x="0" y="0"/>
+          <a:ext cx="0" cy="0"/>
+          <a:chOff x="0" y="0"/>
+          <a:chExt cx="0" cy="0"/>
+        </a:xfrm>
+      </p:grpSpPr>
+      <p:sp>
+        <p:nvSpPr>
+          <p:cNvPr id="2" name="Slide Image Placeholder 1"/>
+          <p:cNvSpPr>
+            <a:spLocks noGrp="1" noRot="1" noChangeAspect="1"/>
+          </p:cNvSpPr>
+          <p:nvPr>
+            <p:ph type="sldImg"/>
+          </p:nvPr>
+        </p:nvSpPr>
+        <p:spPr/>
+      </p:sp>
+      <p:sp>
+        <p:nvSpPr>
+          <p:cNvPr id="3" name="Notes Placeholder 2"/>
+          <p:cNvSpPr>
+            <a:spLocks noGrp="1"/>
+          </p:cNvSpPr>
+          <p:nvPr>
+            <p:ph type="body" idx="1"/>
+          </p:nvPr>
+        </p:nvSpPr>
+        <p:spPr/>
+        <p:txBody>
+          <a:bodyPr/>
+          <a:lstStyle/>
+          <a:p>
+            <a:r>
+              <a:rPr lang="es-419" dirty="0"/>
+              <a:t>Ines </a:t>
+            </a:r>
+            <a:endParaRPr lang="en-US" dirty="0"/>
+          </a:p>
+        </p:txBody>
+      </p:sp>
+      <p:sp>
+        <p:nvSpPr>
+          <p:cNvPr id="4" name="Slide Number Placeholder 3"/>
+          <p:cNvSpPr>
+            <a:spLocks noGrp="1"/>
+          </p:cNvSpPr>
+          <p:nvPr>
+            <p:ph type="sldNum" sz="quarter" idx="5"/>
+          </p:nvPr>
+        </p:nvSpPr>
+        <p:spPr/>
+        <p:txBody>
+          <a:bodyPr/>
+          <a:lstStyle/>
+          <a:p>
+            <a:fld id="{AA67868C-C2FC-45ED-8755-D0511E2880FE}" type="slidenum">
+              <a:rPr lang="en-US" smtClean="0"/>
+              <a:t>13</a:t>
+            </a:fld>
+            <a:endParaRPr lang="en-US"/>
+          </a:p>
+        </p:txBody>
+      </p:sp>
+    </p:spTree>
+    <p:extLst>
+      <p:ext uri="{BB962C8B-B14F-4D97-AF65-F5344CB8AC3E}">
+        <p14:creationId xmlns:p14="http://schemas.microsoft.com/office/powerpoint/2010/main" val="2074402718"/>
+      </p:ext>
+    </p:extLst>
+  </p:cSld>
+  <p:clrMapOvr>
+    <a:masterClrMapping/>
+  </p:clrMapOvr>
+</p:notes>
+</file>
+
+<file path=ppt/notesSlides/notesSlide12.xml><?xml version="1.0" encoding="utf-8"?>
+<p:notes xmlns:a="http://schemas.openxmlformats.org/drawingml/2006/main" xmlns:r="http://schemas.openxmlformats.org/officeDocument/2006/relationships" xmlns:p="http://schemas.openxmlformats.org/presentationml/2006/main">
+  <p:cSld>
+    <p:spTree>
+      <p:nvGrpSpPr>
+        <p:cNvPr id="1" name=""/>
+        <p:cNvGrpSpPr/>
+        <p:nvPr/>
+      </p:nvGrpSpPr>
+      <p:grpSpPr>
+        <a:xfrm>
+          <a:off x="0" y="0"/>
+          <a:ext cx="0" cy="0"/>
+          <a:chOff x="0" y="0"/>
+          <a:chExt cx="0" cy="0"/>
+        </a:xfrm>
+      </p:grpSpPr>
+      <p:sp>
+        <p:nvSpPr>
+          <p:cNvPr id="2" name="Slide Image Placeholder 1"/>
+          <p:cNvSpPr>
+            <a:spLocks noGrp="1" noRot="1" noChangeAspect="1"/>
+          </p:cNvSpPr>
+          <p:nvPr>
+            <p:ph type="sldImg"/>
+          </p:nvPr>
+        </p:nvSpPr>
+        <p:spPr/>
+      </p:sp>
+      <p:sp>
+        <p:nvSpPr>
+          <p:cNvPr id="3" name="Notes Placeholder 2"/>
+          <p:cNvSpPr>
+            <a:spLocks noGrp="1"/>
+          </p:cNvSpPr>
+          <p:nvPr>
+            <p:ph type="body" idx="1"/>
+          </p:nvPr>
+        </p:nvSpPr>
+        <p:spPr/>
+        <p:txBody>
+          <a:bodyPr/>
+          <a:lstStyle/>
+          <a:p>
+            <a:r>
+              <a:rPr lang="es-419" dirty="0"/>
+              <a:t>Eddy</a:t>
+            </a:r>
+            <a:endParaRPr lang="en-US" dirty="0"/>
+          </a:p>
+        </p:txBody>
+      </p:sp>
+      <p:sp>
+        <p:nvSpPr>
+          <p:cNvPr id="4" name="Slide Number Placeholder 3"/>
+          <p:cNvSpPr>
+            <a:spLocks noGrp="1"/>
+          </p:cNvSpPr>
+          <p:nvPr>
+            <p:ph type="sldNum" sz="quarter" idx="5"/>
+          </p:nvPr>
+        </p:nvSpPr>
+        <p:spPr/>
+        <p:txBody>
+          <a:bodyPr/>
+          <a:lstStyle/>
+          <a:p>
+            <a:fld id="{AA67868C-C2FC-45ED-8755-D0511E2880FE}" type="slidenum">
+              <a:rPr lang="en-US" smtClean="0"/>
+              <a:t>14</a:t>
+            </a:fld>
+            <a:endParaRPr lang="en-US"/>
+          </a:p>
+        </p:txBody>
+      </p:sp>
+    </p:spTree>
+    <p:extLst>
+      <p:ext uri="{BB962C8B-B14F-4D97-AF65-F5344CB8AC3E}">
+        <p14:creationId xmlns:p14="http://schemas.microsoft.com/office/powerpoint/2010/main" val="3952466558"/>
+      </p:ext>
+    </p:extLst>
+  </p:cSld>
+  <p:clrMapOvr>
+    <a:masterClrMapping/>
+  </p:clrMapOvr>
+</p:notes>
+</file>
+
+<file path=ppt/notesSlides/notesSlide13.xml><?xml version="1.0" encoding="utf-8"?>
+<p:notes xmlns:a="http://schemas.openxmlformats.org/drawingml/2006/main" xmlns:r="http://schemas.openxmlformats.org/officeDocument/2006/relationships" xmlns:p="http://schemas.openxmlformats.org/presentationml/2006/main">
+  <p:cSld>
+    <p:spTree>
+      <p:nvGrpSpPr>
+        <p:cNvPr id="1" name=""/>
+        <p:cNvGrpSpPr/>
+        <p:nvPr/>
+      </p:nvGrpSpPr>
+      <p:grpSpPr>
+        <a:xfrm>
+          <a:off x="0" y="0"/>
+          <a:ext cx="0" cy="0"/>
+          <a:chOff x="0" y="0"/>
+          <a:chExt cx="0" cy="0"/>
+        </a:xfrm>
+      </p:grpSpPr>
+      <p:sp>
+        <p:nvSpPr>
+          <p:cNvPr id="2" name="Slide Image Placeholder 1"/>
+          <p:cNvSpPr>
+            <a:spLocks noGrp="1" noRot="1" noChangeAspect="1"/>
+          </p:cNvSpPr>
+          <p:nvPr>
+            <p:ph type="sldImg"/>
+          </p:nvPr>
+        </p:nvSpPr>
+        <p:spPr/>
+      </p:sp>
+      <p:sp>
+        <p:nvSpPr>
+          <p:cNvPr id="3" name="Notes Placeholder 2"/>
+          <p:cNvSpPr>
+            <a:spLocks noGrp="1"/>
+          </p:cNvSpPr>
+          <p:nvPr>
+            <p:ph type="body" idx="1"/>
+          </p:nvPr>
+        </p:nvSpPr>
+        <p:spPr/>
+        <p:txBody>
+          <a:bodyPr/>
+          <a:lstStyle/>
+          <a:p>
+            <a:r>
+              <a:rPr lang="en-US"/>
+              <a:t>Ines – Diego - Eddy</a:t>
+            </a:r>
+            <a:endParaRPr lang="en-US" dirty="0"/>
+          </a:p>
+          <a:p>
+            <a:endParaRPr lang="en-US" dirty="0"/>
+          </a:p>
+          <a:p>
+            <a:r>
               <a:rPr lang="en-US" dirty="0"/>
               <a:t>Model	Size	Top-1 Accuracy	Top-5 Accuracy	Parameters	Depth</a:t>
             </a:r>
@@ -1714,6 +2077,12 @@
           <a:p>
             <a:r>
               <a:rPr lang="es-ES" dirty="0"/>
+              <a:t>Diego</a:t>
+            </a:r>
+          </a:p>
+          <a:p>
+            <a:r>
+              <a:rPr lang="es-ES" dirty="0"/>
               <a:t>Los niños menores de 5 años son el grupo más vulnerable afectado por la malaria. La Región de África lleva una parte desproporcionadamente alta de la carga mundial de la malaria. </a:t>
             </a:r>
             <a:endParaRPr lang="en-US" dirty="0"/>
@@ -1828,6 +2197,38 @@
                 <a:latin typeface="Jost" pitchFamily="2" charset="0"/>
                 <a:ea typeface="Jost" pitchFamily="2" charset="0"/>
               </a:rPr>
+              <a:t>Diego</a:t>
+            </a:r>
+          </a:p>
+          <a:p>
+            <a:pPr marL="0" marR="0" lvl="0" indent="0" algn="l" defTabSz="914400" rtl="0" eaLnBrk="1" fontAlgn="auto" latinLnBrk="0" hangingPunct="1">
+              <a:lnSpc>
+                <a:spcPct val="100000"/>
+              </a:lnSpc>
+              <a:spcBef>
+                <a:spcPts val="0"/>
+              </a:spcBef>
+              <a:spcAft>
+                <a:spcPts val="0"/>
+              </a:spcAft>
+              <a:buClrTx/>
+              <a:buSzTx/>
+              <a:buFontTx/>
+              <a:buNone/>
+              <a:tabLst/>
+              <a:defRPr/>
+            </a:pPr>
+            <a:r>
+              <a:rPr lang="es-ES" sz="1200" dirty="0">
+                <a:solidFill>
+                  <a:schemeClr val="tx1">
+                    <a:lumMod val="85000"/>
+                    <a:lumOff val="15000"/>
+                  </a:schemeClr>
+                </a:solidFill>
+                <a:latin typeface="Jost" pitchFamily="2" charset="0"/>
+                <a:ea typeface="Jost" pitchFamily="2" charset="0"/>
+              </a:rPr>
               <a:t>El conjunto de datos contiene 2 carpetas con imágenes de glóbulos clasificados como infectados y no </a:t>
             </a:r>
             <a:r>
@@ -1980,6 +2381,38 @@
                 <a:latin typeface="Jost" pitchFamily="2" charset="0"/>
                 <a:ea typeface="Jost" pitchFamily="2" charset="0"/>
               </a:rPr>
+              <a:t>Ines</a:t>
+            </a:r>
+          </a:p>
+          <a:p>
+            <a:pPr marL="0" marR="0" lvl="0" indent="0" algn="l" defTabSz="914400" rtl="0" eaLnBrk="1" fontAlgn="auto" latinLnBrk="0" hangingPunct="1">
+              <a:lnSpc>
+                <a:spcPct val="100000"/>
+              </a:lnSpc>
+              <a:spcBef>
+                <a:spcPts val="0"/>
+              </a:spcBef>
+              <a:spcAft>
+                <a:spcPts val="0"/>
+              </a:spcAft>
+              <a:buClrTx/>
+              <a:buSzTx/>
+              <a:buFontTx/>
+              <a:buNone/>
+              <a:tabLst/>
+              <a:defRPr/>
+            </a:pPr>
+            <a:r>
+              <a:rPr lang="es-ES" sz="1200" dirty="0">
+                <a:solidFill>
+                  <a:schemeClr val="tx1">
+                    <a:lumMod val="85000"/>
+                    <a:lumOff val="15000"/>
+                  </a:schemeClr>
+                </a:solidFill>
+                <a:latin typeface="Jost" pitchFamily="2" charset="0"/>
+                <a:ea typeface="Jost" pitchFamily="2" charset="0"/>
+              </a:rPr>
               <a:t>El conjunto de datos contiene 2 carpetas con imágenes de glóbulos clasificados como infectados y no </a:t>
             </a:r>
             <a:r>
@@ -2104,6 +2537,10 @@
           <a:bodyPr/>
           <a:lstStyle/>
           <a:p>
+            <a:r>
+              <a:rPr lang="es-419" dirty="0"/>
+              <a:t>Eddy</a:t>
+            </a:r>
             <a:endParaRPr lang="en-US" dirty="0"/>
           </a:p>
         </p:txBody>
@@ -2188,6 +2625,10 @@
           <a:bodyPr/>
           <a:lstStyle/>
           <a:p>
+            <a:r>
+              <a:rPr lang="es-419" dirty="0"/>
+              <a:t>Eddy</a:t>
+            </a:r>
             <a:endParaRPr lang="en-US" dirty="0"/>
           </a:p>
         </p:txBody>
@@ -2274,85 +2715,8 @@
           <a:p>
             <a:r>
               <a:rPr lang="es-419" dirty="0"/>
-              <a:t>Que hicimos**</a:t>
-            </a:r>
-          </a:p>
-          <a:p>
-            <a:r>
-              <a:rPr lang="es-ES" dirty="0"/>
-              <a:t>Comparar el desempeño en la clasificación de imágenes del </a:t>
-            </a:r>
-            <a:r>
-              <a:rPr lang="es-ES" dirty="0" err="1"/>
-              <a:t>dataset</a:t>
-            </a:r>
-            <a:r>
-              <a:rPr lang="es-ES" dirty="0"/>
-              <a:t> utilizando diferentes redes neurales. De esta forma podemos hacer un reconocimiento rápido para poder determinar si una muestra se encuentra infectada o no.</a:t>
-            </a:r>
-            <a:endParaRPr lang="es-419" dirty="0"/>
-          </a:p>
-          <a:p>
-            <a:r>
-              <a:rPr lang="es-419" dirty="0"/>
-              <a:t>Porque escogimos transfer learning – medical </a:t>
-            </a:r>
-            <a:r>
-              <a:rPr lang="es-419" dirty="0" err="1"/>
-              <a:t>papers</a:t>
-            </a:r>
-            <a:r>
-              <a:rPr lang="es-419" dirty="0"/>
-              <a:t> para imágenes usan TL</a:t>
-            </a:r>
-          </a:p>
-          <a:p>
-            <a:r>
-              <a:rPr lang="es-419" dirty="0" err="1"/>
-              <a:t>ImageNet</a:t>
-            </a:r>
-            <a:r>
-              <a:rPr lang="es-419" dirty="0"/>
-              <a:t> ----- realiza un buen desempeño </a:t>
-            </a:r>
-          </a:p>
-          <a:p>
-            <a:endParaRPr lang="es-419" dirty="0"/>
-          </a:p>
-          <a:p>
-            <a:r>
-              <a:rPr lang="es-419" dirty="0" err="1"/>
-              <a:t>Accuracy</a:t>
-            </a:r>
-            <a:endParaRPr lang="es-419" dirty="0"/>
-          </a:p>
-          <a:p>
-            <a:r>
-              <a:rPr lang="es-419" dirty="0" err="1"/>
-              <a:t>Precision</a:t>
-            </a:r>
-            <a:r>
-              <a:rPr lang="es-419" dirty="0"/>
-              <a:t> </a:t>
-            </a:r>
-          </a:p>
-          <a:p>
-            <a:r>
-              <a:rPr lang="es-419" dirty="0" err="1"/>
-              <a:t>Recall</a:t>
-            </a:r>
-            <a:r>
-              <a:rPr lang="es-419" dirty="0"/>
-              <a:t> </a:t>
-            </a:r>
-          </a:p>
-          <a:p>
-            <a:r>
-              <a:rPr lang="es-419" dirty="0"/>
-              <a:t>F1</a:t>
-            </a:r>
-          </a:p>
-          <a:p>
+              <a:t>Diego</a:t>
+            </a:r>
             <a:endParaRPr lang="en-US" dirty="0"/>
           </a:p>
         </p:txBody>
@@ -2383,7 +2747,7 @@
     </p:spTree>
     <p:extLst>
       <p:ext uri="{BB962C8B-B14F-4D97-AF65-F5344CB8AC3E}">
-        <p14:creationId xmlns:p14="http://schemas.microsoft.com/office/powerpoint/2010/main" val="849396896"/>
+        <p14:creationId xmlns:p14="http://schemas.microsoft.com/office/powerpoint/2010/main" val="3235042137"/>
       </p:ext>
     </p:extLst>
   </p:cSld>
@@ -2437,6 +2801,10 @@
           <a:bodyPr/>
           <a:lstStyle/>
           <a:p>
+            <a:r>
+              <a:rPr lang="es-419" dirty="0"/>
+              <a:t>Eddy</a:t>
+            </a:r>
             <a:endParaRPr lang="en-US" dirty="0"/>
           </a:p>
         </p:txBody>
@@ -2458,7 +2826,7 @@
           <a:p>
             <a:fld id="{AA67868C-C2FC-45ED-8755-D0511E2880FE}" type="slidenum">
               <a:rPr lang="en-US" smtClean="0"/>
-              <a:t>13</a:t>
+              <a:t>10</a:t>
             </a:fld>
             <a:endParaRPr lang="en-US"/>
           </a:p>
@@ -2467,7 +2835,7 @@
     </p:spTree>
     <p:extLst>
       <p:ext uri="{BB962C8B-B14F-4D97-AF65-F5344CB8AC3E}">
-        <p14:creationId xmlns:p14="http://schemas.microsoft.com/office/powerpoint/2010/main" val="2074402718"/>
+        <p14:creationId xmlns:p14="http://schemas.microsoft.com/office/powerpoint/2010/main" val="809696702"/>
       </p:ext>
     </p:extLst>
   </p:cSld>
@@ -2521,6 +2889,10 @@
           <a:bodyPr/>
           <a:lstStyle/>
           <a:p>
+            <a:r>
+              <a:rPr lang="es-419" dirty="0"/>
+              <a:t>Ines </a:t>
+            </a:r>
             <a:endParaRPr lang="en-US" dirty="0"/>
           </a:p>
         </p:txBody>
@@ -2542,7 +2914,7 @@
           <a:p>
             <a:fld id="{AA67868C-C2FC-45ED-8755-D0511E2880FE}" type="slidenum">
               <a:rPr lang="en-US" smtClean="0"/>
-              <a:t>14</a:t>
+              <a:t>11</a:t>
             </a:fld>
             <a:endParaRPr lang="en-US"/>
           </a:p>
@@ -2551,7 +2923,7 @@
     </p:spTree>
     <p:extLst>
       <p:ext uri="{BB962C8B-B14F-4D97-AF65-F5344CB8AC3E}">
-        <p14:creationId xmlns:p14="http://schemas.microsoft.com/office/powerpoint/2010/main" val="3952466558"/>
+        <p14:creationId xmlns:p14="http://schemas.microsoft.com/office/powerpoint/2010/main" val="2074179"/>
       </p:ext>
     </p:extLst>
   </p:cSld>
@@ -2708,7 +3080,7 @@
           <a:p>
             <a:fld id="{A8B18EF1-72F1-4EA5-9324-5EDB3D652C13}" type="datetimeFigureOut">
               <a:rPr lang="en-US" smtClean="0"/>
-              <a:t>5/6/2020</a:t>
+              <a:t>5/7/2020</a:t>
             </a:fld>
             <a:endParaRPr lang="en-US"/>
           </a:p>
@@ -2906,7 +3278,7 @@
           <a:p>
             <a:fld id="{A8B18EF1-72F1-4EA5-9324-5EDB3D652C13}" type="datetimeFigureOut">
               <a:rPr lang="en-US" smtClean="0"/>
-              <a:t>5/6/2020</a:t>
+              <a:t>5/7/2020</a:t>
             </a:fld>
             <a:endParaRPr lang="en-US"/>
           </a:p>
@@ -3114,7 +3486,7 @@
           <a:p>
             <a:fld id="{A8B18EF1-72F1-4EA5-9324-5EDB3D652C13}" type="datetimeFigureOut">
               <a:rPr lang="en-US" smtClean="0"/>
-              <a:t>5/6/2020</a:t>
+              <a:t>5/7/2020</a:t>
             </a:fld>
             <a:endParaRPr lang="en-US"/>
           </a:p>
@@ -3312,7 +3684,7 @@
           <a:p>
             <a:fld id="{A8B18EF1-72F1-4EA5-9324-5EDB3D652C13}" type="datetimeFigureOut">
               <a:rPr lang="en-US" smtClean="0"/>
-              <a:t>5/6/2020</a:t>
+              <a:t>5/7/2020</a:t>
             </a:fld>
             <a:endParaRPr lang="en-US"/>
           </a:p>
@@ -3587,7 +3959,7 @@
           <a:p>
             <a:fld id="{A8B18EF1-72F1-4EA5-9324-5EDB3D652C13}" type="datetimeFigureOut">
               <a:rPr lang="en-US" smtClean="0"/>
-              <a:t>5/6/2020</a:t>
+              <a:t>5/7/2020</a:t>
             </a:fld>
             <a:endParaRPr lang="en-US"/>
           </a:p>
@@ -3852,7 +4224,7 @@
           <a:p>
             <a:fld id="{A8B18EF1-72F1-4EA5-9324-5EDB3D652C13}" type="datetimeFigureOut">
               <a:rPr lang="en-US" smtClean="0"/>
-              <a:t>5/6/2020</a:t>
+              <a:t>5/7/2020</a:t>
             </a:fld>
             <a:endParaRPr lang="en-US"/>
           </a:p>
@@ -4264,7 +4636,7 @@
           <a:p>
             <a:fld id="{A8B18EF1-72F1-4EA5-9324-5EDB3D652C13}" type="datetimeFigureOut">
               <a:rPr lang="en-US" smtClean="0"/>
-              <a:t>5/6/2020</a:t>
+              <a:t>5/7/2020</a:t>
             </a:fld>
             <a:endParaRPr lang="en-US"/>
           </a:p>
@@ -4405,7 +4777,7 @@
           <a:p>
             <a:fld id="{A8B18EF1-72F1-4EA5-9324-5EDB3D652C13}" type="datetimeFigureOut">
               <a:rPr lang="en-US" smtClean="0"/>
-              <a:t>5/6/2020</a:t>
+              <a:t>5/7/2020</a:t>
             </a:fld>
             <a:endParaRPr lang="en-US"/>
           </a:p>
@@ -4518,7 +4890,7 @@
           <a:p>
             <a:fld id="{A8B18EF1-72F1-4EA5-9324-5EDB3D652C13}" type="datetimeFigureOut">
               <a:rPr lang="en-US" smtClean="0"/>
-              <a:t>5/6/2020</a:t>
+              <a:t>5/7/2020</a:t>
             </a:fld>
             <a:endParaRPr lang="en-US"/>
           </a:p>
@@ -4829,7 +5201,7 @@
           <a:p>
             <a:fld id="{A8B18EF1-72F1-4EA5-9324-5EDB3D652C13}" type="datetimeFigureOut">
               <a:rPr lang="en-US" smtClean="0"/>
-              <a:t>5/6/2020</a:t>
+              <a:t>5/7/2020</a:t>
             </a:fld>
             <a:endParaRPr lang="en-US"/>
           </a:p>
@@ -5117,7 +5489,7 @@
           <a:p>
             <a:fld id="{A8B18EF1-72F1-4EA5-9324-5EDB3D652C13}" type="datetimeFigureOut">
               <a:rPr lang="en-US" smtClean="0"/>
-              <a:t>5/6/2020</a:t>
+              <a:t>5/7/2020</a:t>
             </a:fld>
             <a:endParaRPr lang="en-US"/>
           </a:p>
@@ -5358,7 +5730,7 @@
           <a:p>
             <a:fld id="{A8B18EF1-72F1-4EA5-9324-5EDB3D652C13}" type="datetimeFigureOut">
               <a:rPr lang="en-US" smtClean="0"/>
-              <a:t>5/6/2020</a:t>
+              <a:t>5/7/2020</a:t>
             </a:fld>
             <a:endParaRPr lang="en-US"/>
           </a:p>
@@ -5951,7 +6323,7 @@
                 <a:latin typeface="Jost" pitchFamily="2" charset="0"/>
                 <a:ea typeface="Jost" pitchFamily="2" charset="0"/>
               </a:rPr>
-              <a:t>CNN</a:t>
+              <a:t>Inception</a:t>
             </a:r>
             <a:endParaRPr lang="en-US" sz="3200" b="1" dirty="0">
               <a:solidFill>
@@ -5978,7 +6350,7 @@
           <p:nvPr/>
         </p:nvPicPr>
         <p:blipFill>
-          <a:blip r:embed="rId2">
+          <a:blip r:embed="rId3">
             <a:extLst>
               <a:ext uri="{28A0092B-C50C-407E-A947-70E740481C1C}">
                 <a14:useLocalDpi xmlns:a14="http://schemas.microsoft.com/office/drawing/2010/main" val="0"/>
@@ -6014,7 +6386,7 @@
           <p:nvPr/>
         </p:nvPicPr>
         <p:blipFill>
-          <a:blip r:embed="rId3">
+          <a:blip r:embed="rId4">
             <a:extLst>
               <a:ext uri="{28A0092B-C50C-407E-A947-70E740481C1C}">
                 <a14:useLocalDpi xmlns:a14="http://schemas.microsoft.com/office/drawing/2010/main" val="0"/>
@@ -6083,7 +6455,7 @@
           <p:cNvPr id="4" name="Picture 3">
             <a:extLst>
               <a:ext uri="{FF2B5EF4-FFF2-40B4-BE49-F238E27FC236}">
-                <a16:creationId xmlns:a16="http://schemas.microsoft.com/office/drawing/2014/main" id="{ABB3E3B1-DA2D-4FB6-ABBE-27863287A16A}"/>
+                <a16:creationId xmlns:a16="http://schemas.microsoft.com/office/drawing/2014/main" id="{63174111-DA0A-4317-BD3C-DA089EBDE7FD}"/>
               </a:ext>
             </a:extLst>
           </p:cNvPr>
@@ -6093,14 +6465,94 @@
           <p:nvPr/>
         </p:nvPicPr>
         <p:blipFill rotWithShape="1">
-          <a:blip r:embed="rId4"/>
-          <a:srcRect l="50000" t="55111"/>
+          <a:blip r:embed="rId5"/>
+          <a:srcRect l="49775" t="52892"/>
           <a:stretch/>
         </p:blipFill>
         <p:spPr>
           <a:xfrm>
-            <a:off x="3894338" y="2046873"/>
-            <a:ext cx="4184342" cy="3369322"/>
+            <a:off x="987925" y="1926115"/>
+            <a:ext cx="3480047" cy="3569465"/>
+          </a:xfrm>
+          <a:prstGeom prst="rect">
+            <a:avLst/>
+          </a:prstGeom>
+        </p:spPr>
+      </p:pic>
+      <p:sp>
+        <p:nvSpPr>
+          <p:cNvPr id="8" name="TextBox 7">
+            <a:extLst>
+              <a:ext uri="{FF2B5EF4-FFF2-40B4-BE49-F238E27FC236}">
+                <a16:creationId xmlns:a16="http://schemas.microsoft.com/office/drawing/2014/main" id="{C4C4A776-A90F-444F-97D3-94B3F2045C00}"/>
+              </a:ext>
+            </a:extLst>
+          </p:cNvPr>
+          <p:cNvSpPr txBox="1"/>
+          <p:nvPr/>
+        </p:nvSpPr>
+        <p:spPr>
+          <a:xfrm>
+            <a:off x="6569476" y="1362420"/>
+            <a:ext cx="2559651" cy="608000"/>
+          </a:xfrm>
+          <a:prstGeom prst="rect">
+            <a:avLst/>
+          </a:prstGeom>
+          <a:noFill/>
+        </p:spPr>
+        <p:txBody>
+          <a:bodyPr wrap="square" rtlCol="0">
+            <a:spAutoFit/>
+          </a:bodyPr>
+          <a:lstStyle/>
+          <a:p>
+            <a:r>
+              <a:rPr lang="en-US" sz="3200" b="1" dirty="0">
+                <a:solidFill>
+                  <a:schemeClr val="tx1">
+                    <a:lumMod val="85000"/>
+                    <a:lumOff val="15000"/>
+                  </a:schemeClr>
+                </a:solidFill>
+                <a:latin typeface="Jost" pitchFamily="2" charset="0"/>
+                <a:ea typeface="Jost" pitchFamily="2" charset="0"/>
+              </a:rPr>
+              <a:t>Efficient Net</a:t>
+            </a:r>
+            <a:endParaRPr lang="en-US" sz="3200" b="1" dirty="0">
+              <a:solidFill>
+                <a:schemeClr val="bg1"/>
+              </a:solidFill>
+              <a:latin typeface="Jost" pitchFamily="2" charset="0"/>
+              <a:ea typeface="Jost" pitchFamily="2" charset="0"/>
+            </a:endParaRPr>
+          </a:p>
+        </p:txBody>
+      </p:sp>
+      <p:pic>
+        <p:nvPicPr>
+          <p:cNvPr id="9" name="Picture 8">
+            <a:extLst>
+              <a:ext uri="{FF2B5EF4-FFF2-40B4-BE49-F238E27FC236}">
+                <a16:creationId xmlns:a16="http://schemas.microsoft.com/office/drawing/2014/main" id="{BA0CBBF0-2713-4D74-A20C-4F198D7E18B5}"/>
+              </a:ext>
+            </a:extLst>
+          </p:cNvPr>
+          <p:cNvPicPr>
+            <a:picLocks noChangeAspect="1"/>
+          </p:cNvPicPr>
+          <p:nvPr/>
+        </p:nvPicPr>
+        <p:blipFill rotWithShape="1">
+          <a:blip r:embed="rId6"/>
+          <a:srcRect l="48919" t="52230"/>
+          <a:stretch/>
+        </p:blipFill>
+        <p:spPr>
+          <a:xfrm>
+            <a:off x="6831229" y="1970420"/>
+            <a:ext cx="3429345" cy="3621733"/>
           </a:xfrm>
           <a:prstGeom prst="rect">
             <a:avLst/>
@@ -6110,7 +6562,7 @@
     </p:spTree>
     <p:extLst>
       <p:ext uri="{BB962C8B-B14F-4D97-AF65-F5344CB8AC3E}">
-        <p14:creationId xmlns:p14="http://schemas.microsoft.com/office/powerpoint/2010/main" val="2924433744"/>
+        <p14:creationId xmlns:p14="http://schemas.microsoft.com/office/powerpoint/2010/main" val="3968063084"/>
       </p:ext>
     </p:extLst>
   </p:cSld>
@@ -6152,7 +6604,7 @@
         <p:spPr>
           <a:xfrm>
             <a:off x="705852" y="1362420"/>
-            <a:ext cx="9849852" cy="608000"/>
+            <a:ext cx="1620906" cy="608000"/>
           </a:xfrm>
           <a:prstGeom prst="rect">
             <a:avLst/>
@@ -6166,7 +6618,7 @@
           <a:lstStyle/>
           <a:p>
             <a:r>
-              <a:rPr lang="en-US" sz="3200" b="1" dirty="0">
+              <a:rPr lang="en-US" sz="3200" b="1" dirty="0" err="1">
                 <a:solidFill>
                   <a:schemeClr val="tx1">
                     <a:lumMod val="85000"/>
@@ -6176,7 +6628,7 @@
                 <a:latin typeface="Jost" pitchFamily="2" charset="0"/>
                 <a:ea typeface="Jost" pitchFamily="2" charset="0"/>
               </a:rPr>
-              <a:t>Inception</a:t>
+              <a:t>ResNet</a:t>
             </a:r>
             <a:endParaRPr lang="en-US" sz="3200" b="1" dirty="0">
               <a:solidFill>
@@ -6203,7 +6655,7 @@
           <p:nvPr/>
         </p:nvPicPr>
         <p:blipFill>
-          <a:blip r:embed="rId2">
+          <a:blip r:embed="rId3">
             <a:extLst>
               <a:ext uri="{28A0092B-C50C-407E-A947-70E740481C1C}">
                 <a14:useLocalDpi xmlns:a14="http://schemas.microsoft.com/office/drawing/2010/main" val="0"/>
@@ -6239,312 +6691,7 @@
           <p:nvPr/>
         </p:nvPicPr>
         <p:blipFill>
-          <a:blip r:embed="rId3">
-            <a:extLst>
-              <a:ext uri="{28A0092B-C50C-407E-A947-70E740481C1C}">
-                <a14:useLocalDpi xmlns:a14="http://schemas.microsoft.com/office/drawing/2010/main" val="0"/>
-              </a:ext>
-            </a:extLst>
-          </a:blip>
-          <a:stretch>
-            <a:fillRect/>
-          </a:stretch>
-        </p:blipFill>
-        <p:spPr>
-          <a:xfrm>
-            <a:off x="352927" y="243537"/>
-            <a:ext cx="2304000" cy="608000"/>
-          </a:xfrm>
-          <a:prstGeom prst="rect">
-            <a:avLst/>
-          </a:prstGeom>
-        </p:spPr>
-      </p:pic>
-      <p:cxnSp>
-        <p:nvCxnSpPr>
-          <p:cNvPr id="15" name="Straight Connector 14">
-            <a:extLst>
-              <a:ext uri="{FF2B5EF4-FFF2-40B4-BE49-F238E27FC236}">
-                <a16:creationId xmlns:a16="http://schemas.microsoft.com/office/drawing/2014/main" id="{A82EF3C5-78F6-458F-96B7-74E95774ED25}"/>
-              </a:ext>
-            </a:extLst>
-          </p:cNvPr>
-          <p:cNvCxnSpPr/>
-          <p:nvPr/>
-        </p:nvCxnSpPr>
-        <p:spPr>
-          <a:xfrm>
-            <a:off x="0" y="969832"/>
-            <a:ext cx="12192000" cy="0"/>
-          </a:xfrm>
-          <a:prstGeom prst="line">
-            <a:avLst/>
-          </a:prstGeom>
-          <a:ln w="12700">
-            <a:solidFill>
-              <a:schemeClr val="bg2">
-                <a:lumMod val="90000"/>
-              </a:schemeClr>
-            </a:solidFill>
-          </a:ln>
-        </p:spPr>
-        <p:style>
-          <a:lnRef idx="1">
-            <a:schemeClr val="accent1"/>
-          </a:lnRef>
-          <a:fillRef idx="0">
-            <a:schemeClr val="accent1"/>
-          </a:fillRef>
-          <a:effectRef idx="0">
-            <a:schemeClr val="accent1"/>
-          </a:effectRef>
-          <a:fontRef idx="minor">
-            <a:schemeClr val="tx1"/>
-          </a:fontRef>
-        </p:style>
-      </p:cxnSp>
-      <p:pic>
-        <p:nvPicPr>
-          <p:cNvPr id="4" name="Picture 3">
-            <a:extLst>
-              <a:ext uri="{FF2B5EF4-FFF2-40B4-BE49-F238E27FC236}">
-                <a16:creationId xmlns:a16="http://schemas.microsoft.com/office/drawing/2014/main" id="{63174111-DA0A-4317-BD3C-DA089EBDE7FD}"/>
-              </a:ext>
-            </a:extLst>
-          </p:cNvPr>
-          <p:cNvPicPr>
-            <a:picLocks noChangeAspect="1"/>
-          </p:cNvPicPr>
-          <p:nvPr/>
-        </p:nvPicPr>
-        <p:blipFill rotWithShape="1">
-          <a:blip r:embed="rId4"/>
-          <a:srcRect l="49775" t="52892"/>
-          <a:stretch/>
-        </p:blipFill>
-        <p:spPr>
-          <a:xfrm>
-            <a:off x="987925" y="1926115"/>
-            <a:ext cx="3480047" cy="3569465"/>
-          </a:xfrm>
-          <a:prstGeom prst="rect">
-            <a:avLst/>
-          </a:prstGeom>
-        </p:spPr>
-      </p:pic>
-      <p:sp>
-        <p:nvSpPr>
-          <p:cNvPr id="8" name="TextBox 7">
-            <a:extLst>
-              <a:ext uri="{FF2B5EF4-FFF2-40B4-BE49-F238E27FC236}">
-                <a16:creationId xmlns:a16="http://schemas.microsoft.com/office/drawing/2014/main" id="{C4C4A776-A90F-444F-97D3-94B3F2045C00}"/>
-              </a:ext>
-            </a:extLst>
-          </p:cNvPr>
-          <p:cNvSpPr txBox="1"/>
-          <p:nvPr/>
-        </p:nvSpPr>
-        <p:spPr>
-          <a:xfrm>
-            <a:off x="6569476" y="1362420"/>
-            <a:ext cx="2559651" cy="608000"/>
-          </a:xfrm>
-          <a:prstGeom prst="rect">
-            <a:avLst/>
-          </a:prstGeom>
-          <a:noFill/>
-        </p:spPr>
-        <p:txBody>
-          <a:bodyPr wrap="square" rtlCol="0">
-            <a:spAutoFit/>
-          </a:bodyPr>
-          <a:lstStyle/>
-          <a:p>
-            <a:r>
-              <a:rPr lang="en-US" sz="3200" b="1" dirty="0">
-                <a:solidFill>
-                  <a:schemeClr val="tx1">
-                    <a:lumMod val="85000"/>
-                    <a:lumOff val="15000"/>
-                  </a:schemeClr>
-                </a:solidFill>
-                <a:latin typeface="Jost" pitchFamily="2" charset="0"/>
-                <a:ea typeface="Jost" pitchFamily="2" charset="0"/>
-              </a:rPr>
-              <a:t>Efficient Net</a:t>
-            </a:r>
-            <a:endParaRPr lang="en-US" sz="3200" b="1" dirty="0">
-              <a:solidFill>
-                <a:schemeClr val="bg1"/>
-              </a:solidFill>
-              <a:latin typeface="Jost" pitchFamily="2" charset="0"/>
-              <a:ea typeface="Jost" pitchFamily="2" charset="0"/>
-            </a:endParaRPr>
-          </a:p>
-        </p:txBody>
-      </p:sp>
-      <p:pic>
-        <p:nvPicPr>
-          <p:cNvPr id="9" name="Picture 8">
-            <a:extLst>
-              <a:ext uri="{FF2B5EF4-FFF2-40B4-BE49-F238E27FC236}">
-                <a16:creationId xmlns:a16="http://schemas.microsoft.com/office/drawing/2014/main" id="{BA0CBBF0-2713-4D74-A20C-4F198D7E18B5}"/>
-              </a:ext>
-            </a:extLst>
-          </p:cNvPr>
-          <p:cNvPicPr>
-            <a:picLocks noChangeAspect="1"/>
-          </p:cNvPicPr>
-          <p:nvPr/>
-        </p:nvPicPr>
-        <p:blipFill rotWithShape="1">
-          <a:blip r:embed="rId5"/>
-          <a:srcRect l="48919" t="52230"/>
-          <a:stretch/>
-        </p:blipFill>
-        <p:spPr>
-          <a:xfrm>
-            <a:off x="6831229" y="1970420"/>
-            <a:ext cx="3429345" cy="3621733"/>
-          </a:xfrm>
-          <a:prstGeom prst="rect">
-            <a:avLst/>
-          </a:prstGeom>
-        </p:spPr>
-      </p:pic>
-    </p:spTree>
-    <p:extLst>
-      <p:ext uri="{BB962C8B-B14F-4D97-AF65-F5344CB8AC3E}">
-        <p14:creationId xmlns:p14="http://schemas.microsoft.com/office/powerpoint/2010/main" val="3968063084"/>
-      </p:ext>
-    </p:extLst>
-  </p:cSld>
-  <p:clrMapOvr>
-    <a:masterClrMapping/>
-  </p:clrMapOvr>
-</p:sld>
-</file>
-
-<file path=ppt/slides/slide12.xml><?xml version="1.0" encoding="utf-8"?>
-<p:sld xmlns:a="http://schemas.openxmlformats.org/drawingml/2006/main" xmlns:r="http://schemas.openxmlformats.org/officeDocument/2006/relationships" xmlns:p="http://schemas.openxmlformats.org/presentationml/2006/main">
-  <p:cSld>
-    <p:spTree>
-      <p:nvGrpSpPr>
-        <p:cNvPr id="1" name=""/>
-        <p:cNvGrpSpPr/>
-        <p:nvPr/>
-      </p:nvGrpSpPr>
-      <p:grpSpPr>
-        <a:xfrm>
-          <a:off x="0" y="0"/>
-          <a:ext cx="0" cy="0"/>
-          <a:chOff x="0" y="0"/>
-          <a:chExt cx="0" cy="0"/>
-        </a:xfrm>
-      </p:grpSpPr>
-      <p:sp>
-        <p:nvSpPr>
-          <p:cNvPr id="2" name="TextBox 1">
-            <a:extLst>
-              <a:ext uri="{FF2B5EF4-FFF2-40B4-BE49-F238E27FC236}">
-                <a16:creationId xmlns:a16="http://schemas.microsoft.com/office/drawing/2014/main" id="{174E7CC9-C18E-40D7-B36A-5CD4ED1EEB1D}"/>
-              </a:ext>
-            </a:extLst>
-          </p:cNvPr>
-          <p:cNvSpPr txBox="1"/>
-          <p:nvPr/>
-        </p:nvSpPr>
-        <p:spPr>
-          <a:xfrm>
-            <a:off x="705852" y="1362420"/>
-            <a:ext cx="1620906" cy="608000"/>
-          </a:xfrm>
-          <a:prstGeom prst="rect">
-            <a:avLst/>
-          </a:prstGeom>
-          <a:noFill/>
-        </p:spPr>
-        <p:txBody>
-          <a:bodyPr wrap="square" rtlCol="0">
-            <a:spAutoFit/>
-          </a:bodyPr>
-          <a:lstStyle/>
-          <a:p>
-            <a:r>
-              <a:rPr lang="en-US" sz="3200" b="1" dirty="0" err="1">
-                <a:solidFill>
-                  <a:schemeClr val="tx1">
-                    <a:lumMod val="85000"/>
-                    <a:lumOff val="15000"/>
-                  </a:schemeClr>
-                </a:solidFill>
-                <a:latin typeface="Jost" pitchFamily="2" charset="0"/>
-                <a:ea typeface="Jost" pitchFamily="2" charset="0"/>
-              </a:rPr>
-              <a:t>ResNet</a:t>
-            </a:r>
-            <a:endParaRPr lang="en-US" sz="3200" b="1" dirty="0">
-              <a:solidFill>
-                <a:schemeClr val="bg1"/>
-              </a:solidFill>
-              <a:latin typeface="Jost" pitchFamily="2" charset="0"/>
-              <a:ea typeface="Jost" pitchFamily="2" charset="0"/>
-            </a:endParaRPr>
-          </a:p>
-        </p:txBody>
-      </p:sp>
-      <p:pic>
-        <p:nvPicPr>
-          <p:cNvPr id="11" name="Picture 10">
-            <a:extLst>
-              <a:ext uri="{FF2B5EF4-FFF2-40B4-BE49-F238E27FC236}">
-                <a16:creationId xmlns:a16="http://schemas.microsoft.com/office/drawing/2014/main" id="{87E4B337-0D15-43FD-B52A-2D7DD1FF128A}"/>
-              </a:ext>
-            </a:extLst>
-          </p:cNvPr>
-          <p:cNvPicPr>
-            <a:picLocks noChangeAspect="1"/>
-          </p:cNvPicPr>
-          <p:nvPr/>
-        </p:nvPicPr>
-        <p:blipFill>
-          <a:blip r:embed="rId2">
-            <a:extLst>
-              <a:ext uri="{28A0092B-C50C-407E-A947-70E740481C1C}">
-                <a14:useLocalDpi xmlns:a14="http://schemas.microsoft.com/office/drawing/2010/main" val="0"/>
-              </a:ext>
-            </a:extLst>
-          </a:blip>
-          <a:stretch>
-            <a:fillRect/>
-          </a:stretch>
-        </p:blipFill>
-        <p:spPr>
-          <a:xfrm>
-            <a:off x="9998821" y="165432"/>
-            <a:ext cx="1760000" cy="676064"/>
-          </a:xfrm>
-          <a:prstGeom prst="rect">
-            <a:avLst/>
-          </a:prstGeom>
-        </p:spPr>
-      </p:pic>
-      <p:pic>
-        <p:nvPicPr>
-          <p:cNvPr id="13" name="Picture 12">
-            <a:extLst>
-              <a:ext uri="{FF2B5EF4-FFF2-40B4-BE49-F238E27FC236}">
-                <a16:creationId xmlns:a16="http://schemas.microsoft.com/office/drawing/2014/main" id="{499C1731-7263-4421-8E73-F4226349829D}"/>
-              </a:ext>
-            </a:extLst>
-          </p:cNvPr>
-          <p:cNvPicPr>
-            <a:picLocks noChangeAspect="1"/>
-          </p:cNvPicPr>
-          <p:nvPr/>
-        </p:nvPicPr>
-        <p:blipFill>
-          <a:blip r:embed="rId3">
+          <a:blip r:embed="rId4">
             <a:extLst>
               <a:ext uri="{28A0092B-C50C-407E-A947-70E740481C1C}">
                 <a14:useLocalDpi xmlns:a14="http://schemas.microsoft.com/office/drawing/2010/main" val="0"/>
@@ -6623,14 +6770,14 @@
           <p:nvPr/>
         </p:nvPicPr>
         <p:blipFill rotWithShape="1">
-          <a:blip r:embed="rId4"/>
-          <a:srcRect r="49152"/>
+          <a:blip r:embed="rId5"/>
+          <a:srcRect l="48862" r="-138"/>
           <a:stretch/>
         </p:blipFill>
         <p:spPr>
           <a:xfrm>
-            <a:off x="559541" y="2408034"/>
-            <a:ext cx="3289250" cy="2783189"/>
+            <a:off x="705852" y="2363007"/>
+            <a:ext cx="3316940" cy="2783189"/>
           </a:xfrm>
           <a:prstGeom prst="rect">
             <a:avLst/>
@@ -6652,7 +6799,7 @@
           <p:nvPr/>
         </p:nvPicPr>
         <p:blipFill>
-          <a:blip r:embed="rId5"/>
+          <a:blip r:embed="rId6"/>
           <a:stretch>
             <a:fillRect/>
           </a:stretch>
@@ -6682,7 +6829,7 @@
           <p:nvPr/>
         </p:nvPicPr>
         <p:blipFill>
-          <a:blip r:embed="rId6"/>
+          <a:blip r:embed="rId7"/>
           <a:stretch>
             <a:fillRect/>
           </a:stretch>
@@ -6765,6 +6912,245 @@
     <p:extLst>
       <p:ext uri="{BB962C8B-B14F-4D97-AF65-F5344CB8AC3E}">
         <p14:creationId xmlns:p14="http://schemas.microsoft.com/office/powerpoint/2010/main" val="3938775820"/>
+      </p:ext>
+    </p:extLst>
+  </p:cSld>
+  <p:clrMapOvr>
+    <a:masterClrMapping/>
+  </p:clrMapOvr>
+</p:sld>
+</file>
+
+<file path=ppt/slides/slide12.xml><?xml version="1.0" encoding="utf-8"?>
+<p:sld xmlns:a="http://schemas.openxmlformats.org/drawingml/2006/main" xmlns:r="http://schemas.openxmlformats.org/officeDocument/2006/relationships" xmlns:p="http://schemas.openxmlformats.org/presentationml/2006/main">
+  <p:cSld>
+    <p:spTree>
+      <p:nvGrpSpPr>
+        <p:cNvPr id="1" name=""/>
+        <p:cNvGrpSpPr/>
+        <p:nvPr/>
+      </p:nvGrpSpPr>
+      <p:grpSpPr>
+        <a:xfrm>
+          <a:off x="0" y="0"/>
+          <a:ext cx="0" cy="0"/>
+          <a:chOff x="0" y="0"/>
+          <a:chExt cx="0" cy="0"/>
+        </a:xfrm>
+      </p:grpSpPr>
+      <p:sp>
+        <p:nvSpPr>
+          <p:cNvPr id="2" name="TextBox 1">
+            <a:extLst>
+              <a:ext uri="{FF2B5EF4-FFF2-40B4-BE49-F238E27FC236}">
+                <a16:creationId xmlns:a16="http://schemas.microsoft.com/office/drawing/2014/main" id="{174E7CC9-C18E-40D7-B36A-5CD4ED1EEB1D}"/>
+              </a:ext>
+            </a:extLst>
+          </p:cNvPr>
+          <p:cNvSpPr txBox="1"/>
+          <p:nvPr/>
+        </p:nvSpPr>
+        <p:spPr>
+          <a:xfrm>
+            <a:off x="705852" y="1362420"/>
+            <a:ext cx="9849852" cy="608000"/>
+          </a:xfrm>
+          <a:prstGeom prst="rect">
+            <a:avLst/>
+          </a:prstGeom>
+          <a:noFill/>
+        </p:spPr>
+        <p:txBody>
+          <a:bodyPr wrap="square" rtlCol="0">
+            <a:spAutoFit/>
+          </a:bodyPr>
+          <a:lstStyle/>
+          <a:p>
+            <a:r>
+              <a:rPr lang="es-419" sz="3200" b="1" dirty="0">
+                <a:solidFill>
+                  <a:schemeClr val="tx1">
+                    <a:lumMod val="85000"/>
+                    <a:lumOff val="15000"/>
+                  </a:schemeClr>
+                </a:solidFill>
+                <a:latin typeface="Jost" pitchFamily="2" charset="0"/>
+                <a:ea typeface="Jost" pitchFamily="2" charset="0"/>
+              </a:rPr>
+              <a:t>R</a:t>
+            </a:r>
+            <a:r>
+              <a:rPr lang="en-US" sz="3200" b="1" dirty="0" err="1">
+                <a:solidFill>
+                  <a:schemeClr val="tx1">
+                    <a:lumMod val="85000"/>
+                    <a:lumOff val="15000"/>
+                  </a:schemeClr>
+                </a:solidFill>
+                <a:latin typeface="Jost" pitchFamily="2" charset="0"/>
+                <a:ea typeface="Jost" pitchFamily="2" charset="0"/>
+              </a:rPr>
+              <a:t>esultados</a:t>
+            </a:r>
+            <a:endParaRPr lang="en-US" sz="3200" b="1" dirty="0">
+              <a:solidFill>
+                <a:schemeClr val="bg1"/>
+              </a:solidFill>
+              <a:latin typeface="Jost" pitchFamily="2" charset="0"/>
+              <a:ea typeface="Jost" pitchFamily="2" charset="0"/>
+            </a:endParaRPr>
+          </a:p>
+        </p:txBody>
+      </p:sp>
+      <p:pic>
+        <p:nvPicPr>
+          <p:cNvPr id="11" name="Picture 10">
+            <a:extLst>
+              <a:ext uri="{FF2B5EF4-FFF2-40B4-BE49-F238E27FC236}">
+                <a16:creationId xmlns:a16="http://schemas.microsoft.com/office/drawing/2014/main" id="{87E4B337-0D15-43FD-B52A-2D7DD1FF128A}"/>
+              </a:ext>
+            </a:extLst>
+          </p:cNvPr>
+          <p:cNvPicPr>
+            <a:picLocks noChangeAspect="1"/>
+          </p:cNvPicPr>
+          <p:nvPr/>
+        </p:nvPicPr>
+        <p:blipFill>
+          <a:blip r:embed="rId3">
+            <a:extLst>
+              <a:ext uri="{28A0092B-C50C-407E-A947-70E740481C1C}">
+                <a14:useLocalDpi xmlns:a14="http://schemas.microsoft.com/office/drawing/2010/main" val="0"/>
+              </a:ext>
+            </a:extLst>
+          </a:blip>
+          <a:stretch>
+            <a:fillRect/>
+          </a:stretch>
+        </p:blipFill>
+        <p:spPr>
+          <a:xfrm>
+            <a:off x="9998821" y="165432"/>
+            <a:ext cx="1760000" cy="676064"/>
+          </a:xfrm>
+          <a:prstGeom prst="rect">
+            <a:avLst/>
+          </a:prstGeom>
+        </p:spPr>
+      </p:pic>
+      <p:pic>
+        <p:nvPicPr>
+          <p:cNvPr id="13" name="Picture 12">
+            <a:extLst>
+              <a:ext uri="{FF2B5EF4-FFF2-40B4-BE49-F238E27FC236}">
+                <a16:creationId xmlns:a16="http://schemas.microsoft.com/office/drawing/2014/main" id="{499C1731-7263-4421-8E73-F4226349829D}"/>
+              </a:ext>
+            </a:extLst>
+          </p:cNvPr>
+          <p:cNvPicPr>
+            <a:picLocks noChangeAspect="1"/>
+          </p:cNvPicPr>
+          <p:nvPr/>
+        </p:nvPicPr>
+        <p:blipFill>
+          <a:blip r:embed="rId4">
+            <a:extLst>
+              <a:ext uri="{28A0092B-C50C-407E-A947-70E740481C1C}">
+                <a14:useLocalDpi xmlns:a14="http://schemas.microsoft.com/office/drawing/2010/main" val="0"/>
+              </a:ext>
+            </a:extLst>
+          </a:blip>
+          <a:stretch>
+            <a:fillRect/>
+          </a:stretch>
+        </p:blipFill>
+        <p:spPr>
+          <a:xfrm>
+            <a:off x="352927" y="243537"/>
+            <a:ext cx="2304000" cy="608000"/>
+          </a:xfrm>
+          <a:prstGeom prst="rect">
+            <a:avLst/>
+          </a:prstGeom>
+        </p:spPr>
+      </p:pic>
+      <p:cxnSp>
+        <p:nvCxnSpPr>
+          <p:cNvPr id="15" name="Straight Connector 14">
+            <a:extLst>
+              <a:ext uri="{FF2B5EF4-FFF2-40B4-BE49-F238E27FC236}">
+                <a16:creationId xmlns:a16="http://schemas.microsoft.com/office/drawing/2014/main" id="{A82EF3C5-78F6-458F-96B7-74E95774ED25}"/>
+              </a:ext>
+            </a:extLst>
+          </p:cNvPr>
+          <p:cNvCxnSpPr/>
+          <p:nvPr/>
+        </p:nvCxnSpPr>
+        <p:spPr>
+          <a:xfrm>
+            <a:off x="0" y="969832"/>
+            <a:ext cx="12192000" cy="0"/>
+          </a:xfrm>
+          <a:prstGeom prst="line">
+            <a:avLst/>
+          </a:prstGeom>
+          <a:ln w="12700">
+            <a:solidFill>
+              <a:schemeClr val="bg2">
+                <a:lumMod val="90000"/>
+              </a:schemeClr>
+            </a:solidFill>
+          </a:ln>
+        </p:spPr>
+        <p:style>
+          <a:lnRef idx="1">
+            <a:schemeClr val="accent1"/>
+          </a:lnRef>
+          <a:fillRef idx="0">
+            <a:schemeClr val="accent1"/>
+          </a:fillRef>
+          <a:effectRef idx="0">
+            <a:schemeClr val="accent1"/>
+          </a:effectRef>
+          <a:fontRef idx="minor">
+            <a:schemeClr val="tx1"/>
+          </a:fontRef>
+        </p:style>
+      </p:cxnSp>
+      <p:pic>
+        <p:nvPicPr>
+          <p:cNvPr id="7" name="Picture 6">
+            <a:extLst>
+              <a:ext uri="{FF2B5EF4-FFF2-40B4-BE49-F238E27FC236}">
+                <a16:creationId xmlns:a16="http://schemas.microsoft.com/office/drawing/2014/main" id="{E9DC9151-E7D8-479A-904C-CA211D94CF07}"/>
+              </a:ext>
+            </a:extLst>
+          </p:cNvPr>
+          <p:cNvPicPr>
+            <a:picLocks noChangeAspect="1"/>
+          </p:cNvPicPr>
+          <p:nvPr/>
+        </p:nvPicPr>
+        <p:blipFill>
+          <a:blip r:embed="rId5"/>
+          <a:stretch>
+            <a:fillRect/>
+          </a:stretch>
+        </p:blipFill>
+        <p:spPr>
+          <a:xfrm>
+            <a:off x="2761961" y="2509935"/>
+            <a:ext cx="6668078" cy="2377646"/>
+          </a:xfrm>
+          <a:prstGeom prst="rect">
+            <a:avLst/>
+          </a:prstGeom>
+        </p:spPr>
+      </p:pic>
+    </p:spTree>
+    <p:extLst>
+      <p:ext uri="{BB962C8B-B14F-4D97-AF65-F5344CB8AC3E}">
+        <p14:creationId xmlns:p14="http://schemas.microsoft.com/office/powerpoint/2010/main" val="89715577"/>
       </p:ext>
     </p:extLst>
   </p:cSld>
@@ -6971,8 +7357,8 @@
         </p:nvSpPr>
         <p:spPr>
           <a:xfrm>
-            <a:off x="705852" y="3133255"/>
-            <a:ext cx="9119932" cy="1754326"/>
+            <a:off x="705852" y="2363007"/>
+            <a:ext cx="9119932" cy="2677656"/>
           </a:xfrm>
           <a:prstGeom prst="rect">
             <a:avLst/>
@@ -6985,329 +7371,329 @@
           </a:bodyPr>
           <a:lstStyle/>
           <a:p>
-            <a:pPr marL="285750" indent="-285750">
+            <a:pPr marL="285750" indent="-285750" algn="just">
               <a:buFont typeface="Arial" panose="020B0604020202020204" pitchFamily="34" charset="0"/>
               <a:buChar char="•"/>
             </a:pPr>
             <a:r>
-              <a:rPr lang="en-US" dirty="0">
+              <a:rPr lang="en-US" sz="2400" b="1" dirty="0">
                 <a:latin typeface="Jost"/>
               </a:rPr>
               <a:t>Transfer Learning es una </a:t>
             </a:r>
             <a:r>
-              <a:rPr lang="en-US" dirty="0" err="1">
+              <a:rPr lang="en-US" sz="2400" b="1" dirty="0" err="1">
                 <a:latin typeface="Jost"/>
               </a:rPr>
               <a:t>opción</a:t>
             </a:r>
             <a:r>
-              <a:rPr lang="en-US" dirty="0">
+              <a:rPr lang="en-US" sz="2400" b="1" dirty="0">
                 <a:latin typeface="Jost"/>
               </a:rPr>
               <a:t> </a:t>
             </a:r>
             <a:r>
-              <a:rPr lang="en-US" dirty="0" err="1">
+              <a:rPr lang="en-US" sz="2400" b="1" dirty="0" err="1">
                 <a:latin typeface="Jost"/>
               </a:rPr>
               <a:t>muy</a:t>
             </a:r>
             <a:r>
-              <a:rPr lang="en-US" dirty="0">
+              <a:rPr lang="en-US" sz="2400" b="1" dirty="0">
                 <a:latin typeface="Jost"/>
               </a:rPr>
               <a:t> </a:t>
             </a:r>
             <a:r>
-              <a:rPr lang="en-US" dirty="0" err="1">
+              <a:rPr lang="en-US" sz="2400" b="1" dirty="0" err="1">
                 <a:latin typeface="Jost"/>
               </a:rPr>
               <a:t>efectiva</a:t>
             </a:r>
             <a:r>
-              <a:rPr lang="en-US" dirty="0">
+              <a:rPr lang="en-US" sz="2400" b="1" dirty="0">
                 <a:latin typeface="Jost"/>
               </a:rPr>
               <a:t> </a:t>
             </a:r>
             <a:r>
-              <a:rPr lang="en-US" dirty="0" err="1">
+              <a:rPr lang="en-US" sz="2400" b="1" dirty="0" err="1">
                 <a:latin typeface="Jost"/>
               </a:rPr>
               <a:t>en</a:t>
             </a:r>
             <a:r>
-              <a:rPr lang="en-US" dirty="0">
+              <a:rPr lang="en-US" sz="2400" b="1" dirty="0">
                 <a:latin typeface="Jost"/>
               </a:rPr>
               <a:t> </a:t>
             </a:r>
             <a:r>
-              <a:rPr lang="en-US" dirty="0" err="1">
+              <a:rPr lang="en-US" sz="2400" b="1" dirty="0" err="1">
                 <a:latin typeface="Jost"/>
               </a:rPr>
               <a:t>predicciones</a:t>
             </a:r>
             <a:r>
-              <a:rPr lang="en-US" dirty="0">
+              <a:rPr lang="en-US" sz="2400" b="1" dirty="0">
                 <a:latin typeface="Jost"/>
               </a:rPr>
               <a:t> </a:t>
             </a:r>
             <a:r>
-              <a:rPr lang="en-US" dirty="0" err="1">
+              <a:rPr lang="en-US" sz="2400" b="1" dirty="0" err="1">
                 <a:latin typeface="Jost"/>
               </a:rPr>
               <a:t>relacionadas</a:t>
             </a:r>
             <a:r>
-              <a:rPr lang="en-US" dirty="0">
+              <a:rPr lang="en-US" sz="2400" b="1" dirty="0">
                 <a:latin typeface="Jost"/>
               </a:rPr>
               <a:t> a las </a:t>
             </a:r>
             <a:r>
-              <a:rPr lang="en-US" dirty="0" err="1">
+              <a:rPr lang="en-US" sz="2400" b="1" dirty="0" err="1">
                 <a:latin typeface="Jost"/>
               </a:rPr>
               <a:t>imágenes</a:t>
             </a:r>
             <a:r>
-              <a:rPr lang="en-US" dirty="0">
+              <a:rPr lang="en-US" sz="2400" b="1" dirty="0">
                 <a:latin typeface="Jost"/>
               </a:rPr>
               <a:t> de </a:t>
             </a:r>
             <a:r>
-              <a:rPr lang="en-US" dirty="0" err="1">
+              <a:rPr lang="en-US" sz="2400" b="1" dirty="0" err="1">
                 <a:latin typeface="Jost"/>
               </a:rPr>
               <a:t>glóbulos</a:t>
             </a:r>
             <a:r>
-              <a:rPr lang="en-US" dirty="0">
+              <a:rPr lang="en-US" sz="2400" b="1" dirty="0">
                 <a:latin typeface="Jost"/>
               </a:rPr>
               <a:t> </a:t>
             </a:r>
             <a:r>
-              <a:rPr lang="en-US" dirty="0" err="1">
+              <a:rPr lang="en-US" sz="2400" b="1" dirty="0" err="1">
                 <a:latin typeface="Jost"/>
               </a:rPr>
               <a:t>rojos</a:t>
             </a:r>
             <a:r>
-              <a:rPr lang="en-US" dirty="0">
+              <a:rPr lang="en-US" sz="2400" b="1" dirty="0">
                 <a:latin typeface="Jost"/>
               </a:rPr>
               <a:t> </a:t>
             </a:r>
             <a:r>
-              <a:rPr lang="en-US" dirty="0" err="1">
+              <a:rPr lang="en-US" sz="2400" b="1" dirty="0" err="1">
                 <a:latin typeface="Jost"/>
               </a:rPr>
               <a:t>infectados</a:t>
             </a:r>
             <a:r>
-              <a:rPr lang="en-US" dirty="0">
+              <a:rPr lang="en-US" sz="2400" b="1" dirty="0">
                 <a:latin typeface="Jost"/>
               </a:rPr>
               <a:t> por Malaria. </a:t>
             </a:r>
             <a:r>
-              <a:rPr lang="en-US" dirty="0" err="1">
+              <a:rPr lang="en-US" sz="2400" b="1" dirty="0" err="1">
                 <a:latin typeface="Jost"/>
               </a:rPr>
               <a:t>Creemos</a:t>
             </a:r>
             <a:r>
-              <a:rPr lang="en-US" dirty="0">
+              <a:rPr lang="en-US" sz="2400" b="1" dirty="0">
                 <a:latin typeface="Jost"/>
               </a:rPr>
               <a:t> </a:t>
             </a:r>
             <a:r>
-              <a:rPr lang="en-US" dirty="0" err="1">
+              <a:rPr lang="en-US" sz="2400" b="1" dirty="0" err="1">
                 <a:latin typeface="Jost"/>
               </a:rPr>
               <a:t>esta</a:t>
             </a:r>
             <a:r>
-              <a:rPr lang="en-US" dirty="0">
+              <a:rPr lang="en-US" sz="2400" b="1" dirty="0">
                 <a:latin typeface="Jost"/>
               </a:rPr>
               <a:t> </a:t>
             </a:r>
             <a:r>
-              <a:rPr lang="en-US" dirty="0" err="1">
+              <a:rPr lang="en-US" sz="2400" b="1" dirty="0" err="1">
                 <a:latin typeface="Jost"/>
               </a:rPr>
               <a:t>metodología</a:t>
             </a:r>
             <a:r>
-              <a:rPr lang="en-US" dirty="0">
+              <a:rPr lang="en-US" sz="2400" b="1" dirty="0">
                 <a:latin typeface="Jost"/>
               </a:rPr>
               <a:t> </a:t>
             </a:r>
             <a:r>
-              <a:rPr lang="en-US" dirty="0" err="1">
+              <a:rPr lang="en-US" sz="2400" b="1" dirty="0" err="1">
                 <a:latin typeface="Jost"/>
               </a:rPr>
               <a:t>puede</a:t>
             </a:r>
             <a:r>
-              <a:rPr lang="en-US" dirty="0">
+              <a:rPr lang="en-US" sz="2400" b="1" dirty="0">
                 <a:latin typeface="Jost"/>
               </a:rPr>
               <a:t> ser </a:t>
             </a:r>
             <a:r>
-              <a:rPr lang="en-US" dirty="0" err="1">
+              <a:rPr lang="en-US" sz="2400" b="1" dirty="0" err="1">
                 <a:latin typeface="Jost"/>
               </a:rPr>
               <a:t>aplicada</a:t>
             </a:r>
             <a:r>
-              <a:rPr lang="en-US" dirty="0">
+              <a:rPr lang="en-US" sz="2400" b="1" dirty="0">
                 <a:latin typeface="Jost"/>
               </a:rPr>
               <a:t> a </a:t>
             </a:r>
             <a:r>
-              <a:rPr lang="en-US" dirty="0" err="1">
+              <a:rPr lang="en-US" sz="2400" b="1" dirty="0" err="1">
                 <a:latin typeface="Jost"/>
               </a:rPr>
               <a:t>otras</a:t>
             </a:r>
             <a:r>
-              <a:rPr lang="en-US" dirty="0">
+              <a:rPr lang="en-US" sz="2400" b="1" dirty="0">
                 <a:latin typeface="Jost"/>
               </a:rPr>
               <a:t> </a:t>
             </a:r>
             <a:r>
-              <a:rPr lang="en-US" dirty="0" err="1">
+              <a:rPr lang="en-US" sz="2400" b="1" dirty="0" err="1">
                 <a:latin typeface="Jost"/>
               </a:rPr>
               <a:t>imágenes</a:t>
             </a:r>
             <a:r>
-              <a:rPr lang="en-US" dirty="0">
+              <a:rPr lang="en-US" sz="2400" b="1" dirty="0">
                 <a:latin typeface="Jost"/>
               </a:rPr>
               <a:t> del campo medico, sin embargo se </a:t>
             </a:r>
             <a:r>
-              <a:rPr lang="en-US" dirty="0" err="1">
+              <a:rPr lang="en-US" sz="2400" b="1" dirty="0" err="1">
                 <a:latin typeface="Jost"/>
               </a:rPr>
               <a:t>requerira</a:t>
             </a:r>
             <a:r>
-              <a:rPr lang="en-US" dirty="0">
+              <a:rPr lang="en-US" sz="2400" b="1" dirty="0">
                 <a:latin typeface="Jost"/>
               </a:rPr>
               <a:t> de </a:t>
             </a:r>
             <a:r>
-              <a:rPr lang="en-US" dirty="0" err="1">
+              <a:rPr lang="en-US" sz="2400" b="1" dirty="0" err="1">
                 <a:latin typeface="Jost"/>
               </a:rPr>
               <a:t>pruebas</a:t>
             </a:r>
             <a:r>
-              <a:rPr lang="en-US" dirty="0">
+              <a:rPr lang="en-US" sz="2400" b="1" dirty="0">
                 <a:latin typeface="Jost"/>
               </a:rPr>
               <a:t> </a:t>
             </a:r>
             <a:r>
-              <a:rPr lang="en-US" dirty="0" err="1">
+              <a:rPr lang="en-US" sz="2400" b="1" dirty="0" err="1">
                 <a:latin typeface="Jost"/>
               </a:rPr>
               <a:t>correspondientes</a:t>
             </a:r>
             <a:r>
-              <a:rPr lang="en-US" dirty="0">
+              <a:rPr lang="en-US" sz="2400" b="1" dirty="0">
                 <a:latin typeface="Jost"/>
               </a:rPr>
               <a:t> para </a:t>
             </a:r>
             <a:r>
-              <a:rPr lang="en-US" dirty="0" err="1">
+              <a:rPr lang="en-US" sz="2400" b="1" dirty="0" err="1">
                 <a:latin typeface="Jost"/>
               </a:rPr>
               <a:t>validar</a:t>
             </a:r>
             <a:r>
-              <a:rPr lang="en-US" dirty="0">
+              <a:rPr lang="en-US" sz="2400" b="1" dirty="0">
                 <a:latin typeface="Jost"/>
               </a:rPr>
               <a:t> sus </a:t>
             </a:r>
             <a:r>
-              <a:rPr lang="en-US" dirty="0" err="1">
+              <a:rPr lang="en-US" sz="2400" b="1" dirty="0" err="1">
                 <a:latin typeface="Jost"/>
               </a:rPr>
               <a:t>resultados</a:t>
             </a:r>
-            <a:endParaRPr lang="en-US" dirty="0">
+            <a:endParaRPr lang="en-US" sz="2400" b="1" dirty="0">
               <a:latin typeface="Jost"/>
             </a:endParaRPr>
           </a:p>
           <a:p>
-            <a:pPr marL="285750" indent="-285750">
+            <a:pPr marL="285750" indent="-285750" algn="just">
               <a:buFont typeface="Arial" panose="020B0604020202020204" pitchFamily="34" charset="0"/>
               <a:buChar char="•"/>
             </a:pPr>
             <a:r>
-              <a:rPr lang="es-419" dirty="0">
+              <a:rPr lang="es-419" sz="2400" b="1" dirty="0">
                 <a:latin typeface="Jost"/>
               </a:rPr>
               <a:t>Los mejores modelos fueron </a:t>
             </a:r>
             <a:r>
-              <a:rPr lang="es-419" dirty="0" err="1">
+              <a:rPr lang="es-419" sz="2400" b="1" dirty="0" err="1">
                 <a:latin typeface="Jost"/>
               </a:rPr>
               <a:t>Efficient</a:t>
             </a:r>
             <a:r>
-              <a:rPr lang="es-419" dirty="0">
+              <a:rPr lang="es-419" sz="2400" b="1" dirty="0">
                 <a:latin typeface="Jost"/>
               </a:rPr>
               <a:t> Net y </a:t>
             </a:r>
             <a:r>
-              <a:rPr lang="es-419" dirty="0" err="1">
+              <a:rPr lang="es-419" sz="2400" b="1" dirty="0" err="1">
                 <a:latin typeface="Jost"/>
               </a:rPr>
               <a:t>ResNet</a:t>
             </a:r>
             <a:r>
-              <a:rPr lang="es-419" dirty="0">
+              <a:rPr lang="es-419" sz="2400" b="1" dirty="0">
                 <a:latin typeface="Jost"/>
               </a:rPr>
               <a:t> con Fine </a:t>
             </a:r>
             <a:r>
-              <a:rPr lang="es-419" dirty="0" err="1">
+              <a:rPr lang="es-419" sz="2400" b="1" dirty="0" err="1">
                 <a:latin typeface="Jost"/>
               </a:rPr>
               <a:t>Tuning</a:t>
             </a:r>
-            <a:endParaRPr lang="en-US" dirty="0">
+            <a:endParaRPr lang="en-US" sz="2400" b="1" dirty="0">
               <a:latin typeface="Jost"/>
             </a:endParaRPr>
           </a:p>
           <a:p>
-            <a:pPr marL="285750" indent="-285750">
+            <a:pPr marL="285750" indent="-285750" algn="just">
               <a:buFont typeface="Arial" panose="020B0604020202020204" pitchFamily="34" charset="0"/>
               <a:buChar char="•"/>
             </a:pPr>
-            <a:endParaRPr lang="en-US" dirty="0">
+            <a:endParaRPr lang="en-US" sz="2400" b="1" dirty="0">
               <a:latin typeface="Jost"/>
             </a:endParaRPr>
           </a:p>
@@ -7523,8 +7909,8 @@
         </p:nvSpPr>
         <p:spPr>
           <a:xfrm>
-            <a:off x="705852" y="3133255"/>
-            <a:ext cx="9119932" cy="2031325"/>
+            <a:off x="634135" y="2363007"/>
+            <a:ext cx="9119932" cy="3416320"/>
           </a:xfrm>
           <a:prstGeom prst="rect">
             <a:avLst/>
@@ -7537,132 +7923,134 @@
           </a:bodyPr>
           <a:lstStyle/>
           <a:p>
-            <a:pPr marL="285750" indent="-285750">
+            <a:pPr marL="285750" indent="-285750" algn="just">
               <a:buFont typeface="Arial" panose="020B0604020202020204" pitchFamily="34" charset="0"/>
               <a:buChar char="•"/>
             </a:pPr>
             <a:r>
-              <a:rPr lang="en-US" dirty="0">
+              <a:rPr lang="en-US" sz="2400" b="1" dirty="0">
                 <a:latin typeface="Jost"/>
               </a:rPr>
               <a:t>Las redes </a:t>
             </a:r>
             <a:r>
-              <a:rPr lang="en-US" dirty="0" err="1">
+              <a:rPr lang="en-US" sz="2400" b="1" dirty="0" err="1">
                 <a:latin typeface="Jost"/>
               </a:rPr>
               <a:t>convolucionales</a:t>
             </a:r>
             <a:r>
-              <a:rPr lang="en-US" dirty="0">
+              <a:rPr lang="en-US" sz="2400" b="1" dirty="0">
                 <a:latin typeface="Jost"/>
               </a:rPr>
               <a:t> son </a:t>
             </a:r>
             <a:r>
-              <a:rPr lang="en-US" dirty="0" err="1">
+              <a:rPr lang="en-US" sz="2400" b="1" dirty="0" err="1">
                 <a:latin typeface="Jost"/>
               </a:rPr>
               <a:t>muy</a:t>
             </a:r>
             <a:r>
-              <a:rPr lang="en-US" dirty="0">
+              <a:rPr lang="en-US" sz="2400" b="1" dirty="0">
                 <a:latin typeface="Jost"/>
               </a:rPr>
               <a:t> </a:t>
             </a:r>
             <a:r>
-              <a:rPr lang="en-US" dirty="0" err="1">
+              <a:rPr lang="en-US" sz="2400" b="1" dirty="0" err="1">
                 <a:latin typeface="Jost"/>
               </a:rPr>
               <a:t>veloces</a:t>
             </a:r>
             <a:r>
-              <a:rPr lang="en-US" dirty="0">
+              <a:rPr lang="en-US" sz="2400" b="1" dirty="0">
                 <a:latin typeface="Jost"/>
               </a:rPr>
               <a:t> </a:t>
             </a:r>
             <a:r>
-              <a:rPr lang="en-US" dirty="0" err="1">
+              <a:rPr lang="en-US" sz="2400" b="1" dirty="0" err="1">
                 <a:latin typeface="Jost"/>
               </a:rPr>
               <a:t>en</a:t>
             </a:r>
             <a:r>
-              <a:rPr lang="en-US" dirty="0">
+              <a:rPr lang="en-US" sz="2400" b="1" dirty="0">
                 <a:latin typeface="Jost"/>
               </a:rPr>
               <a:t> </a:t>
             </a:r>
             <a:r>
-              <a:rPr lang="en-US" dirty="0" err="1">
+              <a:rPr lang="en-US" sz="2400" b="1" dirty="0" err="1">
                 <a:latin typeface="Jost"/>
               </a:rPr>
               <a:t>su</a:t>
             </a:r>
             <a:r>
-              <a:rPr lang="en-US" dirty="0">
+              <a:rPr lang="en-US" sz="2400" b="1" dirty="0">
                 <a:latin typeface="Jost"/>
               </a:rPr>
               <a:t> </a:t>
             </a:r>
             <a:r>
-              <a:rPr lang="en-US" dirty="0" err="1">
+              <a:rPr lang="en-US" sz="2400" b="1" dirty="0" err="1">
                 <a:latin typeface="Jost"/>
               </a:rPr>
               <a:t>predicción</a:t>
             </a:r>
             <a:r>
-              <a:rPr lang="en-US" dirty="0">
+              <a:rPr lang="en-US" sz="2400" b="1" dirty="0">
                 <a:latin typeface="Jost"/>
               </a:rPr>
               <a:t> y </a:t>
             </a:r>
             <a:r>
-              <a:rPr lang="en-US" dirty="0" err="1">
+              <a:rPr lang="en-US" sz="2400" b="1" dirty="0" err="1">
                 <a:latin typeface="Jost"/>
               </a:rPr>
               <a:t>mantienen</a:t>
             </a:r>
             <a:r>
-              <a:rPr lang="en-US" dirty="0">
+              <a:rPr lang="en-US" sz="2400" b="1" dirty="0">
                 <a:latin typeface="Jost"/>
               </a:rPr>
               <a:t> un </a:t>
             </a:r>
             <a:r>
-              <a:rPr lang="en-US" dirty="0" err="1">
+              <a:rPr lang="en-US" sz="2400" b="1" dirty="0" err="1">
                 <a:latin typeface="Jost"/>
               </a:rPr>
               <a:t>buen</a:t>
             </a:r>
             <a:r>
-              <a:rPr lang="en-US" dirty="0">
+              <a:rPr lang="en-US" sz="2400" b="1" dirty="0">
                 <a:latin typeface="Jost"/>
               </a:rPr>
               <a:t> </a:t>
             </a:r>
             <a:r>
-              <a:rPr lang="en-US" dirty="0" err="1">
+              <a:rPr lang="en-US" sz="2400" b="1" dirty="0" err="1">
                 <a:latin typeface="Jost"/>
               </a:rPr>
               <a:t>rendimiento</a:t>
             </a:r>
-            <a:endParaRPr lang="en-US" dirty="0">
+            <a:endParaRPr lang="en-US" sz="2400" b="1" dirty="0">
               <a:latin typeface="Jost"/>
             </a:endParaRPr>
           </a:p>
           <a:p>
-            <a:pPr marL="285750" indent="-285750">
+            <a:pPr marL="285750" indent="-285750" algn="just">
               <a:buFont typeface="Arial" panose="020B0604020202020204" pitchFamily="34" charset="0"/>
               <a:buChar char="•"/>
             </a:pPr>
             <a:r>
-              <a:rPr lang="es-ES" dirty="0"/>
+              <a:rPr lang="es-ES" sz="2400" b="1" dirty="0">
+                <a:latin typeface="Jost"/>
+              </a:rPr>
               <a:t>Al generar las matrices de confusión pudimos notar una diferencia substancial en el tiempo de predicción para CNN vs Transfer Learning, siendo la CNN mas rápida para predecir. Entendemos que esto es debido a que los modelos de transfer learning son mucho mas profundos que la CNN. Con esto concluimos que para dispositivos con pocos recursos (memoria, CPU, etc.) una CNN hecha a mano es mejor que usar Transfer Learning. </a:t>
             </a:r>
-            <a:endParaRPr lang="en-US" dirty="0">
+            <a:endParaRPr lang="en-US" sz="2400" b="1" dirty="0">
               <a:latin typeface="Jost"/>
             </a:endParaRPr>
           </a:p>
@@ -7904,8 +8292,8 @@
         </p:nvSpPr>
         <p:spPr>
           <a:xfrm>
-            <a:off x="705852" y="3177644"/>
-            <a:ext cx="9119932" cy="1754326"/>
+            <a:off x="705852" y="2448592"/>
+            <a:ext cx="9119932" cy="3046988"/>
           </a:xfrm>
           <a:prstGeom prst="rect">
             <a:avLst/>
@@ -7918,230 +8306,240 @@
           </a:bodyPr>
           <a:lstStyle/>
           <a:p>
-            <a:pPr marL="285750" indent="-285750">
+            <a:pPr marL="285750" indent="-285750" algn="just">
               <a:buFont typeface="Arial" panose="020B0604020202020204" pitchFamily="34" charset="0"/>
               <a:buChar char="•"/>
             </a:pPr>
             <a:r>
-              <a:rPr lang="es-ES" dirty="0"/>
+              <a:rPr lang="es-ES" sz="2400" b="1" dirty="0">
+                <a:latin typeface="Jost"/>
+              </a:rPr>
               <a:t>Después de observar que Fine </a:t>
             </a:r>
             <a:r>
-              <a:rPr lang="es-ES" dirty="0" err="1"/>
+              <a:rPr lang="es-ES" sz="2400" b="1" dirty="0" err="1">
+                <a:latin typeface="Jost"/>
+              </a:rPr>
               <a:t>Tuning</a:t>
             </a:r>
             <a:r>
-              <a:rPr lang="es-ES" dirty="0"/>
+              <a:rPr lang="es-ES" sz="2400" b="1" dirty="0">
+                <a:latin typeface="Jost"/>
+              </a:rPr>
               <a:t> para </a:t>
             </a:r>
             <a:r>
-              <a:rPr lang="es-ES" dirty="0" err="1"/>
+              <a:rPr lang="es-ES" sz="2400" b="1" dirty="0" err="1">
+                <a:latin typeface="Jost"/>
+              </a:rPr>
               <a:t>ResNet</a:t>
             </a:r>
             <a:r>
-              <a:rPr lang="es-ES" dirty="0"/>
+              <a:rPr lang="es-ES" sz="2400" b="1" dirty="0">
+                <a:latin typeface="Jost"/>
+              </a:rPr>
               <a:t> funciona, se puede probar con los demás modelos para ver si lo pueden superar.</a:t>
             </a:r>
           </a:p>
           <a:p>
-            <a:pPr marL="285750" indent="-285750">
+            <a:pPr marL="285750" indent="-285750" algn="just">
               <a:buFont typeface="Arial" panose="020B0604020202020204" pitchFamily="34" charset="0"/>
               <a:buChar char="•"/>
             </a:pPr>
             <a:r>
-              <a:rPr lang="es-ES" dirty="0">
+              <a:rPr lang="es-ES" sz="2400" b="1" dirty="0">
                 <a:latin typeface="Jost"/>
               </a:rPr>
               <a:t>Recurrir a otros modelos de </a:t>
             </a:r>
             <a:r>
-              <a:rPr lang="es-ES" dirty="0" err="1">
+              <a:rPr lang="es-ES" sz="2400" b="1" dirty="0" err="1">
                 <a:latin typeface="Jost"/>
               </a:rPr>
               <a:t>predic</a:t>
             </a:r>
             <a:r>
-              <a:rPr lang="es-419" dirty="0" err="1">
+              <a:rPr lang="es-419" sz="2400" b="1" dirty="0" err="1">
                 <a:latin typeface="Jost"/>
               </a:rPr>
               <a:t>ción</a:t>
             </a:r>
             <a:r>
-              <a:rPr lang="es-419" dirty="0">
+              <a:rPr lang="es-419" sz="2400" b="1" dirty="0">
                 <a:latin typeface="Jost"/>
               </a:rPr>
               <a:t> como </a:t>
             </a:r>
             <a:r>
-              <a:rPr lang="es-419" dirty="0" err="1">
+              <a:rPr lang="es-419" sz="2400" b="1" dirty="0" err="1">
                 <a:latin typeface="Jost"/>
               </a:rPr>
               <a:t>Random</a:t>
             </a:r>
             <a:r>
-              <a:rPr lang="es-419" dirty="0">
+              <a:rPr lang="es-419" sz="2400" b="1" dirty="0">
                 <a:latin typeface="Jost"/>
               </a:rPr>
               <a:t> </a:t>
             </a:r>
             <a:r>
-              <a:rPr lang="es-419" dirty="0" err="1">
+              <a:rPr lang="es-419" sz="2400" b="1" dirty="0" err="1">
                 <a:latin typeface="Jost"/>
               </a:rPr>
               <a:t>Forests</a:t>
             </a:r>
             <a:r>
-              <a:rPr lang="es-419" dirty="0">
+              <a:rPr lang="es-419" sz="2400" b="1" dirty="0">
                 <a:latin typeface="Jost"/>
               </a:rPr>
               <a:t> que sean capaces de clasificar las imágenes de una diferente manera para comparar sus resultados.</a:t>
             </a:r>
           </a:p>
           <a:p>
-            <a:pPr marL="285750" indent="-285750">
+            <a:pPr marL="285750" indent="-285750" algn="just">
               <a:buFont typeface="Arial" panose="020B0604020202020204" pitchFamily="34" charset="0"/>
               <a:buChar char="•"/>
             </a:pPr>
             <a:r>
-              <a:rPr lang="en-US" dirty="0" err="1">
+              <a:rPr lang="en-US" sz="2400" b="1" dirty="0" err="1">
                 <a:latin typeface="Jost"/>
               </a:rPr>
               <a:t>Buscar</a:t>
             </a:r>
             <a:r>
-              <a:rPr lang="en-US" dirty="0">
+              <a:rPr lang="en-US" sz="2400" b="1" dirty="0">
                 <a:latin typeface="Jost"/>
               </a:rPr>
               <a:t> </a:t>
             </a:r>
             <a:r>
-              <a:rPr lang="en-US" dirty="0" err="1">
+              <a:rPr lang="en-US" sz="2400" b="1" dirty="0" err="1">
                 <a:latin typeface="Jost"/>
               </a:rPr>
               <a:t>otros</a:t>
             </a:r>
             <a:r>
-              <a:rPr lang="en-US" dirty="0">
+              <a:rPr lang="en-US" sz="2400" b="1" dirty="0">
                 <a:latin typeface="Jost"/>
               </a:rPr>
               <a:t> </a:t>
             </a:r>
             <a:r>
-              <a:rPr lang="en-US" dirty="0" err="1">
+              <a:rPr lang="en-US" sz="2400" b="1" dirty="0" err="1">
                 <a:latin typeface="Jost"/>
               </a:rPr>
               <a:t>modelos</a:t>
             </a:r>
             <a:r>
-              <a:rPr lang="en-US" dirty="0">
+              <a:rPr lang="en-US" sz="2400" b="1" dirty="0">
                 <a:latin typeface="Jost"/>
               </a:rPr>
               <a:t> de Transfer Learning que no </a:t>
             </a:r>
             <a:r>
-              <a:rPr lang="en-US" dirty="0" err="1">
+              <a:rPr lang="en-US" sz="2400" b="1" dirty="0" err="1">
                 <a:latin typeface="Jost"/>
               </a:rPr>
               <a:t>sean</a:t>
             </a:r>
             <a:r>
-              <a:rPr lang="en-US" dirty="0">
+              <a:rPr lang="en-US" sz="2400" b="1" dirty="0">
                 <a:latin typeface="Jost"/>
               </a:rPr>
               <a:t> tan </a:t>
             </a:r>
             <a:r>
-              <a:rPr lang="en-US" dirty="0" err="1">
+              <a:rPr lang="en-US" sz="2400" b="1" dirty="0" err="1">
                 <a:latin typeface="Jost"/>
               </a:rPr>
               <a:t>profundos</a:t>
             </a:r>
             <a:r>
-              <a:rPr lang="en-US" dirty="0">
+              <a:rPr lang="en-US" sz="2400" b="1" dirty="0">
                 <a:latin typeface="Jost"/>
               </a:rPr>
               <a:t> para observer </a:t>
             </a:r>
             <a:r>
-              <a:rPr lang="en-US" dirty="0" err="1">
+              <a:rPr lang="en-US" sz="2400" b="1" dirty="0" err="1">
                 <a:latin typeface="Jost"/>
               </a:rPr>
               <a:t>su</a:t>
             </a:r>
             <a:r>
-              <a:rPr lang="en-US" dirty="0">
+              <a:rPr lang="en-US" sz="2400" b="1" dirty="0">
                 <a:latin typeface="Jost"/>
               </a:rPr>
               <a:t> </a:t>
             </a:r>
             <a:r>
-              <a:rPr lang="en-US" dirty="0" err="1">
+              <a:rPr lang="en-US" sz="2400" b="1" dirty="0" err="1">
                 <a:latin typeface="Jost"/>
               </a:rPr>
               <a:t>comportamiento</a:t>
             </a:r>
             <a:r>
-              <a:rPr lang="en-US" dirty="0">
+              <a:rPr lang="en-US" sz="2400" b="1" dirty="0">
                 <a:latin typeface="Jost"/>
               </a:rPr>
               <a:t> y </a:t>
             </a:r>
             <a:r>
-              <a:rPr lang="en-US" dirty="0" err="1">
+              <a:rPr lang="en-US" sz="2400" b="1" dirty="0" err="1">
                 <a:latin typeface="Jost"/>
               </a:rPr>
               <a:t>comprobar</a:t>
             </a:r>
             <a:r>
-              <a:rPr lang="en-US" dirty="0">
+              <a:rPr lang="en-US" sz="2400" b="1" dirty="0">
                 <a:latin typeface="Jost"/>
               </a:rPr>
               <a:t> </a:t>
             </a:r>
             <a:r>
-              <a:rPr lang="en-US" dirty="0" err="1">
+              <a:rPr lang="en-US" sz="2400" b="1" dirty="0" err="1">
                 <a:latin typeface="Jost"/>
               </a:rPr>
               <a:t>si</a:t>
             </a:r>
             <a:r>
-              <a:rPr lang="en-US" dirty="0">
+              <a:rPr lang="en-US" sz="2400" b="1" dirty="0">
                 <a:latin typeface="Jost"/>
               </a:rPr>
               <a:t> </a:t>
             </a:r>
             <a:r>
-              <a:rPr lang="en-US" dirty="0" err="1">
+              <a:rPr lang="en-US" sz="2400" b="1" dirty="0" err="1">
                 <a:latin typeface="Jost"/>
               </a:rPr>
               <a:t>su</a:t>
             </a:r>
             <a:r>
-              <a:rPr lang="en-US" dirty="0">
+              <a:rPr lang="en-US" sz="2400" b="1" dirty="0">
                 <a:latin typeface="Jost"/>
               </a:rPr>
               <a:t> </a:t>
             </a:r>
             <a:r>
-              <a:rPr lang="en-US" dirty="0" err="1">
+              <a:rPr lang="en-US" sz="2400" b="1" dirty="0" err="1">
                 <a:latin typeface="Jost"/>
               </a:rPr>
               <a:t>rendimiento</a:t>
             </a:r>
             <a:r>
-              <a:rPr lang="en-US" dirty="0">
+              <a:rPr lang="en-US" sz="2400" b="1" dirty="0">
                 <a:latin typeface="Jost"/>
               </a:rPr>
               <a:t> es </a:t>
             </a:r>
             <a:r>
-              <a:rPr lang="en-US" dirty="0" err="1">
+              <a:rPr lang="en-US" sz="2400" b="1" dirty="0" err="1">
                 <a:latin typeface="Jost"/>
               </a:rPr>
               <a:t>igual</a:t>
             </a:r>
             <a:r>
-              <a:rPr lang="en-US" dirty="0">
+              <a:rPr lang="en-US" sz="2400" b="1" dirty="0">
                 <a:latin typeface="Jost"/>
               </a:rPr>
               <a:t>.</a:t>
@@ -8491,7 +8889,7 @@
         <p:spPr>
           <a:xfrm>
             <a:off x="908857" y="2258650"/>
-            <a:ext cx="8422105" cy="584775"/>
+            <a:ext cx="10117731" cy="707886"/>
           </a:xfrm>
           <a:prstGeom prst="rect">
             <a:avLst/>
@@ -8505,7 +8903,7 @@
           <a:lstStyle/>
           <a:p>
             <a:r>
-              <a:rPr lang="es-419" sz="3200" b="1" dirty="0">
+              <a:rPr lang="es-419" sz="4000" b="1" dirty="0">
                 <a:solidFill>
                   <a:schemeClr val="bg1"/>
                 </a:solidFill>
@@ -8514,7 +8912,7 @@
               </a:rPr>
               <a:t>¿Cómo Detectar Malaria en Glóbulos Rojos?</a:t>
             </a:r>
-            <a:endParaRPr lang="en-US" sz="3200" b="1" dirty="0">
+            <a:endParaRPr lang="en-US" sz="4000" b="1" dirty="0">
               <a:solidFill>
                 <a:schemeClr val="bg1"/>
               </a:solidFill>
@@ -8636,7 +9034,7 @@
               <a:rPr lang="en-US" sz="2000" dirty="0">
                 <a:hlinkClick r:id="rId5"/>
               </a:rPr>
-              <a:t>https://github.com/eddyCabrera98/PosterSP1</a:t>
+              <a:t>https://github.com/MalariaModels/SP1</a:t>
             </a:r>
             <a:endParaRPr lang="en-US" sz="2000" dirty="0">
               <a:solidFill>
@@ -8696,7 +9094,7 @@
         <p:spPr>
           <a:xfrm>
             <a:off x="352927" y="1149294"/>
-            <a:ext cx="4334483" cy="608000"/>
+            <a:ext cx="5130934" cy="646331"/>
           </a:xfrm>
           <a:prstGeom prst="rect">
             <a:avLst/>
@@ -8710,7 +9108,7 @@
           <a:lstStyle/>
           <a:p>
             <a:r>
-              <a:rPr lang="en-US" sz="3200" b="1" dirty="0">
+              <a:rPr lang="en-US" sz="3600" b="1" dirty="0">
                 <a:solidFill>
                   <a:schemeClr val="tx1">
                     <a:lumMod val="85000"/>
@@ -8723,7 +9121,7 @@
               <a:t>¿</a:t>
             </a:r>
             <a:r>
-              <a:rPr lang="en-US" sz="3200" b="1" dirty="0" err="1">
+              <a:rPr lang="en-US" sz="3600" b="1" dirty="0" err="1">
                 <a:solidFill>
                   <a:schemeClr val="tx1">
                     <a:lumMod val="85000"/>
@@ -8736,7 +9134,7 @@
               <a:t>Qué</a:t>
             </a:r>
             <a:r>
-              <a:rPr lang="en-US" sz="3200" b="1" dirty="0">
+              <a:rPr lang="en-US" sz="3600" b="1" dirty="0">
                 <a:solidFill>
                   <a:schemeClr val="tx1">
                     <a:lumMod val="85000"/>
@@ -8748,7 +9146,7 @@
               </a:rPr>
               <a:t> es la Malaria?</a:t>
             </a:r>
-            <a:endParaRPr lang="en-US" sz="3200" b="1" dirty="0">
+            <a:endParaRPr lang="en-US" sz="3600" b="1" dirty="0">
               <a:solidFill>
                 <a:schemeClr val="bg1"/>
               </a:solidFill>
@@ -9336,7 +9734,7 @@
               </a:spcAft>
               <a:buNone/>
             </a:pPr>
-            <a:endParaRPr dirty="0">
+            <a:endParaRPr sz="2800" b="1" dirty="0">
               <a:latin typeface="Jost"/>
             </a:endParaRPr>
           </a:p>
@@ -9545,7 +9943,7 @@
               <a:buNone/>
             </a:pPr>
             <a:r>
-              <a:rPr lang="en-US" sz="1600" dirty="0">
+              <a:rPr lang="en-US" sz="2400" b="1" dirty="0">
                 <a:latin typeface="Jost"/>
               </a:rPr>
               <a:t>Anemia.</a:t>
@@ -9569,7 +9967,230 @@
         </p:nvSpPr>
         <p:spPr>
           <a:xfrm>
-            <a:off x="9473598" y="1867747"/>
+            <a:off x="9473597" y="1867747"/>
+            <a:ext cx="2365475" cy="634500"/>
+          </a:xfrm>
+          <a:prstGeom prst="rect">
+            <a:avLst/>
+          </a:prstGeom>
+        </p:spPr>
+        <p:txBody>
+          <a:bodyPr spcFirstLastPara="1" vert="horz" wrap="square" lIns="91425" tIns="91425" rIns="91425" bIns="91425" rtlCol="0" anchor="t" anchorCtr="0">
+            <a:noAutofit/>
+          </a:bodyPr>
+          <a:lstStyle>
+            <a:lvl1pPr marL="228600" indent="-228600" algn="l" defTabSz="914400" rtl="0" eaLnBrk="1" latinLnBrk="0" hangingPunct="1">
+              <a:lnSpc>
+                <a:spcPct val="90000"/>
+              </a:lnSpc>
+              <a:spcBef>
+                <a:spcPts val="1000"/>
+              </a:spcBef>
+              <a:buFont typeface="Arial" panose="020B0604020202020204" pitchFamily="34" charset="0"/>
+              <a:buChar char="•"/>
+              <a:defRPr sz="2800" kern="1200">
+                <a:solidFill>
+                  <a:schemeClr val="tx1"/>
+                </a:solidFill>
+                <a:latin typeface="+mn-lt"/>
+                <a:ea typeface="+mn-ea"/>
+                <a:cs typeface="+mn-cs"/>
+              </a:defRPr>
+            </a:lvl1pPr>
+            <a:lvl2pPr marL="685800" indent="-228600" algn="l" defTabSz="914400" rtl="0" eaLnBrk="1" latinLnBrk="0" hangingPunct="1">
+              <a:lnSpc>
+                <a:spcPct val="90000"/>
+              </a:lnSpc>
+              <a:spcBef>
+                <a:spcPts val="500"/>
+              </a:spcBef>
+              <a:buFont typeface="Arial" panose="020B0604020202020204" pitchFamily="34" charset="0"/>
+              <a:buChar char="•"/>
+              <a:defRPr sz="2400" kern="1200">
+                <a:solidFill>
+                  <a:schemeClr val="tx1"/>
+                </a:solidFill>
+                <a:latin typeface="+mn-lt"/>
+                <a:ea typeface="+mn-ea"/>
+                <a:cs typeface="+mn-cs"/>
+              </a:defRPr>
+            </a:lvl2pPr>
+            <a:lvl3pPr marL="1143000" indent="-228600" algn="l" defTabSz="914400" rtl="0" eaLnBrk="1" latinLnBrk="0" hangingPunct="1">
+              <a:lnSpc>
+                <a:spcPct val="90000"/>
+              </a:lnSpc>
+              <a:spcBef>
+                <a:spcPts val="500"/>
+              </a:spcBef>
+              <a:buFont typeface="Arial" panose="020B0604020202020204" pitchFamily="34" charset="0"/>
+              <a:buChar char="•"/>
+              <a:defRPr sz="2000" kern="1200">
+                <a:solidFill>
+                  <a:schemeClr val="tx1"/>
+                </a:solidFill>
+                <a:latin typeface="+mn-lt"/>
+                <a:ea typeface="+mn-ea"/>
+                <a:cs typeface="+mn-cs"/>
+              </a:defRPr>
+            </a:lvl3pPr>
+            <a:lvl4pPr marL="1600200" indent="-228600" algn="l" defTabSz="914400" rtl="0" eaLnBrk="1" latinLnBrk="0" hangingPunct="1">
+              <a:lnSpc>
+                <a:spcPct val="90000"/>
+              </a:lnSpc>
+              <a:spcBef>
+                <a:spcPts val="500"/>
+              </a:spcBef>
+              <a:buFont typeface="Arial" panose="020B0604020202020204" pitchFamily="34" charset="0"/>
+              <a:buChar char="•"/>
+              <a:defRPr sz="1800" kern="1200">
+                <a:solidFill>
+                  <a:schemeClr val="tx1"/>
+                </a:solidFill>
+                <a:latin typeface="+mn-lt"/>
+                <a:ea typeface="+mn-ea"/>
+                <a:cs typeface="+mn-cs"/>
+              </a:defRPr>
+            </a:lvl4pPr>
+            <a:lvl5pPr marL="2057400" indent="-228600" algn="l" defTabSz="914400" rtl="0" eaLnBrk="1" latinLnBrk="0" hangingPunct="1">
+              <a:lnSpc>
+                <a:spcPct val="90000"/>
+              </a:lnSpc>
+              <a:spcBef>
+                <a:spcPts val="500"/>
+              </a:spcBef>
+              <a:buFont typeface="Arial" panose="020B0604020202020204" pitchFamily="34" charset="0"/>
+              <a:buChar char="•"/>
+              <a:defRPr sz="1800" kern="1200">
+                <a:solidFill>
+                  <a:schemeClr val="tx1"/>
+                </a:solidFill>
+                <a:latin typeface="+mn-lt"/>
+                <a:ea typeface="+mn-ea"/>
+                <a:cs typeface="+mn-cs"/>
+              </a:defRPr>
+            </a:lvl5pPr>
+            <a:lvl6pPr marL="2514600" indent="-228600" algn="l" defTabSz="914400" rtl="0" eaLnBrk="1" latinLnBrk="0" hangingPunct="1">
+              <a:lnSpc>
+                <a:spcPct val="90000"/>
+              </a:lnSpc>
+              <a:spcBef>
+                <a:spcPts val="500"/>
+              </a:spcBef>
+              <a:buFont typeface="Arial" panose="020B0604020202020204" pitchFamily="34" charset="0"/>
+              <a:buChar char="•"/>
+              <a:defRPr sz="1800" kern="1200">
+                <a:solidFill>
+                  <a:schemeClr val="tx1"/>
+                </a:solidFill>
+                <a:latin typeface="+mn-lt"/>
+                <a:ea typeface="+mn-ea"/>
+                <a:cs typeface="+mn-cs"/>
+              </a:defRPr>
+            </a:lvl6pPr>
+            <a:lvl7pPr marL="2971800" indent="-228600" algn="l" defTabSz="914400" rtl="0" eaLnBrk="1" latinLnBrk="0" hangingPunct="1">
+              <a:lnSpc>
+                <a:spcPct val="90000"/>
+              </a:lnSpc>
+              <a:spcBef>
+                <a:spcPts val="500"/>
+              </a:spcBef>
+              <a:buFont typeface="Arial" panose="020B0604020202020204" pitchFamily="34" charset="0"/>
+              <a:buChar char="•"/>
+              <a:defRPr sz="1800" kern="1200">
+                <a:solidFill>
+                  <a:schemeClr val="tx1"/>
+                </a:solidFill>
+                <a:latin typeface="+mn-lt"/>
+                <a:ea typeface="+mn-ea"/>
+                <a:cs typeface="+mn-cs"/>
+              </a:defRPr>
+            </a:lvl7pPr>
+            <a:lvl8pPr marL="3429000" indent="-228600" algn="l" defTabSz="914400" rtl="0" eaLnBrk="1" latinLnBrk="0" hangingPunct="1">
+              <a:lnSpc>
+                <a:spcPct val="90000"/>
+              </a:lnSpc>
+              <a:spcBef>
+                <a:spcPts val="500"/>
+              </a:spcBef>
+              <a:buFont typeface="Arial" panose="020B0604020202020204" pitchFamily="34" charset="0"/>
+              <a:buChar char="•"/>
+              <a:defRPr sz="1800" kern="1200">
+                <a:solidFill>
+                  <a:schemeClr val="tx1"/>
+                </a:solidFill>
+                <a:latin typeface="+mn-lt"/>
+                <a:ea typeface="+mn-ea"/>
+                <a:cs typeface="+mn-cs"/>
+              </a:defRPr>
+            </a:lvl8pPr>
+            <a:lvl9pPr marL="3886200" indent="-228600" algn="l" defTabSz="914400" rtl="0" eaLnBrk="1" latinLnBrk="0" hangingPunct="1">
+              <a:lnSpc>
+                <a:spcPct val="90000"/>
+              </a:lnSpc>
+              <a:spcBef>
+                <a:spcPts val="500"/>
+              </a:spcBef>
+              <a:buFont typeface="Arial" panose="020B0604020202020204" pitchFamily="34" charset="0"/>
+              <a:buChar char="•"/>
+              <a:defRPr sz="1800" kern="1200">
+                <a:solidFill>
+                  <a:schemeClr val="tx1"/>
+                </a:solidFill>
+                <a:latin typeface="+mn-lt"/>
+                <a:ea typeface="+mn-ea"/>
+                <a:cs typeface="+mn-cs"/>
+              </a:defRPr>
+            </a:lvl9pPr>
+          </a:lstStyle>
+          <a:p>
+            <a:pPr marL="0" indent="0">
+              <a:spcBef>
+                <a:spcPts val="0"/>
+              </a:spcBef>
+              <a:buFont typeface="Arial" panose="020B0604020202020204" pitchFamily="34" charset="0"/>
+              <a:buNone/>
+            </a:pPr>
+            <a:r>
+              <a:rPr lang="es-GT" sz="2400" b="1" dirty="0">
+                <a:latin typeface="Jost"/>
+              </a:rPr>
+              <a:t>Dolor de cabeza.</a:t>
+            </a:r>
+          </a:p>
+          <a:p>
+            <a:pPr marL="0" indent="0">
+              <a:spcBef>
+                <a:spcPts val="1600"/>
+              </a:spcBef>
+              <a:spcAft>
+                <a:spcPts val="1600"/>
+              </a:spcAft>
+              <a:buFont typeface="Arial" panose="020B0604020202020204" pitchFamily="34" charset="0"/>
+              <a:buNone/>
+            </a:pPr>
+            <a:endParaRPr lang="es-GT" sz="2400" b="1" dirty="0">
+              <a:latin typeface="Jost"/>
+            </a:endParaRPr>
+          </a:p>
+        </p:txBody>
+      </p:sp>
+      <p:sp>
+        <p:nvSpPr>
+          <p:cNvPr id="16" name="Google Shape;732;p43">
+            <a:extLst>
+              <a:ext uri="{FF2B5EF4-FFF2-40B4-BE49-F238E27FC236}">
+                <a16:creationId xmlns:a16="http://schemas.microsoft.com/office/drawing/2014/main" id="{FE381F67-C898-4F46-A738-8ADFAD016715}"/>
+              </a:ext>
+            </a:extLst>
+          </p:cNvPr>
+          <p:cNvSpPr txBox="1">
+            <a:spLocks/>
+          </p:cNvSpPr>
+          <p:nvPr/>
+        </p:nvSpPr>
+        <p:spPr>
+          <a:xfrm>
+            <a:off x="9473591" y="2313735"/>
             <a:ext cx="1971600" cy="634500"/>
           </a:xfrm>
           <a:prstGeom prst="rect">
@@ -9749,244 +10370,18 @@
               <a:spcBef>
                 <a:spcPts val="0"/>
               </a:spcBef>
-              <a:buFont typeface="Arial" panose="020B0604020202020204" pitchFamily="34" charset="0"/>
-              <a:buNone/>
-            </a:pPr>
-            <a:r>
-              <a:rPr lang="es-GT" sz="1600">
-                <a:latin typeface="Jost"/>
-              </a:rPr>
-              <a:t>Dolor de cabeza.</a:t>
-            </a:r>
-          </a:p>
-          <a:p>
-            <a:pPr marL="0" indent="0">
-              <a:spcBef>
-                <a:spcPts val="1600"/>
-              </a:spcBef>
               <a:spcAft>
                 <a:spcPts val="1600"/>
               </a:spcAft>
               <a:buFont typeface="Arial" panose="020B0604020202020204" pitchFamily="34" charset="0"/>
               <a:buNone/>
             </a:pPr>
-            <a:endParaRPr lang="es-GT" sz="1600" dirty="0">
-              <a:latin typeface="Jost"/>
-            </a:endParaRPr>
-          </a:p>
-        </p:txBody>
-      </p:sp>
-      <p:sp>
-        <p:nvSpPr>
-          <p:cNvPr id="16" name="Google Shape;732;p43">
-            <a:extLst>
-              <a:ext uri="{FF2B5EF4-FFF2-40B4-BE49-F238E27FC236}">
-                <a16:creationId xmlns:a16="http://schemas.microsoft.com/office/drawing/2014/main" id="{FE381F67-C898-4F46-A738-8ADFAD016715}"/>
-              </a:ext>
-            </a:extLst>
-          </p:cNvPr>
-          <p:cNvSpPr txBox="1">
-            <a:spLocks/>
-          </p:cNvSpPr>
-          <p:nvPr/>
-        </p:nvSpPr>
-        <p:spPr>
-          <a:xfrm>
-            <a:off x="9483663" y="2128783"/>
-            <a:ext cx="1971600" cy="634500"/>
-          </a:xfrm>
-          <a:prstGeom prst="rect">
-            <a:avLst/>
-          </a:prstGeom>
-        </p:spPr>
-        <p:txBody>
-          <a:bodyPr spcFirstLastPara="1" vert="horz" wrap="square" lIns="91425" tIns="91425" rIns="91425" bIns="91425" rtlCol="0" anchor="t" anchorCtr="0">
-            <a:noAutofit/>
-          </a:bodyPr>
-          <a:lstStyle>
-            <a:lvl1pPr marL="228600" indent="-228600" algn="l" defTabSz="914400" rtl="0" eaLnBrk="1" latinLnBrk="0" hangingPunct="1">
-              <a:lnSpc>
-                <a:spcPct val="90000"/>
-              </a:lnSpc>
-              <a:spcBef>
-                <a:spcPts val="1000"/>
-              </a:spcBef>
-              <a:buFont typeface="Arial" panose="020B0604020202020204" pitchFamily="34" charset="0"/>
-              <a:buChar char="•"/>
-              <a:defRPr sz="2800" kern="1200">
-                <a:solidFill>
-                  <a:schemeClr val="tx1"/>
-                </a:solidFill>
-                <a:latin typeface="+mn-lt"/>
-                <a:ea typeface="+mn-ea"/>
-                <a:cs typeface="+mn-cs"/>
-              </a:defRPr>
-            </a:lvl1pPr>
-            <a:lvl2pPr marL="685800" indent="-228600" algn="l" defTabSz="914400" rtl="0" eaLnBrk="1" latinLnBrk="0" hangingPunct="1">
-              <a:lnSpc>
-                <a:spcPct val="90000"/>
-              </a:lnSpc>
-              <a:spcBef>
-                <a:spcPts val="500"/>
-              </a:spcBef>
-              <a:buFont typeface="Arial" panose="020B0604020202020204" pitchFamily="34" charset="0"/>
-              <a:buChar char="•"/>
-              <a:defRPr sz="2400" kern="1200">
-                <a:solidFill>
-                  <a:schemeClr val="tx1"/>
-                </a:solidFill>
-                <a:latin typeface="+mn-lt"/>
-                <a:ea typeface="+mn-ea"/>
-                <a:cs typeface="+mn-cs"/>
-              </a:defRPr>
-            </a:lvl2pPr>
-            <a:lvl3pPr marL="1143000" indent="-228600" algn="l" defTabSz="914400" rtl="0" eaLnBrk="1" latinLnBrk="0" hangingPunct="1">
-              <a:lnSpc>
-                <a:spcPct val="90000"/>
-              </a:lnSpc>
-              <a:spcBef>
-                <a:spcPts val="500"/>
-              </a:spcBef>
-              <a:buFont typeface="Arial" panose="020B0604020202020204" pitchFamily="34" charset="0"/>
-              <a:buChar char="•"/>
-              <a:defRPr sz="2000" kern="1200">
-                <a:solidFill>
-                  <a:schemeClr val="tx1"/>
-                </a:solidFill>
-                <a:latin typeface="+mn-lt"/>
-                <a:ea typeface="+mn-ea"/>
-                <a:cs typeface="+mn-cs"/>
-              </a:defRPr>
-            </a:lvl3pPr>
-            <a:lvl4pPr marL="1600200" indent="-228600" algn="l" defTabSz="914400" rtl="0" eaLnBrk="1" latinLnBrk="0" hangingPunct="1">
-              <a:lnSpc>
-                <a:spcPct val="90000"/>
-              </a:lnSpc>
-              <a:spcBef>
-                <a:spcPts val="500"/>
-              </a:spcBef>
-              <a:buFont typeface="Arial" panose="020B0604020202020204" pitchFamily="34" charset="0"/>
-              <a:buChar char="•"/>
-              <a:defRPr sz="1800" kern="1200">
-                <a:solidFill>
-                  <a:schemeClr val="tx1"/>
-                </a:solidFill>
-                <a:latin typeface="+mn-lt"/>
-                <a:ea typeface="+mn-ea"/>
-                <a:cs typeface="+mn-cs"/>
-              </a:defRPr>
-            </a:lvl4pPr>
-            <a:lvl5pPr marL="2057400" indent="-228600" algn="l" defTabSz="914400" rtl="0" eaLnBrk="1" latinLnBrk="0" hangingPunct="1">
-              <a:lnSpc>
-                <a:spcPct val="90000"/>
-              </a:lnSpc>
-              <a:spcBef>
-                <a:spcPts val="500"/>
-              </a:spcBef>
-              <a:buFont typeface="Arial" panose="020B0604020202020204" pitchFamily="34" charset="0"/>
-              <a:buChar char="•"/>
-              <a:defRPr sz="1800" kern="1200">
-                <a:solidFill>
-                  <a:schemeClr val="tx1"/>
-                </a:solidFill>
-                <a:latin typeface="+mn-lt"/>
-                <a:ea typeface="+mn-ea"/>
-                <a:cs typeface="+mn-cs"/>
-              </a:defRPr>
-            </a:lvl5pPr>
-            <a:lvl6pPr marL="2514600" indent="-228600" algn="l" defTabSz="914400" rtl="0" eaLnBrk="1" latinLnBrk="0" hangingPunct="1">
-              <a:lnSpc>
-                <a:spcPct val="90000"/>
-              </a:lnSpc>
-              <a:spcBef>
-                <a:spcPts val="500"/>
-              </a:spcBef>
-              <a:buFont typeface="Arial" panose="020B0604020202020204" pitchFamily="34" charset="0"/>
-              <a:buChar char="•"/>
-              <a:defRPr sz="1800" kern="1200">
-                <a:solidFill>
-                  <a:schemeClr val="tx1"/>
-                </a:solidFill>
-                <a:latin typeface="+mn-lt"/>
-                <a:ea typeface="+mn-ea"/>
-                <a:cs typeface="+mn-cs"/>
-              </a:defRPr>
-            </a:lvl6pPr>
-            <a:lvl7pPr marL="2971800" indent="-228600" algn="l" defTabSz="914400" rtl="0" eaLnBrk="1" latinLnBrk="0" hangingPunct="1">
-              <a:lnSpc>
-                <a:spcPct val="90000"/>
-              </a:lnSpc>
-              <a:spcBef>
-                <a:spcPts val="500"/>
-              </a:spcBef>
-              <a:buFont typeface="Arial" panose="020B0604020202020204" pitchFamily="34" charset="0"/>
-              <a:buChar char="•"/>
-              <a:defRPr sz="1800" kern="1200">
-                <a:solidFill>
-                  <a:schemeClr val="tx1"/>
-                </a:solidFill>
-                <a:latin typeface="+mn-lt"/>
-                <a:ea typeface="+mn-ea"/>
-                <a:cs typeface="+mn-cs"/>
-              </a:defRPr>
-            </a:lvl7pPr>
-            <a:lvl8pPr marL="3429000" indent="-228600" algn="l" defTabSz="914400" rtl="0" eaLnBrk="1" latinLnBrk="0" hangingPunct="1">
-              <a:lnSpc>
-                <a:spcPct val="90000"/>
-              </a:lnSpc>
-              <a:spcBef>
-                <a:spcPts val="500"/>
-              </a:spcBef>
-              <a:buFont typeface="Arial" panose="020B0604020202020204" pitchFamily="34" charset="0"/>
-              <a:buChar char="•"/>
-              <a:defRPr sz="1800" kern="1200">
-                <a:solidFill>
-                  <a:schemeClr val="tx1"/>
-                </a:solidFill>
-                <a:latin typeface="+mn-lt"/>
-                <a:ea typeface="+mn-ea"/>
-                <a:cs typeface="+mn-cs"/>
-              </a:defRPr>
-            </a:lvl8pPr>
-            <a:lvl9pPr marL="3886200" indent="-228600" algn="l" defTabSz="914400" rtl="0" eaLnBrk="1" latinLnBrk="0" hangingPunct="1">
-              <a:lnSpc>
-                <a:spcPct val="90000"/>
-              </a:lnSpc>
-              <a:spcBef>
-                <a:spcPts val="500"/>
-              </a:spcBef>
-              <a:buFont typeface="Arial" panose="020B0604020202020204" pitchFamily="34" charset="0"/>
-              <a:buChar char="•"/>
-              <a:defRPr sz="1800" kern="1200">
-                <a:solidFill>
-                  <a:schemeClr val="tx1"/>
-                </a:solidFill>
-                <a:latin typeface="+mn-lt"/>
-                <a:ea typeface="+mn-ea"/>
-                <a:cs typeface="+mn-cs"/>
-              </a:defRPr>
-            </a:lvl9pPr>
-          </a:lstStyle>
-          <a:p>
-            <a:pPr marL="0" indent="0">
-              <a:spcBef>
-                <a:spcPts val="0"/>
-              </a:spcBef>
-              <a:spcAft>
-                <a:spcPts val="1600"/>
-              </a:spcAft>
-              <a:buFont typeface="Arial" panose="020B0604020202020204" pitchFamily="34" charset="0"/>
-              <a:buNone/>
-            </a:pPr>
-            <a:r>
-              <a:rPr lang="es-GT" sz="1600">
+            <a:r>
+              <a:rPr lang="es-GT" sz="2400" b="1" dirty="0">
                 <a:latin typeface="Jost"/>
               </a:rPr>
               <a:t>Fiebre (convulsiones).</a:t>
             </a:r>
-            <a:endParaRPr lang="es-GT" sz="1600" dirty="0">
-              <a:latin typeface="Jost"/>
-            </a:endParaRPr>
           </a:p>
         </p:txBody>
       </p:sp>
@@ -10882,7 +11277,7 @@
               </a:spcAft>
               <a:buNone/>
             </a:pPr>
-            <a:endParaRPr>
+            <a:endParaRPr sz="2800" b="1">
               <a:latin typeface="Jost"/>
             </a:endParaRPr>
           </a:p>
@@ -10974,7 +11369,7 @@
               </a:spcAft>
               <a:buNone/>
             </a:pPr>
-            <a:endParaRPr>
+            <a:endParaRPr sz="2800" b="1">
               <a:latin typeface="Jost"/>
             </a:endParaRPr>
           </a:p>
@@ -11335,7 +11730,7 @@
               </a:spcAft>
               <a:buNone/>
             </a:pPr>
-            <a:endParaRPr>
+            <a:endParaRPr sz="2800" b="1">
               <a:latin typeface="Jost"/>
             </a:endParaRPr>
           </a:p>
@@ -11696,7 +12091,7 @@
               </a:spcAft>
               <a:buNone/>
             </a:pPr>
-            <a:endParaRPr>
+            <a:endParaRPr sz="2800" b="1">
               <a:latin typeface="Jost"/>
             </a:endParaRPr>
           </a:p>
@@ -11765,7 +12160,7 @@
               </a:spcAft>
               <a:buNone/>
             </a:pPr>
-            <a:endParaRPr>
+            <a:endParaRPr sz="2800" b="1">
               <a:latin typeface="Jost"/>
             </a:endParaRPr>
           </a:p>
@@ -11854,7 +12249,7 @@
                 </a:spcAft>
                 <a:buNone/>
               </a:pPr>
-              <a:endParaRPr>
+              <a:endParaRPr sz="2800" b="1">
                 <a:latin typeface="Jost"/>
               </a:endParaRPr>
             </a:p>
@@ -11923,7 +12318,7 @@
                 </a:spcAft>
                 <a:buNone/>
               </a:pPr>
-              <a:endParaRPr>
+              <a:endParaRPr sz="2800" b="1">
                 <a:latin typeface="Jost"/>
               </a:endParaRPr>
             </a:p>
@@ -11992,7 +12387,7 @@
                 </a:spcAft>
                 <a:buNone/>
               </a:pPr>
-              <a:endParaRPr>
+              <a:endParaRPr sz="2800" b="1">
                 <a:latin typeface="Jost"/>
               </a:endParaRPr>
             </a:p>
@@ -12061,7 +12456,7 @@
                 </a:spcAft>
                 <a:buNone/>
               </a:pPr>
-              <a:endParaRPr>
+              <a:endParaRPr sz="2800" b="1">
                 <a:latin typeface="Jost"/>
               </a:endParaRPr>
             </a:p>
@@ -12130,7 +12525,7 @@
                 </a:spcAft>
                 <a:buNone/>
               </a:pPr>
-              <a:endParaRPr>
+              <a:endParaRPr sz="2800" b="1">
                 <a:latin typeface="Jost"/>
               </a:endParaRPr>
             </a:p>
@@ -12199,7 +12594,7 @@
                 </a:spcAft>
                 <a:buNone/>
               </a:pPr>
-              <a:endParaRPr>
+              <a:endParaRPr sz="2800" b="1">
                 <a:latin typeface="Jost"/>
               </a:endParaRPr>
             </a:p>
@@ -12268,7 +12663,7 @@
                 </a:spcAft>
                 <a:buNone/>
               </a:pPr>
-              <a:endParaRPr>
+              <a:endParaRPr sz="2800" b="1">
                 <a:latin typeface="Jost"/>
               </a:endParaRPr>
             </a:p>
@@ -12473,7 +12868,7 @@
                 </a:spcAft>
                 <a:buNone/>
               </a:pPr>
-              <a:endParaRPr>
+              <a:endParaRPr sz="2800" b="1">
                 <a:latin typeface="Jost"/>
               </a:endParaRPr>
             </a:p>
@@ -12757,7 +13152,7 @@
                 </a:spcAft>
                 <a:buNone/>
               </a:pPr>
-              <a:endParaRPr>
+              <a:endParaRPr sz="2800" b="1">
                 <a:latin typeface="Jost"/>
               </a:endParaRPr>
             </a:p>
@@ -12924,7 +13319,7 @@
               </a:spcAft>
               <a:buNone/>
             </a:pPr>
-            <a:endParaRPr>
+            <a:endParaRPr sz="2800" b="1">
               <a:latin typeface="Jost"/>
             </a:endParaRPr>
           </a:p>
@@ -13060,7 +13455,7 @@
               </a:spcAft>
               <a:buNone/>
             </a:pPr>
-            <a:endParaRPr>
+            <a:endParaRPr sz="2800" b="1">
               <a:latin typeface="Jost"/>
             </a:endParaRPr>
           </a:p>
@@ -13350,7 +13745,7 @@
               <a:buNone/>
             </a:pPr>
             <a:r>
-              <a:rPr lang="es-GT" sz="1600" dirty="0">
+              <a:rPr lang="es-GT" sz="2400" b="1" dirty="0">
                 <a:solidFill>
                   <a:schemeClr val="tx1"/>
                 </a:solidFill>
@@ -13370,7 +13765,7 @@
               <a:buFont typeface="Lato"/>
               <a:buNone/>
             </a:pPr>
-            <a:endParaRPr lang="es-GT" sz="1600" dirty="0">
+            <a:endParaRPr lang="es-GT" sz="2400" b="1" dirty="0">
               <a:latin typeface="Jost"/>
             </a:endParaRPr>
           </a:p>
@@ -13620,8 +14015,8 @@
         </p:nvSpPr>
         <p:spPr>
           <a:xfrm>
-            <a:off x="473020" y="4898958"/>
-            <a:ext cx="4367814" cy="1477328"/>
+            <a:off x="217395" y="4714770"/>
+            <a:ext cx="3951193" cy="1938992"/>
           </a:xfrm>
           <a:prstGeom prst="rect">
             <a:avLst/>
@@ -13634,41 +14029,41 @@
           </a:bodyPr>
           <a:lstStyle/>
           <a:p>
-            <a:pPr marL="285750" indent="-285750">
+            <a:pPr marL="285750" indent="-285750" algn="just">
               <a:buFont typeface="Arial" panose="020B0604020202020204" pitchFamily="34" charset="0"/>
               <a:buChar char="•"/>
             </a:pPr>
             <a:r>
-              <a:rPr lang="es-419" dirty="0">
+              <a:rPr lang="es-419" sz="2400" b="1" dirty="0">
                 <a:latin typeface="Jost"/>
               </a:rPr>
               <a:t>Problema a resolver</a:t>
             </a:r>
           </a:p>
           <a:p>
-            <a:pPr marL="742950" lvl="1" indent="-285750">
+            <a:pPr marL="742950" lvl="1" indent="-285750" algn="just">
               <a:buFont typeface="Arial" panose="020B0604020202020204" pitchFamily="34" charset="0"/>
               <a:buChar char="•"/>
             </a:pPr>
             <a:r>
-              <a:rPr lang="es-419" dirty="0">
+              <a:rPr lang="es-419" sz="2400" b="1" dirty="0">
                 <a:latin typeface="Jost"/>
               </a:rPr>
               <a:t>Reducir la carga de los microscopistas </a:t>
             </a:r>
           </a:p>
           <a:p>
-            <a:pPr marL="742950" lvl="1" indent="-285750">
+            <a:pPr marL="742950" lvl="1" indent="-285750" algn="just">
               <a:buFont typeface="Arial" panose="020B0604020202020204" pitchFamily="34" charset="0"/>
               <a:buChar char="•"/>
             </a:pPr>
             <a:r>
-              <a:rPr lang="es-419" dirty="0">
+              <a:rPr lang="es-419" sz="2400" b="1" dirty="0">
                 <a:latin typeface="Jost"/>
               </a:rPr>
               <a:t>Proveer diagnósticos rápidos y certeros</a:t>
             </a:r>
-            <a:endParaRPr lang="en-US" dirty="0">
+            <a:endParaRPr lang="en-US" sz="2400" b="1" dirty="0">
               <a:latin typeface="Jost"/>
             </a:endParaRPr>
           </a:p>
@@ -13687,13 +14082,13 @@
           <p:nvPr>
             <p:extLst>
               <p:ext uri="{D42A27DB-BD31-4B8C-83A1-F6EECF244321}">
-                <p14:modId xmlns:p14="http://schemas.microsoft.com/office/powerpoint/2010/main" val="3895046132"/>
+                <p14:modId xmlns:p14="http://schemas.microsoft.com/office/powerpoint/2010/main" val="3271593282"/>
               </p:ext>
             </p:extLst>
           </p:nvPr>
         </p:nvGraphicFramePr>
         <p:xfrm>
-          <a:off x="936206" y="2154010"/>
+          <a:off x="303905" y="2046495"/>
           <a:ext cx="4608286" cy="2549979"/>
         </p:xfrm>
         <a:graphic>
@@ -13718,7 +14113,7 @@
         </p:nvSpPr>
         <p:spPr>
           <a:xfrm>
-            <a:off x="2754582" y="2947692"/>
+            <a:off x="2170027" y="2810532"/>
             <a:ext cx="973800" cy="473100"/>
           </a:xfrm>
           <a:prstGeom prst="rect">
@@ -13783,7 +14178,7 @@
         </p:blipFill>
         <p:spPr>
           <a:xfrm>
-            <a:off x="4585209" y="2363007"/>
+            <a:off x="4625050" y="2363007"/>
             <a:ext cx="7133771" cy="2932389"/>
           </a:xfrm>
           <a:prstGeom prst="rect">
@@ -14234,7 +14629,7 @@
         <p:spPr>
           <a:xfrm>
             <a:off x="798991" y="2112885"/>
-            <a:ext cx="10484528" cy="646331"/>
+            <a:ext cx="10484528" cy="1200329"/>
           </a:xfrm>
           <a:prstGeom prst="rect">
             <a:avLst/>
@@ -14247,13 +14642,14 @@
           </a:bodyPr>
           <a:lstStyle/>
           <a:p>
-            <a:r>
-              <a:rPr lang="es-ES" dirty="0">
+            <a:pPr algn="just"/>
+            <a:r>
+              <a:rPr lang="es-ES" sz="2400" b="1" dirty="0">
                 <a:latin typeface="Jost"/>
               </a:rPr>
               <a:t>Se considera que las redes convolucionales son efectivas para analizar imágenes de carácter médico mientras que los modelos de Transfer Learning no serán de utilidad en la clasificación de las mismas. </a:t>
             </a:r>
-            <a:endParaRPr lang="en-US" dirty="0">
+            <a:endParaRPr lang="en-US" sz="2400" b="1" dirty="0">
               <a:latin typeface="Jost"/>
             </a:endParaRPr>
           </a:p>
@@ -14273,7 +14669,7 @@
         </p:nvSpPr>
         <p:spPr>
           <a:xfrm>
-            <a:off x="705852" y="3090247"/>
+            <a:off x="705852" y="3650344"/>
             <a:ext cx="9849852" cy="584775"/>
           </a:xfrm>
           <a:prstGeom prst="rect">
@@ -14340,8 +14736,8 @@
         </p:nvSpPr>
         <p:spPr>
           <a:xfrm>
-            <a:off x="705852" y="3902268"/>
-            <a:ext cx="10484528" cy="923330"/>
+            <a:off x="705852" y="4572250"/>
+            <a:ext cx="10484528" cy="1569660"/>
           </a:xfrm>
           <a:prstGeom prst="rect">
             <a:avLst/>
@@ -14354,25 +14750,26 @@
           </a:bodyPr>
           <a:lstStyle/>
           <a:p>
-            <a:r>
-              <a:rPr lang="es-ES" dirty="0">
+            <a:pPr algn="just"/>
+            <a:r>
+              <a:rPr lang="es-ES" sz="2400" b="1" dirty="0">
                 <a:latin typeface="Jost"/>
               </a:rPr>
               <a:t>Comparar el desempeño en la clasificación de imágenes del </a:t>
             </a:r>
             <a:r>
-              <a:rPr lang="es-ES" dirty="0" err="1">
+              <a:rPr lang="es-ES" sz="2400" b="1" dirty="0" err="1">
                 <a:latin typeface="Jost"/>
               </a:rPr>
               <a:t>dataset</a:t>
             </a:r>
             <a:r>
-              <a:rPr lang="es-ES" dirty="0">
+              <a:rPr lang="es-ES" sz="2400" b="1" dirty="0">
                 <a:latin typeface="Jost"/>
               </a:rPr>
               <a:t> de una red convolucional y modelos de Transfer Learning. Utilizando los resultados para determinar cuál realiza un reconocimiento más rápido y efectivo de las muestras que se encuentran infectadas o no.</a:t>
             </a:r>
-            <a:endParaRPr lang="en-US" dirty="0">
+            <a:endParaRPr lang="en-US" sz="2400" b="1" dirty="0">
               <a:latin typeface="Jost"/>
             </a:endParaRPr>
           </a:p>
@@ -14970,7 +15367,7 @@
           <a:lstStyle/>
           <a:p>
             <a:r>
-              <a:rPr lang="es-419" sz="3200" b="1" dirty="0">
+              <a:rPr lang="en-US" sz="3200" b="1" dirty="0">
                 <a:solidFill>
                   <a:schemeClr val="tx1">
                     <a:lumMod val="85000"/>
@@ -14980,20 +15377,7 @@
                 <a:latin typeface="Jost" pitchFamily="2" charset="0"/>
                 <a:ea typeface="Jost" pitchFamily="2" charset="0"/>
               </a:rPr>
-              <a:t>R</a:t>
-            </a:r>
-            <a:r>
-              <a:rPr lang="en-US" sz="3200" b="1" dirty="0" err="1">
-                <a:solidFill>
-                  <a:schemeClr val="tx1">
-                    <a:lumMod val="85000"/>
-                    <a:lumOff val="15000"/>
-                  </a:schemeClr>
-                </a:solidFill>
-                <a:latin typeface="Jost" pitchFamily="2" charset="0"/>
-                <a:ea typeface="Jost" pitchFamily="2" charset="0"/>
-              </a:rPr>
-              <a:t>esultados</a:t>
+              <a:t>CNN</a:t>
             </a:r>
             <a:endParaRPr lang="en-US" sz="3200" b="1" dirty="0">
               <a:solidFill>
@@ -15122,10 +15506,10 @@
       </p:cxnSp>
       <p:pic>
         <p:nvPicPr>
-          <p:cNvPr id="7" name="Picture 6">
-            <a:extLst>
-              <a:ext uri="{FF2B5EF4-FFF2-40B4-BE49-F238E27FC236}">
-                <a16:creationId xmlns:a16="http://schemas.microsoft.com/office/drawing/2014/main" id="{E9DC9151-E7D8-479A-904C-CA211D94CF07}"/>
+          <p:cNvPr id="4" name="Picture 3">
+            <a:extLst>
+              <a:ext uri="{FF2B5EF4-FFF2-40B4-BE49-F238E27FC236}">
+                <a16:creationId xmlns:a16="http://schemas.microsoft.com/office/drawing/2014/main" id="{ABB3E3B1-DA2D-4FB6-ABBE-27863287A16A}"/>
               </a:ext>
             </a:extLst>
           </p:cNvPr>
@@ -15134,16 +15518,15 @@
           </p:cNvPicPr>
           <p:nvPr/>
         </p:nvPicPr>
-        <p:blipFill>
+        <p:blipFill rotWithShape="1">
           <a:blip r:embed="rId5"/>
-          <a:stretch>
-            <a:fillRect/>
-          </a:stretch>
+          <a:srcRect l="50000" t="55111"/>
+          <a:stretch/>
         </p:blipFill>
         <p:spPr>
           <a:xfrm>
-            <a:off x="2761961" y="2509935"/>
-            <a:ext cx="6668078" cy="2377646"/>
+            <a:off x="3894338" y="2046873"/>
+            <a:ext cx="4184342" cy="3369322"/>
           </a:xfrm>
           <a:prstGeom prst="rect">
             <a:avLst/>
@@ -15153,7 +15536,7 @@
     </p:spTree>
     <p:extLst>
       <p:ext uri="{BB962C8B-B14F-4D97-AF65-F5344CB8AC3E}">
-        <p14:creationId xmlns:p14="http://schemas.microsoft.com/office/powerpoint/2010/main" val="89715577"/>
+        <p14:creationId xmlns:p14="http://schemas.microsoft.com/office/powerpoint/2010/main" val="2924433744"/>
       </p:ext>
     </p:extLst>
   </p:cSld>
